--- a/기획/UTB (Unknown Team Battle).pptx
+++ b/기획/UTB (Unknown Team Battle).pptx
@@ -5,10 +5,10 @@
     <p:sldMasterId id="2147483648" r:id="rId4"/>
   </p:sldMasterIdLst>
   <p:notesMasterIdLst>
-    <p:notesMasterId r:id="rId17"/>
+    <p:notesMasterId r:id="rId18"/>
   </p:notesMasterIdLst>
   <p:handoutMasterIdLst>
-    <p:handoutMasterId r:id="rId18"/>
+    <p:handoutMasterId r:id="rId19"/>
   </p:handoutMasterIdLst>
   <p:sldIdLst>
     <p:sldId id="256" r:id="rId5"/>
@@ -16,13 +16,14 @@
     <p:sldId id="276" r:id="rId7"/>
     <p:sldId id="277" r:id="rId8"/>
     <p:sldId id="281" r:id="rId9"/>
-    <p:sldId id="282" r:id="rId10"/>
-    <p:sldId id="287" r:id="rId11"/>
-    <p:sldId id="278" r:id="rId12"/>
-    <p:sldId id="280" r:id="rId13"/>
-    <p:sldId id="279" r:id="rId14"/>
-    <p:sldId id="285" r:id="rId15"/>
-    <p:sldId id="286" r:id="rId16"/>
+    <p:sldId id="288" r:id="rId10"/>
+    <p:sldId id="282" r:id="rId11"/>
+    <p:sldId id="287" r:id="rId12"/>
+    <p:sldId id="278" r:id="rId13"/>
+    <p:sldId id="280" r:id="rId14"/>
+    <p:sldId id="279" r:id="rId15"/>
+    <p:sldId id="285" r:id="rId16"/>
+    <p:sldId id="286" r:id="rId17"/>
   </p:sldIdLst>
   <p:sldSz cx="12192000" cy="6858000"/>
   <p:notesSz cx="6858000" cy="9144000"/>
@@ -143,6 +144,12 @@
 </p:presentation>
 </file>
 
+<file path=ppt/commentAuthors.xml><?xml version="1.0" encoding="utf-8"?>
+<p:cmAuthorLst xmlns:a="http://schemas.openxmlformats.org/drawingml/2006/main" xmlns:r="http://schemas.openxmlformats.org/officeDocument/2006/relationships" xmlns:p="http://schemas.openxmlformats.org/presentationml/2006/main">
+  <p:cmAuthor id="2" name="만든 이" initials="오전" lastIdx="0" clrIdx="1"/>
+</p:cmAuthorLst>
+</file>
+
 <file path=ppt/handoutMasters/handoutMaster1.xml><?xml version="1.0" encoding="utf-8"?>
 <p:handoutMaster xmlns:a="http://schemas.openxmlformats.org/drawingml/2006/main" xmlns:r="http://schemas.openxmlformats.org/officeDocument/2006/relationships" xmlns:p="http://schemas.openxmlformats.org/presentationml/2006/main">
   <p:cSld>
@@ -233,7 +240,7 @@
                 <a:latin typeface="malgun gothic" panose="020B0503020000020004" pitchFamily="50" charset="-127"/>
                 <a:ea typeface="malgun gothic" panose="020B0503020000020004" pitchFamily="50" charset="-127"/>
               </a:rPr>
-              <a:t>2018-10-28</a:t>
+              <a:t>2018-10-29</a:t>
             </a:fld>
             <a:endParaRPr lang="ko-KR" altLang="en-US" dirty="0">
               <a:latin typeface="malgun gothic" panose="020B0503020000020004" pitchFamily="50" charset="-127"/>
@@ -420,7 +427,7 @@
             <a:fld id="{2B34C70B-81DE-478B-BC68-391D7A2B171D}" type="datetime1">
               <a:rPr lang="ko-KR" altLang="en-US" smtClean="0"/>
               <a:pPr/>
-              <a:t>2018-10-28</a:t>
+              <a:t>2018-10-29</a:t>
             </a:fld>
             <a:endParaRPr lang="ko-KR" altLang="en-US" dirty="0"/>
           </a:p>
@@ -1258,7 +1265,7 @@
             <a:fld id="{68CE1086-A3BD-48EF-A323-678893A53D35}" type="datetime1">
               <a:rPr lang="ko-KR" altLang="en-US" smtClean="0"/>
               <a:pPr/>
-              <a:t>2018-10-28</a:t>
+              <a:t>2018-10-29</a:t>
             </a:fld>
             <a:endParaRPr lang="ko-KR" altLang="en-US" dirty="0"/>
           </a:p>
@@ -1450,7 +1457,7 @@
             <a:fld id="{6EA4C49E-3278-403A-903E-EF3D15875233}" type="datetime1">
               <a:rPr lang="ko-KR" altLang="en-US" smtClean="0"/>
               <a:pPr/>
-              <a:t>2018-10-28</a:t>
+              <a:t>2018-10-29</a:t>
             </a:fld>
             <a:endParaRPr lang="ko-KR" altLang="en-US" dirty="0"/>
           </a:p>
@@ -1669,7 +1676,7 @@
             <a:fld id="{57B1F5DF-468D-4526-9AD3-FCEB4539BE9E}" type="datetime1">
               <a:rPr lang="ko-KR" altLang="en-US" smtClean="0"/>
               <a:pPr/>
-              <a:t>2018-10-28</a:t>
+              <a:t>2018-10-29</a:t>
             </a:fld>
             <a:endParaRPr lang="ko-KR" altLang="en-US" dirty="0"/>
           </a:p>
@@ -2126,7 +2133,7 @@
             <a:fld id="{4A42E9B4-9CCE-4307-BDB1-EE18E3DD4AB2}" type="datetime1">
               <a:rPr lang="ko-KR" altLang="en-US" smtClean="0"/>
               <a:pPr/>
-              <a:t>2018-10-28</a:t>
+              <a:t>2018-10-29</a:t>
             </a:fld>
             <a:endParaRPr lang="ko-KR" altLang="en-US" dirty="0"/>
           </a:p>
@@ -2572,7 +2579,7 @@
             <a:fld id="{C381DCFB-4CBD-4994-8BAE-751FAAE07E5B}" type="datetime1">
               <a:rPr lang="ko-KR" altLang="en-US" smtClean="0"/>
               <a:pPr/>
-              <a:t>2018-10-28</a:t>
+              <a:t>2018-10-29</a:t>
             </a:fld>
             <a:endParaRPr lang="ko-KR" altLang="en-US" dirty="0"/>
           </a:p>
@@ -2698,7 +2705,7 @@
             <a:fld id="{D77F9172-712F-4274-AA50-4E268DAA3039}" type="datetime1">
               <a:rPr lang="ko-KR" altLang="en-US" smtClean="0"/>
               <a:pPr/>
-              <a:t>2018-10-28</a:t>
+              <a:t>2018-10-29</a:t>
             </a:fld>
             <a:endParaRPr lang="ko-KR" altLang="en-US" dirty="0"/>
           </a:p>
@@ -2800,7 +2807,7 @@
             <a:fld id="{E6EBB456-6E40-4840-BC62-AD77175292E5}" type="datetime1">
               <a:rPr lang="ko-KR" altLang="en-US" smtClean="0"/>
               <a:pPr/>
-              <a:t>2018-10-28</a:t>
+              <a:t>2018-10-29</a:t>
             </a:fld>
             <a:endParaRPr lang="ko-KR" altLang="en-US" dirty="0"/>
           </a:p>
@@ -3093,7 +3100,7 @@
             <a:fld id="{97CD9761-6B96-4BBC-A321-D317D8E7C564}" type="datetime1">
               <a:rPr lang="ko-KR" altLang="en-US" smtClean="0"/>
               <a:pPr/>
-              <a:t>2018-10-28</a:t>
+              <a:t>2018-10-29</a:t>
             </a:fld>
             <a:endParaRPr lang="ko-KR" altLang="en-US" dirty="0"/>
           </a:p>
@@ -3430,7 +3437,7 @@
             <a:fld id="{96DD9EE9-B0D3-429F-B9CA-4B9779BB7761}" type="datetime1">
               <a:rPr lang="ko-KR" altLang="en-US" smtClean="0"/>
               <a:pPr/>
-              <a:t>2018-10-28</a:t>
+              <a:t>2018-10-29</a:t>
             </a:fld>
             <a:endParaRPr lang="ko-KR" altLang="en-US" dirty="0"/>
           </a:p>
@@ -3660,7 +3667,7 @@
             <a:fld id="{11DBD0AD-5711-45AA-9DE6-936CF2BF62F6}" type="datetime1">
               <a:rPr lang="ko-KR" altLang="en-US" smtClean="0"/>
               <a:pPr/>
-              <a:t>2018-10-28</a:t>
+              <a:t>2018-10-29</a:t>
             </a:fld>
             <a:endParaRPr lang="ko-KR" altLang="en-US" dirty="0"/>
           </a:p>
@@ -4293,7 +4300,7 @@
           <p:cNvPr id="2" name="제목 1">
             <a:extLst>
               <a:ext uri="{FF2B5EF4-FFF2-40B4-BE49-F238E27FC236}">
-                <a16:creationId xmlns:a16="http://schemas.microsoft.com/office/drawing/2014/main" id="{BAD8D3C6-56EF-423C-B6CF-4B23CE2F1D6F}"/>
+                <a16:creationId xmlns:a16="http://schemas.microsoft.com/office/drawing/2014/main" id="{DA9DF249-E098-4F1C-A033-AEEFC6C2F587}"/>
               </a:ext>
             </a:extLst>
           </p:cNvPr>
@@ -4311,7 +4318,7 @@
           <a:p>
             <a:r>
               <a:rPr lang="ko-KR" altLang="en-US" dirty="0"/>
-              <a:t>기술적요소</a:t>
+              <a:t>역할분담</a:t>
             </a:r>
           </a:p>
         </p:txBody>
@@ -4321,7 +4328,7 @@
           <p:cNvPr id="3" name="텍스트 개체 틀 2">
             <a:extLst>
               <a:ext uri="{FF2B5EF4-FFF2-40B4-BE49-F238E27FC236}">
-                <a16:creationId xmlns:a16="http://schemas.microsoft.com/office/drawing/2014/main" id="{40905990-CD97-4F8A-839B-8AC41B296D7F}"/>
+                <a16:creationId xmlns:a16="http://schemas.microsoft.com/office/drawing/2014/main" id="{3E2821B3-7C49-4ED3-938F-D7A2B784F8FE}"/>
               </a:ext>
             </a:extLst>
           </p:cNvPr>
@@ -4334,18 +4341,22 @@
         </p:nvSpPr>
         <p:spPr/>
         <p:txBody>
-          <a:bodyPr>
-            <a:normAutofit lnSpcReduction="10000"/>
-          </a:bodyPr>
+          <a:bodyPr/>
           <a:lstStyle/>
           <a:p>
-            <a:endParaRPr lang="en-US" altLang="ko-KR" dirty="0"/>
-          </a:p>
-          <a:p>
             <a:r>
               <a:rPr lang="ko-KR" altLang="en-US" dirty="0"/>
-              <a:t>서버</a:t>
-            </a:r>
+              <a:t>서버 </a:t>
+            </a:r>
+            <a:r>
+              <a:rPr lang="en-US" altLang="ko-KR" dirty="0"/>
+              <a:t>: </a:t>
+            </a:r>
+            <a:r>
+              <a:rPr lang="ko-KR" altLang="en-US" dirty="0" err="1"/>
+              <a:t>김동산</a:t>
+            </a:r>
+            <a:endParaRPr lang="ko-KR" altLang="en-US" dirty="0"/>
           </a:p>
         </p:txBody>
       </p:sp>
@@ -4354,7 +4365,7 @@
           <p:cNvPr id="4" name="내용 개체 틀 3">
             <a:extLst>
               <a:ext uri="{FF2B5EF4-FFF2-40B4-BE49-F238E27FC236}">
-                <a16:creationId xmlns:a16="http://schemas.microsoft.com/office/drawing/2014/main" id="{E6DED4B5-DE43-4398-88B9-7119442CAC88}"/>
+                <a16:creationId xmlns:a16="http://schemas.microsoft.com/office/drawing/2014/main" id="{9C230DD0-DC2A-442C-9A86-86779FF98E00}"/>
               </a:ext>
             </a:extLst>
           </p:cNvPr>
@@ -4365,12 +4376,7 @@
             <p:ph sz="half" idx="2"/>
           </p:nvPr>
         </p:nvSpPr>
-        <p:spPr>
-          <a:xfrm>
-            <a:off x="1520952" y="2636912"/>
-            <a:ext cx="4343400" cy="3581401"/>
-          </a:xfrm>
-        </p:spPr>
+        <p:spPr/>
         <p:txBody>
           <a:bodyPr/>
           <a:lstStyle/>
@@ -4379,30 +4385,30 @@
               <a:rPr lang="en-US" altLang="ko-KR" dirty="0"/>
               <a:t>IOCP</a:t>
             </a:r>
-          </a:p>
-          <a:p>
-            <a:r>
-              <a:rPr lang="ko-KR" altLang="en-US" dirty="0" err="1"/>
-              <a:t>데드</a:t>
-            </a:r>
             <a:r>
               <a:rPr lang="ko-KR" altLang="en-US" dirty="0"/>
-              <a:t> </a:t>
-            </a:r>
-            <a:r>
-              <a:rPr lang="ko-KR" altLang="en-US" dirty="0" err="1"/>
-              <a:t>레커닝</a:t>
+              <a:t>를 이용한 방 구조 서버 개발</a:t>
             </a:r>
             <a:endParaRPr lang="en-US" altLang="ko-KR" dirty="0"/>
           </a:p>
           <a:p>
             <a:r>
-              <a:rPr lang="en-US" altLang="ko-KR" dirty="0"/>
-              <a:t>DB </a:t>
-            </a:r>
-            <a:r>
               <a:rPr lang="ko-KR" altLang="en-US" dirty="0"/>
-              <a:t>연동</a:t>
+              <a:t>더미 클라이언트 개발</a:t>
+            </a:r>
+            <a:endParaRPr lang="en-US" altLang="ko-KR" dirty="0"/>
+          </a:p>
+          <a:p>
+            <a:r>
+              <a:rPr lang="ko-KR" altLang="en-US" dirty="0"/>
+              <a:t>충돌체크 구현</a:t>
+            </a:r>
+            <a:endParaRPr lang="en-US" altLang="ko-KR" dirty="0"/>
+          </a:p>
+          <a:p>
+            <a:r>
+              <a:rPr lang="ko-KR" altLang="en-US" dirty="0"/>
+              <a:t>동기화</a:t>
             </a:r>
             <a:endParaRPr lang="en-US" altLang="ko-KR" dirty="0"/>
           </a:p>
@@ -4416,7 +4422,7 @@
           <p:cNvPr id="5" name="텍스트 개체 틀 4">
             <a:extLst>
               <a:ext uri="{FF2B5EF4-FFF2-40B4-BE49-F238E27FC236}">
-                <a16:creationId xmlns:a16="http://schemas.microsoft.com/office/drawing/2014/main" id="{7451687E-1163-4246-9BE6-04D39D22C9F8}"/>
+                <a16:creationId xmlns:a16="http://schemas.microsoft.com/office/drawing/2014/main" id="{E672CE2E-A201-4394-8FA4-53236EB6BAD1}"/>
               </a:ext>
             </a:extLst>
           </p:cNvPr>
@@ -4429,18 +4435,30 @@
         </p:nvSpPr>
         <p:spPr/>
         <p:txBody>
-          <a:bodyPr>
-            <a:normAutofit lnSpcReduction="10000"/>
-          </a:bodyPr>
+          <a:bodyPr/>
           <a:lstStyle/>
           <a:p>
-            <a:endParaRPr lang="en-US" altLang="ko-KR" dirty="0"/>
-          </a:p>
-          <a:p>
             <a:r>
               <a:rPr lang="ko-KR" altLang="en-US" dirty="0"/>
-              <a:t>클라이언트</a:t>
-            </a:r>
+              <a:t>클라이언트 </a:t>
+            </a:r>
+            <a:r>
+              <a:rPr lang="en-US" altLang="ko-KR" dirty="0"/>
+              <a:t>: </a:t>
+            </a:r>
+            <a:r>
+              <a:rPr lang="ko-KR" altLang="en-US" dirty="0" err="1"/>
+              <a:t>백명규</a:t>
+            </a:r>
+            <a:r>
+              <a:rPr lang="en-US" altLang="ko-KR" dirty="0"/>
+              <a:t>, </a:t>
+            </a:r>
+            <a:r>
+              <a:rPr lang="ko-KR" altLang="en-US" dirty="0" err="1"/>
+              <a:t>정홍래</a:t>
+            </a:r>
+            <a:endParaRPr lang="ko-KR" altLang="en-US" dirty="0"/>
           </a:p>
         </p:txBody>
       </p:sp>
@@ -4449,7 +4467,7 @@
           <p:cNvPr id="6" name="내용 개체 틀 5">
             <a:extLst>
               <a:ext uri="{FF2B5EF4-FFF2-40B4-BE49-F238E27FC236}">
-                <a16:creationId xmlns:a16="http://schemas.microsoft.com/office/drawing/2014/main" id="{D46420B9-8D61-48CD-968F-4244D46E5FDF}"/>
+                <a16:creationId xmlns:a16="http://schemas.microsoft.com/office/drawing/2014/main" id="{E688061A-5A6B-4B52-95AD-B4BAC716C5A6}"/>
               </a:ext>
             </a:extLst>
           </p:cNvPr>
@@ -4460,67 +4478,58 @@
             <p:ph sz="quarter" idx="4"/>
           </p:nvPr>
         </p:nvSpPr>
-        <p:spPr>
-          <a:xfrm>
-            <a:off x="6327648" y="2636912"/>
-            <a:ext cx="4343400" cy="3581401"/>
-          </a:xfrm>
-        </p:spPr>
+        <p:spPr/>
         <p:txBody>
           <a:bodyPr/>
           <a:lstStyle/>
           <a:p>
             <a:r>
+              <a:rPr lang="ko-KR" altLang="en-US" dirty="0"/>
+              <a:t>프레임워크 제작</a:t>
+            </a:r>
+            <a:endParaRPr lang="en-US" altLang="ko-KR" dirty="0"/>
+          </a:p>
+          <a:p>
+            <a:r>
+              <a:rPr lang="ko-KR" altLang="en-US" dirty="0"/>
+              <a:t>맵 제작</a:t>
+            </a:r>
+            <a:endParaRPr lang="en-US" altLang="ko-KR" dirty="0"/>
+          </a:p>
+          <a:p>
+            <a:r>
               <a:rPr lang="ko-KR" altLang="en-US" dirty="0" err="1"/>
               <a:t>스키닝</a:t>
             </a:r>
             <a:r>
               <a:rPr lang="ko-KR" altLang="en-US" dirty="0"/>
-              <a:t> 애니메이션</a:t>
+              <a:t> 애니메이션 구현</a:t>
             </a:r>
             <a:endParaRPr lang="en-US" altLang="ko-KR" dirty="0"/>
           </a:p>
           <a:p>
             <a:r>
+              <a:rPr lang="en-US" altLang="ko-KR" dirty="0"/>
+              <a:t>UI </a:t>
+            </a:r>
+            <a:r>
               <a:rPr lang="ko-KR" altLang="en-US" dirty="0"/>
-              <a:t>입체음향</a:t>
+              <a:t>구현</a:t>
             </a:r>
             <a:endParaRPr lang="en-US" altLang="ko-KR" dirty="0"/>
           </a:p>
           <a:p>
             <a:r>
-              <a:rPr lang="ko-KR" altLang="en-US" dirty="0" err="1"/>
-              <a:t>디퍼드</a:t>
-            </a:r>
-            <a:r>
               <a:rPr lang="ko-KR" altLang="en-US" dirty="0"/>
-              <a:t> 렌더링</a:t>
-            </a:r>
-            <a:endParaRPr lang="en-US" altLang="ko-KR" dirty="0"/>
-          </a:p>
-          <a:p>
-            <a:r>
-              <a:rPr lang="ko-KR" altLang="en-US" dirty="0"/>
-              <a:t>알파 </a:t>
-            </a:r>
-            <a:r>
-              <a:rPr lang="ko-KR" altLang="en-US" dirty="0" err="1"/>
-              <a:t>블랜딩</a:t>
-            </a:r>
-            <a:endParaRPr lang="en-US" altLang="ko-KR" dirty="0"/>
-          </a:p>
-          <a:p>
-            <a:endParaRPr lang="en-US" altLang="ko-KR" dirty="0"/>
-          </a:p>
-          <a:p>
-            <a:endParaRPr lang="ko-KR" altLang="en-US" dirty="0"/>
+              <a:t>사운드</a:t>
+            </a:r>
           </a:p>
         </p:txBody>
       </p:sp>
     </p:spTree>
     <p:extLst>
       <p:ext uri="{BB962C8B-B14F-4D97-AF65-F5344CB8AC3E}">
-        <p14:creationId xmlns:p14="http://schemas.microsoft.com/office/powerpoint/2010/main" val="5504080"/>
+        <p14:creationId xmlns:p14="http://schemas.microsoft.com/office/powerpoint/2010/main" val="2097482729"/>
       </p:ext>
     </p:extLst>
   </p:cSld>
@@ -4552,7 +4561,7 @@
           <p:cNvPr id="2" name="제목 1">
             <a:extLst>
               <a:ext uri="{FF2B5EF4-FFF2-40B4-BE49-F238E27FC236}">
-                <a16:creationId xmlns:a16="http://schemas.microsoft.com/office/drawing/2014/main" id="{84ADE4AD-147E-4776-9CAC-63808C9E04BB}"/>
+                <a16:creationId xmlns:a16="http://schemas.microsoft.com/office/drawing/2014/main" id="{BAD8D3C6-56EF-423C-B6CF-4B23CE2F1D6F}"/>
               </a:ext>
             </a:extLst>
           </p:cNvPr>
@@ -4570,17 +4579,17 @@
           <a:p>
             <a:r>
               <a:rPr lang="ko-KR" altLang="en-US" dirty="0"/>
-              <a:t>개발 일정</a:t>
+              <a:t>기술적요소</a:t>
             </a:r>
           </a:p>
         </p:txBody>
       </p:sp>
       <p:sp>
         <p:nvSpPr>
-          <p:cNvPr id="3" name="내용 개체 틀 2">
+          <p:cNvPr id="3" name="텍스트 개체 틀 2">
             <a:extLst>
               <a:ext uri="{FF2B5EF4-FFF2-40B4-BE49-F238E27FC236}">
-                <a16:creationId xmlns:a16="http://schemas.microsoft.com/office/drawing/2014/main" id="{41138651-DEDF-44C7-AE8C-8479BD6AC1AF}"/>
+                <a16:creationId xmlns:a16="http://schemas.microsoft.com/office/drawing/2014/main" id="{40905990-CD97-4F8A-839B-8AC41B296D7F}"/>
               </a:ext>
             </a:extLst>
           </p:cNvPr>
@@ -4588,21 +4597,184 @@
             <a:spLocks noGrp="1"/>
           </p:cNvSpPr>
           <p:nvPr>
-            <p:ph idx="1"/>
+            <p:ph type="body" idx="1"/>
           </p:nvPr>
         </p:nvSpPr>
         <p:spPr/>
+        <p:txBody>
+          <a:bodyPr>
+            <a:normAutofit lnSpcReduction="10000"/>
+          </a:bodyPr>
+          <a:lstStyle/>
+          <a:p>
+            <a:endParaRPr lang="en-US" altLang="ko-KR" dirty="0"/>
+          </a:p>
+          <a:p>
+            <a:r>
+              <a:rPr lang="ko-KR" altLang="en-US" dirty="0"/>
+              <a:t>서버</a:t>
+            </a:r>
+          </a:p>
+        </p:txBody>
+      </p:sp>
+      <p:sp>
+        <p:nvSpPr>
+          <p:cNvPr id="4" name="내용 개체 틀 3">
+            <a:extLst>
+              <a:ext uri="{FF2B5EF4-FFF2-40B4-BE49-F238E27FC236}">
+                <a16:creationId xmlns:a16="http://schemas.microsoft.com/office/drawing/2014/main" id="{E6DED4B5-DE43-4398-88B9-7119442CAC88}"/>
+              </a:ext>
+            </a:extLst>
+          </p:cNvPr>
+          <p:cNvSpPr>
+            <a:spLocks noGrp="1"/>
+          </p:cNvSpPr>
+          <p:nvPr>
+            <p:ph sz="half" idx="2"/>
+          </p:nvPr>
+        </p:nvSpPr>
+        <p:spPr>
+          <a:xfrm>
+            <a:off x="1520952" y="2636912"/>
+            <a:ext cx="4343400" cy="3581401"/>
+          </a:xfrm>
+        </p:spPr>
         <p:txBody>
           <a:bodyPr/>
           <a:lstStyle/>
           <a:p>
+            <a:r>
+              <a:rPr lang="en-US" altLang="ko-KR" dirty="0"/>
+              <a:t>IOCP</a:t>
+            </a:r>
+          </a:p>
+          <a:p>
+            <a:r>
+              <a:rPr lang="ko-KR" altLang="en-US" dirty="0" err="1"/>
+              <a:t>데드</a:t>
+            </a:r>
+            <a:r>
+              <a:rPr lang="ko-KR" altLang="en-US" dirty="0"/>
+              <a:t> </a:t>
+            </a:r>
+            <a:r>
+              <a:rPr lang="ko-KR" altLang="en-US" dirty="0" err="1"/>
+              <a:t>레커닝</a:t>
+            </a:r>
             <a:endParaRPr lang="en-US" altLang="ko-KR" dirty="0"/>
           </a:p>
           <a:p>
             <a:r>
               <a:rPr lang="en-US" altLang="ko-KR" dirty="0"/>
-              <a:t>1</a:t>
-            </a:r>
+              <a:t>DB </a:t>
+            </a:r>
+            <a:r>
+              <a:rPr lang="ko-KR" altLang="en-US" dirty="0"/>
+              <a:t>연동</a:t>
+            </a:r>
+            <a:endParaRPr lang="en-US" altLang="ko-KR" dirty="0"/>
+          </a:p>
+          <a:p>
+            <a:endParaRPr lang="en-US" altLang="ko-KR" dirty="0"/>
+          </a:p>
+        </p:txBody>
+      </p:sp>
+      <p:sp>
+        <p:nvSpPr>
+          <p:cNvPr id="5" name="텍스트 개체 틀 4">
+            <a:extLst>
+              <a:ext uri="{FF2B5EF4-FFF2-40B4-BE49-F238E27FC236}">
+                <a16:creationId xmlns:a16="http://schemas.microsoft.com/office/drawing/2014/main" id="{7451687E-1163-4246-9BE6-04D39D22C9F8}"/>
+              </a:ext>
+            </a:extLst>
+          </p:cNvPr>
+          <p:cNvSpPr>
+            <a:spLocks noGrp="1"/>
+          </p:cNvSpPr>
+          <p:nvPr>
+            <p:ph type="body" sz="quarter" idx="3"/>
+          </p:nvPr>
+        </p:nvSpPr>
+        <p:spPr/>
+        <p:txBody>
+          <a:bodyPr>
+            <a:normAutofit lnSpcReduction="10000"/>
+          </a:bodyPr>
+          <a:lstStyle/>
+          <a:p>
+            <a:endParaRPr lang="en-US" altLang="ko-KR" dirty="0"/>
+          </a:p>
+          <a:p>
+            <a:r>
+              <a:rPr lang="ko-KR" altLang="en-US" dirty="0"/>
+              <a:t>클라이언트</a:t>
+            </a:r>
+          </a:p>
+        </p:txBody>
+      </p:sp>
+      <p:sp>
+        <p:nvSpPr>
+          <p:cNvPr id="6" name="내용 개체 틀 5">
+            <a:extLst>
+              <a:ext uri="{FF2B5EF4-FFF2-40B4-BE49-F238E27FC236}">
+                <a16:creationId xmlns:a16="http://schemas.microsoft.com/office/drawing/2014/main" id="{D46420B9-8D61-48CD-968F-4244D46E5FDF}"/>
+              </a:ext>
+            </a:extLst>
+          </p:cNvPr>
+          <p:cNvSpPr>
+            <a:spLocks noGrp="1"/>
+          </p:cNvSpPr>
+          <p:nvPr>
+            <p:ph sz="quarter" idx="4"/>
+          </p:nvPr>
+        </p:nvSpPr>
+        <p:spPr>
+          <a:xfrm>
+            <a:off x="6327648" y="2636912"/>
+            <a:ext cx="4343400" cy="3581401"/>
+          </a:xfrm>
+        </p:spPr>
+        <p:txBody>
+          <a:bodyPr/>
+          <a:lstStyle/>
+          <a:p>
+            <a:r>
+              <a:rPr lang="ko-KR" altLang="en-US" dirty="0" err="1"/>
+              <a:t>스키닝</a:t>
+            </a:r>
+            <a:r>
+              <a:rPr lang="ko-KR" altLang="en-US" dirty="0"/>
+              <a:t> 애니메이션</a:t>
+            </a:r>
+            <a:endParaRPr lang="en-US" altLang="ko-KR" dirty="0"/>
+          </a:p>
+          <a:p>
+            <a:r>
+              <a:rPr lang="ko-KR" altLang="en-US" dirty="0"/>
+              <a:t>입체음향</a:t>
+            </a:r>
+            <a:endParaRPr lang="en-US" altLang="ko-KR" dirty="0"/>
+          </a:p>
+          <a:p>
+            <a:r>
+              <a:rPr lang="ko-KR" altLang="en-US" dirty="0"/>
+              <a:t>여러가지 렌더링 기법 적용</a:t>
+            </a:r>
+            <a:endParaRPr lang="en-US" altLang="ko-KR" dirty="0"/>
+          </a:p>
+          <a:p>
+            <a:r>
+              <a:rPr lang="ko-KR" altLang="en-US" dirty="0"/>
+              <a:t>알파 </a:t>
+            </a:r>
+            <a:r>
+              <a:rPr lang="ko-KR" altLang="en-US" dirty="0" err="1"/>
+              <a:t>블랜딩</a:t>
+            </a:r>
+            <a:endParaRPr lang="en-US" altLang="ko-KR" dirty="0"/>
+          </a:p>
+          <a:p>
+            <a:endParaRPr lang="en-US" altLang="ko-KR" dirty="0"/>
           </a:p>
           <a:p>
             <a:endParaRPr lang="ko-KR" altLang="en-US" dirty="0"/>
@@ -4612,7 +4784,7 @@
     </p:spTree>
     <p:extLst>
       <p:ext uri="{BB962C8B-B14F-4D97-AF65-F5344CB8AC3E}">
-        <p14:creationId xmlns:p14="http://schemas.microsoft.com/office/powerpoint/2010/main" val="48987709"/>
+        <p14:creationId xmlns:p14="http://schemas.microsoft.com/office/powerpoint/2010/main" val="5504080"/>
       </p:ext>
     </p:extLst>
   </p:cSld>
@@ -4644,6 +4816,98 @@
           <p:cNvPr id="2" name="제목 1">
             <a:extLst>
               <a:ext uri="{FF2B5EF4-FFF2-40B4-BE49-F238E27FC236}">
+                <a16:creationId xmlns:a16="http://schemas.microsoft.com/office/drawing/2014/main" id="{84ADE4AD-147E-4776-9CAC-63808C9E04BB}"/>
+              </a:ext>
+            </a:extLst>
+          </p:cNvPr>
+          <p:cNvSpPr>
+            <a:spLocks noGrp="1"/>
+          </p:cNvSpPr>
+          <p:nvPr>
+            <p:ph type="title"/>
+          </p:nvPr>
+        </p:nvSpPr>
+        <p:spPr/>
+        <p:txBody>
+          <a:bodyPr/>
+          <a:lstStyle/>
+          <a:p>
+            <a:r>
+              <a:rPr lang="ko-KR" altLang="en-US" dirty="0"/>
+              <a:t>개발 일정</a:t>
+            </a:r>
+          </a:p>
+        </p:txBody>
+      </p:sp>
+      <p:sp>
+        <p:nvSpPr>
+          <p:cNvPr id="3" name="내용 개체 틀 2">
+            <a:extLst>
+              <a:ext uri="{FF2B5EF4-FFF2-40B4-BE49-F238E27FC236}">
+                <a16:creationId xmlns:a16="http://schemas.microsoft.com/office/drawing/2014/main" id="{41138651-DEDF-44C7-AE8C-8479BD6AC1AF}"/>
+              </a:ext>
+            </a:extLst>
+          </p:cNvPr>
+          <p:cNvSpPr>
+            <a:spLocks noGrp="1"/>
+          </p:cNvSpPr>
+          <p:nvPr>
+            <p:ph idx="1"/>
+          </p:nvPr>
+        </p:nvSpPr>
+        <p:spPr/>
+        <p:txBody>
+          <a:bodyPr/>
+          <a:lstStyle/>
+          <a:p>
+            <a:endParaRPr lang="en-US" altLang="ko-KR" dirty="0"/>
+          </a:p>
+          <a:p>
+            <a:r>
+              <a:rPr lang="en-US" altLang="ko-KR" dirty="0"/>
+              <a:t>1</a:t>
+            </a:r>
+          </a:p>
+          <a:p>
+            <a:endParaRPr lang="ko-KR" altLang="en-US" dirty="0"/>
+          </a:p>
+        </p:txBody>
+      </p:sp>
+    </p:spTree>
+    <p:extLst>
+      <p:ext uri="{BB962C8B-B14F-4D97-AF65-F5344CB8AC3E}">
+        <p14:creationId xmlns:p14="http://schemas.microsoft.com/office/powerpoint/2010/main" val="48987709"/>
+      </p:ext>
+    </p:extLst>
+  </p:cSld>
+  <p:clrMapOvr>
+    <a:masterClrMapping/>
+  </p:clrMapOvr>
+</p:sld>
+</file>
+
+<file path=ppt/slides/slide13.xml><?xml version="1.0" encoding="utf-8"?>
+<p:sld xmlns:a="http://schemas.openxmlformats.org/drawingml/2006/main" xmlns:r="http://schemas.openxmlformats.org/officeDocument/2006/relationships" xmlns:p="http://schemas.openxmlformats.org/presentationml/2006/main">
+  <p:cSld>
+    <p:spTree>
+      <p:nvGrpSpPr>
+        <p:cNvPr id="1" name=""/>
+        <p:cNvGrpSpPr/>
+        <p:nvPr/>
+      </p:nvGrpSpPr>
+      <p:grpSpPr>
+        <a:xfrm>
+          <a:off x="0" y="0"/>
+          <a:ext cx="0" cy="0"/>
+          <a:chOff x="0" y="0"/>
+          <a:chExt cx="0" cy="0"/>
+        </a:xfrm>
+      </p:grpSpPr>
+      <p:sp>
+        <p:nvSpPr>
+          <p:cNvPr id="2" name="제목 1">
+            <a:extLst>
+              <a:ext uri="{FF2B5EF4-FFF2-40B4-BE49-F238E27FC236}">
                 <a16:creationId xmlns:a16="http://schemas.microsoft.com/office/drawing/2014/main" id="{F1820C4D-A713-4F20-AB07-73AD6950D333}"/>
               </a:ext>
             </a:extLst>
@@ -4697,6 +4961,94 @@
           <a:p>
             <a:r>
               <a:rPr lang="en-US" altLang="ko-KR" sz="1600" dirty="0">
+                <a:hlinkClick r:id="rId3"/>
+              </a:rPr>
+              <a:t>http://dkbnews.donga.com/3/all/20070427/34211233/1</a:t>
+            </a:r>
+            <a:r>
+              <a:rPr lang="en-US" altLang="ko-KR" sz="1600" dirty="0"/>
+              <a:t> ( </a:t>
+            </a:r>
+            <a:r>
+              <a:rPr lang="ko-KR" altLang="en-US" sz="1600" dirty="0"/>
+              <a:t>서든어택 </a:t>
+            </a:r>
+            <a:r>
+              <a:rPr lang="en-US" altLang="ko-KR" sz="1600" dirty="0"/>
+              <a:t>) </a:t>
+            </a:r>
+            <a:r>
+              <a:rPr lang="ko-KR" altLang="en-US" sz="1600" dirty="0"/>
+              <a:t>그림</a:t>
+            </a:r>
+            <a:r>
+              <a:rPr lang="en-US" altLang="ko-KR" sz="1600" dirty="0"/>
+              <a:t>1</a:t>
+            </a:r>
+          </a:p>
+          <a:p>
+            <a:r>
+              <a:rPr lang="en-US" altLang="ko-KR" sz="1600" dirty="0">
+                <a:hlinkClick r:id="rId4"/>
+              </a:rPr>
+              <a:t>https://www.youtube.com/watch?v=EbAQvK2RvoM</a:t>
+            </a:r>
+            <a:r>
+              <a:rPr lang="en-US" altLang="ko-KR" sz="1600" dirty="0"/>
+              <a:t> ( </a:t>
+            </a:r>
+            <a:r>
+              <a:rPr lang="ko-KR" altLang="en-US" sz="1600" dirty="0" err="1"/>
+              <a:t>오버워치</a:t>
+            </a:r>
+            <a:r>
+              <a:rPr lang="ko-KR" altLang="en-US" sz="1600" dirty="0"/>
+              <a:t> 피격 </a:t>
+            </a:r>
+            <a:r>
+              <a:rPr lang="en-US" altLang="ko-KR" sz="1600" dirty="0"/>
+              <a:t>) </a:t>
+            </a:r>
+            <a:r>
+              <a:rPr lang="ko-KR" altLang="en-US" sz="1600" dirty="0"/>
+              <a:t>그림</a:t>
+            </a:r>
+            <a:r>
+              <a:rPr lang="en-US" altLang="ko-KR" sz="1600" dirty="0"/>
+              <a:t>2</a:t>
+            </a:r>
+          </a:p>
+          <a:p>
+            <a:r>
+              <a:rPr lang="en-US" altLang="ko-KR" sz="1600" dirty="0">
+                <a:hlinkClick r:id="rId5"/>
+              </a:rPr>
+              <a:t>http://www.inven.co.kr/board/diablo3/2737/589814</a:t>
+            </a:r>
+            <a:r>
+              <a:rPr lang="en-US" altLang="ko-KR" sz="1600" dirty="0"/>
+              <a:t> ( </a:t>
+            </a:r>
+            <a:r>
+              <a:rPr lang="ko-KR" altLang="en-US" sz="1600" dirty="0"/>
+              <a:t>디아블로 사망 </a:t>
+            </a:r>
+            <a:r>
+              <a:rPr lang="en-US" altLang="ko-KR" sz="1600" dirty="0"/>
+              <a:t>) </a:t>
+            </a:r>
+            <a:r>
+              <a:rPr lang="ko-KR" altLang="en-US" sz="1600" dirty="0"/>
+              <a:t>그림</a:t>
+            </a:r>
+            <a:r>
+              <a:rPr lang="en-US" altLang="ko-KR" sz="1600" dirty="0"/>
+              <a:t>3</a:t>
+            </a:r>
+          </a:p>
+          <a:p>
+            <a:r>
+              <a:rPr lang="en-US" altLang="ko-KR" sz="1600" dirty="0">
                 <a:hlinkClick r:id="rId2"/>
               </a:rPr>
               <a:t>https://www.apple.com/kr/shop/product/MQ5L2KH/A/magickeyboard%ED%95%9C%EA%B5%AD%EC%96%B4</a:t>
@@ -4711,13 +5063,21 @@
             </a:r>
             <a:r>
               <a:rPr lang="en-US" altLang="ko-KR" sz="1600" dirty="0"/>
-              <a:t>)</a:t>
+              <a:t>) </a:t>
+            </a:r>
+            <a:r>
+              <a:rPr lang="ko-KR" altLang="en-US" sz="1600" dirty="0"/>
+              <a:t>그림</a:t>
+            </a:r>
+            <a:r>
+              <a:rPr lang="en-US" altLang="ko-KR" sz="1600" dirty="0"/>
+              <a:t>4</a:t>
             </a:r>
           </a:p>
           <a:p>
             <a:r>
               <a:rPr lang="en-US" altLang="ko-KR" sz="1600" dirty="0">
-                <a:hlinkClick r:id="rId3"/>
+                <a:hlinkClick r:id="rId6"/>
               </a:rPr>
               <a:t>http://en.redbean.life/63/?idx=13</a:t>
             </a:r>
@@ -4731,9 +5091,16 @@
             </a:r>
             <a:r>
               <a:rPr lang="en-US" altLang="ko-KR" sz="1600" dirty="0"/>
-              <a:t>)</a:t>
-            </a:r>
-            <a:endParaRPr lang="ko-KR" altLang="en-US" sz="1600" dirty="0"/>
+              <a:t>) </a:t>
+            </a:r>
+            <a:r>
+              <a:rPr lang="ko-KR" altLang="en-US" sz="1600" dirty="0"/>
+              <a:t>그림</a:t>
+            </a:r>
+            <a:r>
+              <a:rPr lang="en-US" altLang="ko-KR" sz="1600" dirty="0"/>
+              <a:t>5</a:t>
+            </a:r>
           </a:p>
         </p:txBody>
       </p:sp>
@@ -5232,28 +5599,396 @@
           </a:p>
         </p:txBody>
       </p:sp>
-      <p:sp>
-        <p:nvSpPr>
-          <p:cNvPr id="3" name="내용 개체 틀 2">
+      <p:pic>
+        <p:nvPicPr>
+          <p:cNvPr id="5" name="내용 개체 틀 4" descr="대지, 사람, 건물, 오토바이이(가) 표시된 사진&#10;&#10;매우 높은 신뢰도로 생성된 설명">
             <a:extLst>
               <a:ext uri="{FF2B5EF4-FFF2-40B4-BE49-F238E27FC236}">
-                <a16:creationId xmlns:a16="http://schemas.microsoft.com/office/drawing/2014/main" id="{3005753B-B285-40BC-9C52-E65709D8046C}"/>
+                <a16:creationId xmlns:a16="http://schemas.microsoft.com/office/drawing/2014/main" id="{6778618A-4A41-4D52-85D4-AB846A95D6C5}"/>
               </a:ext>
             </a:extLst>
           </p:cNvPr>
-          <p:cNvSpPr>
-            <a:spLocks noGrp="1"/>
-          </p:cNvSpPr>
+          <p:cNvPicPr>
+            <a:picLocks noGrp="1" noChangeAspect="1"/>
+          </p:cNvPicPr>
           <p:nvPr>
             <p:ph idx="1"/>
           </p:nvPr>
-        </p:nvSpPr>
-        <p:spPr/>
+        </p:nvPicPr>
+        <p:blipFill>
+          <a:blip r:embed="rId2">
+            <a:extLst>
+              <a:ext uri="{28A0092B-C50C-407E-A947-70E740481C1C}">
+                <a14:useLocalDpi xmlns:a14="http://schemas.microsoft.com/office/drawing/2010/main" val="0"/>
+              </a:ext>
+            </a:extLst>
+          </a:blip>
+          <a:stretch>
+            <a:fillRect/>
+          </a:stretch>
+        </p:blipFill>
+        <p:spPr>
+          <a:xfrm>
+            <a:off x="1631504" y="2204863"/>
+            <a:ext cx="4104456" cy="3283565"/>
+          </a:xfrm>
+        </p:spPr>
+      </p:pic>
+      <p:sp>
+        <p:nvSpPr>
+          <p:cNvPr id="6" name="직사각형 5">
+            <a:extLst>
+              <a:ext uri="{FF2B5EF4-FFF2-40B4-BE49-F238E27FC236}">
+                <a16:creationId xmlns:a16="http://schemas.microsoft.com/office/drawing/2014/main" id="{D9B9364B-CDB4-44D2-B78F-5B16EC376238}"/>
+              </a:ext>
+            </a:extLst>
+          </p:cNvPr>
+          <p:cNvSpPr/>
+          <p:nvPr/>
+        </p:nvSpPr>
+        <p:spPr>
+          <a:xfrm>
+            <a:off x="4511824" y="5085184"/>
+            <a:ext cx="1224136" cy="403244"/>
+          </a:xfrm>
+          <a:prstGeom prst="rect">
+            <a:avLst/>
+          </a:prstGeom>
+          <a:solidFill>
+            <a:srgbClr val="FF0000"/>
+          </a:solidFill>
+          <a:ln>
+            <a:solidFill>
+              <a:srgbClr val="FF0000"/>
+            </a:solidFill>
+          </a:ln>
+        </p:spPr>
+        <p:style>
+          <a:lnRef idx="2">
+            <a:schemeClr val="accent1">
+              <a:shade val="50000"/>
+            </a:schemeClr>
+          </a:lnRef>
+          <a:fillRef idx="1">
+            <a:schemeClr val="accent1"/>
+          </a:fillRef>
+          <a:effectRef idx="0">
+            <a:schemeClr val="accent1"/>
+          </a:effectRef>
+          <a:fontRef idx="minor">
+            <a:schemeClr val="lt1"/>
+          </a:fontRef>
+        </p:style>
         <p:txBody>
-          <a:bodyPr/>
+          <a:bodyPr rtlCol="0" anchor="ctr"/>
           <a:lstStyle/>
           <a:p>
-            <a:endParaRPr lang="ko-KR" altLang="en-US" dirty="0"/>
+            <a:pPr algn="ctr"/>
+            <a:endParaRPr lang="ko-KR" altLang="en-US"/>
+          </a:p>
+        </p:txBody>
+      </p:sp>
+      <p:pic>
+        <p:nvPicPr>
+          <p:cNvPr id="14" name="그림 13">
+            <a:extLst>
+              <a:ext uri="{FF2B5EF4-FFF2-40B4-BE49-F238E27FC236}">
+                <a16:creationId xmlns:a16="http://schemas.microsoft.com/office/drawing/2014/main" id="{1DCB9F55-6D75-4526-BADB-BFA7D03D61CE}"/>
+              </a:ext>
+            </a:extLst>
+          </p:cNvPr>
+          <p:cNvPicPr>
+            <a:picLocks noChangeAspect="1"/>
+          </p:cNvPicPr>
+          <p:nvPr/>
+        </p:nvPicPr>
+        <p:blipFill>
+          <a:blip r:embed="rId3"/>
+          <a:stretch>
+            <a:fillRect/>
+          </a:stretch>
+        </p:blipFill>
+        <p:spPr>
+          <a:xfrm>
+            <a:off x="4475820" y="5048679"/>
+            <a:ext cx="1296143" cy="476253"/>
+          </a:xfrm>
+          <a:prstGeom prst="rect">
+            <a:avLst/>
+          </a:prstGeom>
+        </p:spPr>
+      </p:pic>
+      <p:sp>
+        <p:nvSpPr>
+          <p:cNvPr id="15" name="직사각형 14">
+            <a:extLst>
+              <a:ext uri="{FF2B5EF4-FFF2-40B4-BE49-F238E27FC236}">
+                <a16:creationId xmlns:a16="http://schemas.microsoft.com/office/drawing/2014/main" id="{78CACC91-EBD2-4613-9250-2A6432198A55}"/>
+              </a:ext>
+            </a:extLst>
+          </p:cNvPr>
+          <p:cNvSpPr/>
+          <p:nvPr/>
+        </p:nvSpPr>
+        <p:spPr>
+          <a:xfrm>
+            <a:off x="4476157" y="5040342"/>
+            <a:ext cx="1295806" cy="548898"/>
+          </a:xfrm>
+          <a:prstGeom prst="rect">
+            <a:avLst/>
+          </a:prstGeom>
+          <a:noFill/>
+          <a:ln w="38100"/>
+        </p:spPr>
+        <p:style>
+          <a:lnRef idx="2">
+            <a:schemeClr val="accent5"/>
+          </a:lnRef>
+          <a:fillRef idx="1">
+            <a:schemeClr val="lt1"/>
+          </a:fillRef>
+          <a:effectRef idx="0">
+            <a:schemeClr val="accent5"/>
+          </a:effectRef>
+          <a:fontRef idx="minor">
+            <a:schemeClr val="dk1"/>
+          </a:fontRef>
+        </p:style>
+        <p:txBody>
+          <a:bodyPr rtlCol="0" anchor="ctr"/>
+          <a:lstStyle/>
+          <a:p>
+            <a:pPr algn="ctr"/>
+            <a:endParaRPr lang="ko-KR" altLang="en-US">
+              <a:noFill/>
+            </a:endParaRPr>
+          </a:p>
+        </p:txBody>
+      </p:sp>
+      <p:cxnSp>
+        <p:nvCxnSpPr>
+          <p:cNvPr id="19" name="연결선: 꺾임 18">
+            <a:extLst>
+              <a:ext uri="{FF2B5EF4-FFF2-40B4-BE49-F238E27FC236}">
+                <a16:creationId xmlns:a16="http://schemas.microsoft.com/office/drawing/2014/main" id="{18A5322B-8FEA-446D-9178-98E5497B1B5C}"/>
+              </a:ext>
+            </a:extLst>
+          </p:cNvPr>
+          <p:cNvCxnSpPr>
+            <a:stCxn id="15" idx="3"/>
+          </p:cNvCxnSpPr>
+          <p:nvPr/>
+        </p:nvCxnSpPr>
+        <p:spPr>
+          <a:xfrm flipV="1">
+            <a:off x="5771963" y="2204863"/>
+            <a:ext cx="468053" cy="3109928"/>
+          </a:xfrm>
+          <a:prstGeom prst="bentConnector2">
+            <a:avLst/>
+          </a:prstGeom>
+          <a:ln>
+            <a:solidFill>
+              <a:schemeClr val="accent5"/>
+            </a:solidFill>
+          </a:ln>
+        </p:spPr>
+        <p:style>
+          <a:lnRef idx="1">
+            <a:schemeClr val="accent1"/>
+          </a:lnRef>
+          <a:fillRef idx="0">
+            <a:schemeClr val="accent1"/>
+          </a:fillRef>
+          <a:effectRef idx="0">
+            <a:schemeClr val="accent1"/>
+          </a:effectRef>
+          <a:fontRef idx="minor">
+            <a:schemeClr val="tx1"/>
+          </a:fontRef>
+        </p:style>
+      </p:cxnSp>
+      <p:cxnSp>
+        <p:nvCxnSpPr>
+          <p:cNvPr id="21" name="직선 화살표 연결선 20">
+            <a:extLst>
+              <a:ext uri="{FF2B5EF4-FFF2-40B4-BE49-F238E27FC236}">
+                <a16:creationId xmlns:a16="http://schemas.microsoft.com/office/drawing/2014/main" id="{084B5AA9-2B63-45E3-9796-BBF09AC9F137}"/>
+              </a:ext>
+            </a:extLst>
+          </p:cNvPr>
+          <p:cNvCxnSpPr/>
+          <p:nvPr/>
+        </p:nvCxnSpPr>
+        <p:spPr>
+          <a:xfrm>
+            <a:off x="6240016" y="2204863"/>
+            <a:ext cx="504056" cy="0"/>
+          </a:xfrm>
+          <a:prstGeom prst="straightConnector1">
+            <a:avLst/>
+          </a:prstGeom>
+          <a:ln>
+            <a:solidFill>
+              <a:schemeClr val="accent5"/>
+            </a:solidFill>
+            <a:tailEnd type="triangle"/>
+          </a:ln>
+        </p:spPr>
+        <p:style>
+          <a:lnRef idx="1">
+            <a:schemeClr val="accent1"/>
+          </a:lnRef>
+          <a:fillRef idx="0">
+            <a:schemeClr val="accent1"/>
+          </a:fillRef>
+          <a:effectRef idx="0">
+            <a:schemeClr val="accent1"/>
+          </a:effectRef>
+          <a:fontRef idx="minor">
+            <a:schemeClr val="tx1"/>
+          </a:fontRef>
+        </p:style>
+      </p:cxnSp>
+      <p:sp>
+        <p:nvSpPr>
+          <p:cNvPr id="22" name="TextBox 21">
+            <a:extLst>
+              <a:ext uri="{FF2B5EF4-FFF2-40B4-BE49-F238E27FC236}">
+                <a16:creationId xmlns:a16="http://schemas.microsoft.com/office/drawing/2014/main" id="{B94930DE-938A-4B09-86E8-BD72AACF1090}"/>
+              </a:ext>
+            </a:extLst>
+          </p:cNvPr>
+          <p:cNvSpPr txBox="1"/>
+          <p:nvPr/>
+        </p:nvSpPr>
+        <p:spPr>
+          <a:xfrm>
+            <a:off x="6744072" y="1988841"/>
+            <a:ext cx="4104456" cy="923330"/>
+          </a:xfrm>
+          <a:prstGeom prst="rect">
+            <a:avLst/>
+          </a:prstGeom>
+          <a:noFill/>
+        </p:spPr>
+        <p:style>
+          <a:lnRef idx="2">
+            <a:schemeClr val="accent5"/>
+          </a:lnRef>
+          <a:fillRef idx="1">
+            <a:schemeClr val="lt1"/>
+          </a:fillRef>
+          <a:effectRef idx="0">
+            <a:schemeClr val="accent5"/>
+          </a:effectRef>
+          <a:fontRef idx="minor">
+            <a:schemeClr val="dk1"/>
+          </a:fontRef>
+        </p:style>
+        <p:txBody>
+          <a:bodyPr wrap="square" rtlCol="0">
+            <a:spAutoFit/>
+          </a:bodyPr>
+          <a:lstStyle/>
+          <a:p>
+            <a:r>
+              <a:rPr lang="ko-KR" altLang="en-US" dirty="0">
+                <a:solidFill>
+                  <a:schemeClr val="tx1"/>
+                </a:solidFill>
+              </a:rPr>
+              <a:t>사용중인 무기의 과열도 표시</a:t>
+            </a:r>
+            <a:endParaRPr lang="en-US" altLang="ko-KR" dirty="0">
+              <a:solidFill>
+                <a:schemeClr val="tx1"/>
+              </a:solidFill>
+            </a:endParaRPr>
+          </a:p>
+          <a:p>
+            <a:r>
+              <a:rPr lang="ko-KR" altLang="en-US" dirty="0">
+                <a:solidFill>
+                  <a:schemeClr val="tx1"/>
+                </a:solidFill>
+              </a:rPr>
+              <a:t>한계치까지 계속해서 무기를 사용하면 잠시동안 무기 사용이 불가능 해 진다</a:t>
+            </a:r>
+            <a:r>
+              <a:rPr lang="en-US" altLang="ko-KR" dirty="0">
+                <a:solidFill>
+                  <a:schemeClr val="tx1"/>
+                </a:solidFill>
+              </a:rPr>
+              <a:t>.</a:t>
+            </a:r>
+            <a:endParaRPr lang="ko-KR" altLang="en-US" dirty="0">
+              <a:solidFill>
+                <a:schemeClr val="tx1"/>
+              </a:solidFill>
+            </a:endParaRPr>
+          </a:p>
+        </p:txBody>
+      </p:sp>
+      <p:sp>
+        <p:nvSpPr>
+          <p:cNvPr id="23" name="TextBox 22">
+            <a:extLst>
+              <a:ext uri="{FF2B5EF4-FFF2-40B4-BE49-F238E27FC236}">
+                <a16:creationId xmlns:a16="http://schemas.microsoft.com/office/drawing/2014/main" id="{C8588B7B-167C-4DE9-9B36-B8BEFCD3E8F1}"/>
+              </a:ext>
+            </a:extLst>
+          </p:cNvPr>
+          <p:cNvSpPr txBox="1"/>
+          <p:nvPr/>
+        </p:nvSpPr>
+        <p:spPr>
+          <a:xfrm>
+            <a:off x="1631504" y="5589240"/>
+            <a:ext cx="1295806" cy="246221"/>
+          </a:xfrm>
+          <a:prstGeom prst="rect">
+            <a:avLst/>
+          </a:prstGeom>
+          <a:noFill/>
+        </p:spPr>
+        <p:txBody>
+          <a:bodyPr wrap="square" rtlCol="0">
+            <a:spAutoFit/>
+          </a:bodyPr>
+          <a:lstStyle/>
+          <a:p>
+            <a:r>
+              <a:rPr lang="en-US" altLang="ko-KR" sz="1000" dirty="0">
+                <a:solidFill>
+                  <a:srgbClr val="0070C0"/>
+                </a:solidFill>
+              </a:rPr>
+              <a:t>&lt;</a:t>
+            </a:r>
+            <a:r>
+              <a:rPr lang="ko-KR" altLang="en-US" sz="1000" dirty="0">
+                <a:solidFill>
+                  <a:srgbClr val="0070C0"/>
+                </a:solidFill>
+              </a:rPr>
+              <a:t>그림</a:t>
+            </a:r>
+            <a:r>
+              <a:rPr lang="en-US" altLang="ko-KR" sz="1000" dirty="0">
+                <a:solidFill>
+                  <a:srgbClr val="0070C0"/>
+                </a:solidFill>
+              </a:rPr>
+              <a:t>1&gt;</a:t>
+            </a:r>
+            <a:endParaRPr lang="ko-KR" altLang="en-US" sz="1000" dirty="0">
+              <a:solidFill>
+                <a:srgbClr val="0070C0"/>
+              </a:solidFill>
+            </a:endParaRPr>
           </a:p>
         </p:txBody>
       </p:sp>
@@ -5271,6 +6006,270 @@
 </file>
 
 <file path=ppt/slides/slide6.xml><?xml version="1.0" encoding="utf-8"?>
+<p:sld xmlns:a="http://schemas.openxmlformats.org/drawingml/2006/main" xmlns:r="http://schemas.openxmlformats.org/officeDocument/2006/relationships" xmlns:p="http://schemas.openxmlformats.org/presentationml/2006/main">
+  <p:cSld>
+    <p:spTree>
+      <p:nvGrpSpPr>
+        <p:cNvPr id="1" name=""/>
+        <p:cNvGrpSpPr/>
+        <p:nvPr/>
+      </p:nvGrpSpPr>
+      <p:grpSpPr>
+        <a:xfrm>
+          <a:off x="0" y="0"/>
+          <a:ext cx="0" cy="0"/>
+          <a:chOff x="0" y="0"/>
+          <a:chExt cx="0" cy="0"/>
+        </a:xfrm>
+      </p:grpSpPr>
+      <p:sp>
+        <p:nvSpPr>
+          <p:cNvPr id="2" name="제목 1">
+            <a:extLst>
+              <a:ext uri="{FF2B5EF4-FFF2-40B4-BE49-F238E27FC236}">
+                <a16:creationId xmlns:a16="http://schemas.microsoft.com/office/drawing/2014/main" id="{12F44098-DB6D-4924-AB86-95BCDA64B19E}"/>
+              </a:ext>
+            </a:extLst>
+          </p:cNvPr>
+          <p:cNvSpPr>
+            <a:spLocks noGrp="1"/>
+          </p:cNvSpPr>
+          <p:nvPr>
+            <p:ph type="title"/>
+          </p:nvPr>
+        </p:nvSpPr>
+        <p:spPr/>
+        <p:txBody>
+          <a:bodyPr/>
+          <a:lstStyle/>
+          <a:p>
+            <a:r>
+              <a:rPr lang="ko-KR" altLang="en-US" dirty="0"/>
+              <a:t>게임소개 </a:t>
+            </a:r>
+            <a:r>
+              <a:rPr lang="en-US" altLang="ko-KR" dirty="0"/>
+              <a:t>( </a:t>
+            </a:r>
+            <a:r>
+              <a:rPr lang="ko-KR" altLang="en-US" dirty="0"/>
+              <a:t>피격 화면</a:t>
+            </a:r>
+            <a:r>
+              <a:rPr lang="en-US" altLang="ko-KR" dirty="0"/>
+              <a:t>)</a:t>
+            </a:r>
+            <a:endParaRPr lang="ko-KR" altLang="en-US" dirty="0"/>
+          </a:p>
+        </p:txBody>
+      </p:sp>
+      <p:pic>
+        <p:nvPicPr>
+          <p:cNvPr id="5" name="내용 개체 틀 4" descr="실내, 바닥, 건물이(가) 표시된 사진&#10;&#10;매우 높은 신뢰도로 생성된 설명">
+            <a:extLst>
+              <a:ext uri="{FF2B5EF4-FFF2-40B4-BE49-F238E27FC236}">
+                <a16:creationId xmlns:a16="http://schemas.microsoft.com/office/drawing/2014/main" id="{BDA2EFD4-C690-4B55-968E-F23B192CA349}"/>
+              </a:ext>
+            </a:extLst>
+          </p:cNvPr>
+          <p:cNvPicPr>
+            <a:picLocks noGrp="1" noChangeAspect="1"/>
+          </p:cNvPicPr>
+          <p:nvPr>
+            <p:ph idx="1"/>
+          </p:nvPr>
+        </p:nvPicPr>
+        <p:blipFill>
+          <a:blip r:embed="rId2" cstate="print">
+            <a:alphaModFix amt="82000"/>
+            <a:extLst>
+              <a:ext uri="{28A0092B-C50C-407E-A947-70E740481C1C}">
+                <a14:useLocalDpi xmlns:a14="http://schemas.microsoft.com/office/drawing/2010/main" val="0"/>
+              </a:ext>
+            </a:extLst>
+          </a:blip>
+          <a:stretch>
+            <a:fillRect/>
+          </a:stretch>
+        </p:blipFill>
+        <p:spPr>
+          <a:xfrm>
+            <a:off x="1524001" y="1916833"/>
+            <a:ext cx="4932039" cy="2774272"/>
+          </a:xfrm>
+        </p:spPr>
+      </p:pic>
+      <p:pic>
+        <p:nvPicPr>
+          <p:cNvPr id="7" name="그림 6">
+            <a:extLst>
+              <a:ext uri="{FF2B5EF4-FFF2-40B4-BE49-F238E27FC236}">
+                <a16:creationId xmlns:a16="http://schemas.microsoft.com/office/drawing/2014/main" id="{EAFE2086-A25C-4506-962C-7B3EEED50FE9}"/>
+              </a:ext>
+            </a:extLst>
+          </p:cNvPr>
+          <p:cNvPicPr>
+            <a:picLocks noChangeAspect="1"/>
+          </p:cNvPicPr>
+          <p:nvPr/>
+        </p:nvPicPr>
+        <p:blipFill>
+          <a:blip r:embed="rId3" cstate="print">
+            <a:alphaModFix amt="87000"/>
+            <a:extLst>
+              <a:ext uri="{28A0092B-C50C-407E-A947-70E740481C1C}">
+                <a14:useLocalDpi xmlns:a14="http://schemas.microsoft.com/office/drawing/2010/main" val="0"/>
+              </a:ext>
+            </a:extLst>
+          </a:blip>
+          <a:stretch>
+            <a:fillRect/>
+          </a:stretch>
+        </p:blipFill>
+        <p:spPr>
+          <a:xfrm>
+            <a:off x="5447928" y="3068960"/>
+            <a:ext cx="4624738" cy="2601415"/>
+          </a:xfrm>
+          <a:prstGeom prst="rect">
+            <a:avLst/>
+          </a:prstGeom>
+        </p:spPr>
+      </p:pic>
+      <p:sp>
+        <p:nvSpPr>
+          <p:cNvPr id="9" name="TextBox 8">
+            <a:extLst>
+              <a:ext uri="{FF2B5EF4-FFF2-40B4-BE49-F238E27FC236}">
+                <a16:creationId xmlns:a16="http://schemas.microsoft.com/office/drawing/2014/main" id="{1DAE394A-8CE1-4A9D-B0C4-20A7E61AAD67}"/>
+              </a:ext>
+            </a:extLst>
+          </p:cNvPr>
+          <p:cNvSpPr txBox="1"/>
+          <p:nvPr/>
+        </p:nvSpPr>
+        <p:spPr>
+          <a:xfrm>
+            <a:off x="1524000" y="4768115"/>
+            <a:ext cx="1295806" cy="246221"/>
+          </a:xfrm>
+          <a:prstGeom prst="rect">
+            <a:avLst/>
+          </a:prstGeom>
+          <a:noFill/>
+        </p:spPr>
+        <p:txBody>
+          <a:bodyPr wrap="square" rtlCol="0">
+            <a:spAutoFit/>
+          </a:bodyPr>
+          <a:lstStyle/>
+          <a:p>
+            <a:r>
+              <a:rPr lang="en-US" altLang="ko-KR" sz="1000" dirty="0">
+                <a:solidFill>
+                  <a:srgbClr val="0070C0"/>
+                </a:solidFill>
+              </a:rPr>
+              <a:t>&lt;</a:t>
+            </a:r>
+            <a:r>
+              <a:rPr lang="ko-KR" altLang="en-US" sz="1000" dirty="0">
+                <a:solidFill>
+                  <a:srgbClr val="0070C0"/>
+                </a:solidFill>
+              </a:rPr>
+              <a:t>그림</a:t>
+            </a:r>
+            <a:r>
+              <a:rPr lang="en-US" altLang="ko-KR" sz="1000" dirty="0">
+                <a:solidFill>
+                  <a:srgbClr val="0070C0"/>
+                </a:solidFill>
+              </a:rPr>
+              <a:t>2&gt;</a:t>
+            </a:r>
+            <a:endParaRPr lang="ko-KR" altLang="en-US" sz="1000" dirty="0">
+              <a:solidFill>
+                <a:srgbClr val="0070C0"/>
+              </a:solidFill>
+            </a:endParaRPr>
+          </a:p>
+        </p:txBody>
+      </p:sp>
+      <p:sp>
+        <p:nvSpPr>
+          <p:cNvPr id="10" name="TextBox 9">
+            <a:extLst>
+              <a:ext uri="{FF2B5EF4-FFF2-40B4-BE49-F238E27FC236}">
+                <a16:creationId xmlns:a16="http://schemas.microsoft.com/office/drawing/2014/main" id="{BEDD7F23-F069-4DCE-9B15-CFCBC01304DF}"/>
+              </a:ext>
+            </a:extLst>
+          </p:cNvPr>
+          <p:cNvSpPr txBox="1"/>
+          <p:nvPr/>
+        </p:nvSpPr>
+        <p:spPr>
+          <a:xfrm>
+            <a:off x="5447928" y="5828558"/>
+            <a:ext cx="1295806" cy="246221"/>
+          </a:xfrm>
+          <a:prstGeom prst="rect">
+            <a:avLst/>
+          </a:prstGeom>
+          <a:noFill/>
+        </p:spPr>
+        <p:txBody>
+          <a:bodyPr wrap="square" rtlCol="0">
+            <a:spAutoFit/>
+          </a:bodyPr>
+          <a:lstStyle/>
+          <a:p>
+            <a:r>
+              <a:rPr lang="en-US" altLang="ko-KR" sz="1000" dirty="0">
+                <a:solidFill>
+                  <a:srgbClr val="0070C0"/>
+                </a:solidFill>
+              </a:rPr>
+              <a:t>&lt;</a:t>
+            </a:r>
+            <a:r>
+              <a:rPr lang="ko-KR" altLang="en-US" sz="1000" dirty="0">
+                <a:solidFill>
+                  <a:srgbClr val="0070C0"/>
+                </a:solidFill>
+              </a:rPr>
+              <a:t>그림</a:t>
+            </a:r>
+            <a:r>
+              <a:rPr lang="en-US" altLang="ko-KR" sz="1000" dirty="0">
+                <a:solidFill>
+                  <a:srgbClr val="0070C0"/>
+                </a:solidFill>
+              </a:rPr>
+              <a:t>3&gt;</a:t>
+            </a:r>
+            <a:endParaRPr lang="ko-KR" altLang="en-US" sz="1000" dirty="0">
+              <a:solidFill>
+                <a:srgbClr val="0070C0"/>
+              </a:solidFill>
+            </a:endParaRPr>
+          </a:p>
+        </p:txBody>
+      </p:sp>
+    </p:spTree>
+    <p:extLst>
+      <p:ext uri="{BB962C8B-B14F-4D97-AF65-F5344CB8AC3E}">
+        <p14:creationId xmlns:p14="http://schemas.microsoft.com/office/powerpoint/2010/main" val="3358260052"/>
+      </p:ext>
+    </p:extLst>
+  </p:cSld>
+  <p:clrMapOvr>
+    <a:masterClrMapping/>
+  </p:clrMapOvr>
+</p:sld>
+</file>
+
+<file path=ppt/slides/slide7.xml><?xml version="1.0" encoding="utf-8"?>
 <p:sld xmlns:a="http://schemas.openxmlformats.org/drawingml/2006/main" xmlns:r="http://schemas.openxmlformats.org/officeDocument/2006/relationships" xmlns:p="http://schemas.openxmlformats.org/presentationml/2006/main">
   <p:cSld>
     <p:spTree>
@@ -6207,6 +7206,126 @@
           </a:p>
         </p:txBody>
       </p:sp>
+      <p:sp>
+        <p:nvSpPr>
+          <p:cNvPr id="21" name="TextBox 20">
+            <a:extLst>
+              <a:ext uri="{FF2B5EF4-FFF2-40B4-BE49-F238E27FC236}">
+                <a16:creationId xmlns:a16="http://schemas.microsoft.com/office/drawing/2014/main" id="{A4DDDE51-934A-445D-8879-18CEB83278F1}"/>
+              </a:ext>
+            </a:extLst>
+          </p:cNvPr>
+          <p:cNvSpPr txBox="1"/>
+          <p:nvPr/>
+        </p:nvSpPr>
+        <p:spPr>
+          <a:xfrm>
+            <a:off x="6513228" y="4775054"/>
+            <a:ext cx="783768" cy="246221"/>
+          </a:xfrm>
+          <a:prstGeom prst="rect">
+            <a:avLst/>
+          </a:prstGeom>
+          <a:noFill/>
+        </p:spPr>
+        <p:txBody>
+          <a:bodyPr wrap="square" rtlCol="0">
+            <a:spAutoFit/>
+          </a:bodyPr>
+          <a:lstStyle/>
+          <a:p>
+            <a:r>
+              <a:rPr lang="en-US" altLang="ko-KR" sz="1000" dirty="0">
+                <a:solidFill>
+                  <a:srgbClr val="0070C0"/>
+                </a:solidFill>
+              </a:rPr>
+              <a:t>&lt;</a:t>
+            </a:r>
+            <a:r>
+              <a:rPr lang="ko-KR" altLang="en-US" sz="1000" dirty="0">
+                <a:solidFill>
+                  <a:srgbClr val="0070C0"/>
+                </a:solidFill>
+              </a:rPr>
+              <a:t>그림</a:t>
+            </a:r>
+            <a:r>
+              <a:rPr lang="en-US" altLang="ko-KR" sz="1000" dirty="0">
+                <a:solidFill>
+                  <a:srgbClr val="0070C0"/>
+                </a:solidFill>
+              </a:rPr>
+              <a:t>4&gt;</a:t>
+            </a:r>
+            <a:endParaRPr lang="ko-KR" altLang="en-US" sz="1000" dirty="0">
+              <a:solidFill>
+                <a:srgbClr val="0070C0"/>
+              </a:solidFill>
+            </a:endParaRPr>
+          </a:p>
+        </p:txBody>
+      </p:sp>
+      <p:sp>
+        <p:nvSpPr>
+          <p:cNvPr id="23" name="TextBox 22">
+            <a:extLst>
+              <a:ext uri="{FF2B5EF4-FFF2-40B4-BE49-F238E27FC236}">
+                <a16:creationId xmlns:a16="http://schemas.microsoft.com/office/drawing/2014/main" id="{27FCF81A-7616-488A-A666-B0416A6CCE8A}"/>
+              </a:ext>
+            </a:extLst>
+          </p:cNvPr>
+          <p:cNvSpPr txBox="1"/>
+          <p:nvPr/>
+        </p:nvSpPr>
+        <p:spPr>
+          <a:xfrm>
+            <a:off x="8604338" y="4775054"/>
+            <a:ext cx="1295806" cy="246221"/>
+          </a:xfrm>
+          <a:prstGeom prst="rect">
+            <a:avLst/>
+          </a:prstGeom>
+          <a:noFill/>
+        </p:spPr>
+        <p:txBody>
+          <a:bodyPr wrap="square" rtlCol="0">
+            <a:spAutoFit/>
+          </a:bodyPr>
+          <a:lstStyle/>
+          <a:p>
+            <a:r>
+              <a:rPr lang="en-US" altLang="ko-KR" sz="1000" dirty="0">
+                <a:solidFill>
+                  <a:srgbClr val="0070C0"/>
+                </a:solidFill>
+              </a:rPr>
+              <a:t>&lt;</a:t>
+            </a:r>
+            <a:r>
+              <a:rPr lang="ko-KR" altLang="en-US" sz="1000" dirty="0">
+                <a:solidFill>
+                  <a:srgbClr val="0070C0"/>
+                </a:solidFill>
+              </a:rPr>
+              <a:t>그림</a:t>
+            </a:r>
+            <a:r>
+              <a:rPr lang="en-US" altLang="ko-KR" sz="1000" dirty="0">
+                <a:solidFill>
+                  <a:srgbClr val="0070C0"/>
+                </a:solidFill>
+              </a:rPr>
+              <a:t>5&gt;</a:t>
+            </a:r>
+            <a:endParaRPr lang="ko-KR" altLang="en-US" sz="1000" dirty="0">
+              <a:solidFill>
+                <a:srgbClr val="0070C0"/>
+              </a:solidFill>
+            </a:endParaRPr>
+          </a:p>
+        </p:txBody>
+      </p:sp>
     </p:spTree>
     <p:extLst>
       <p:ext uri="{BB962C8B-B14F-4D97-AF65-F5344CB8AC3E}">
@@ -6220,7 +7339,7 @@
 </p:sld>
 </file>
 
-<file path=ppt/slides/slide7.xml><?xml version="1.0" encoding="utf-8"?>
+<file path=ppt/slides/slide8.xml><?xml version="1.0" encoding="utf-8"?>
 <p:sld xmlns:a="http://schemas.openxmlformats.org/drawingml/2006/main" xmlns:r="http://schemas.openxmlformats.org/officeDocument/2006/relationships" xmlns:p="http://schemas.openxmlformats.org/presentationml/2006/main">
   <p:cSld>
     <p:spTree>
@@ -8606,124 +9725,542 @@
           </p:txBody>
         </p:sp>
       </p:grpSp>
+      <p:sp>
+        <p:nvSpPr>
+          <p:cNvPr id="3" name="직사각형 2">
+            <a:extLst>
+              <a:ext uri="{FF2B5EF4-FFF2-40B4-BE49-F238E27FC236}">
+                <a16:creationId xmlns:a16="http://schemas.microsoft.com/office/drawing/2014/main" id="{62063E59-8F93-4A7E-B517-86B25A1934DB}"/>
+              </a:ext>
+            </a:extLst>
+          </p:cNvPr>
+          <p:cNvSpPr/>
+          <p:nvPr/>
+        </p:nvSpPr>
+        <p:spPr>
+          <a:xfrm>
+            <a:off x="4187050" y="1908030"/>
+            <a:ext cx="922575" cy="333835"/>
+          </a:xfrm>
+          <a:prstGeom prst="rect">
+            <a:avLst/>
+          </a:prstGeom>
+          <a:noFill/>
+          <a:ln w="38100"/>
+        </p:spPr>
+        <p:style>
+          <a:lnRef idx="2">
+            <a:schemeClr val="accent5"/>
+          </a:lnRef>
+          <a:fillRef idx="1">
+            <a:schemeClr val="lt1"/>
+          </a:fillRef>
+          <a:effectRef idx="0">
+            <a:schemeClr val="accent5"/>
+          </a:effectRef>
+          <a:fontRef idx="minor">
+            <a:schemeClr val="dk1"/>
+          </a:fontRef>
+        </p:style>
+        <p:txBody>
+          <a:bodyPr rtlCol="0" anchor="ctr"/>
+          <a:lstStyle/>
+          <a:p>
+            <a:pPr algn="ctr"/>
+            <a:endParaRPr lang="ko-KR" altLang="en-US"/>
+          </a:p>
+        </p:txBody>
+      </p:sp>
+      <p:sp>
+        <p:nvSpPr>
+          <p:cNvPr id="71" name="직사각형 70">
+            <a:extLst>
+              <a:ext uri="{FF2B5EF4-FFF2-40B4-BE49-F238E27FC236}">
+                <a16:creationId xmlns:a16="http://schemas.microsoft.com/office/drawing/2014/main" id="{5D91F919-4EC8-43E0-8074-339E7777AE2C}"/>
+              </a:ext>
+            </a:extLst>
+          </p:cNvPr>
+          <p:cNvSpPr/>
+          <p:nvPr/>
+        </p:nvSpPr>
+        <p:spPr>
+          <a:xfrm>
+            <a:off x="4715666" y="4299577"/>
+            <a:ext cx="671882" cy="1289663"/>
+          </a:xfrm>
+          <a:prstGeom prst="rect">
+            <a:avLst/>
+          </a:prstGeom>
+          <a:noFill/>
+          <a:ln w="38100">
+            <a:solidFill>
+              <a:schemeClr val="accent3">
+                <a:lumMod val="60000"/>
+                <a:lumOff val="40000"/>
+              </a:schemeClr>
+            </a:solidFill>
+          </a:ln>
+        </p:spPr>
+        <p:style>
+          <a:lnRef idx="2">
+            <a:schemeClr val="accent5"/>
+          </a:lnRef>
+          <a:fillRef idx="1">
+            <a:schemeClr val="lt1"/>
+          </a:fillRef>
+          <a:effectRef idx="0">
+            <a:schemeClr val="accent5"/>
+          </a:effectRef>
+          <a:fontRef idx="minor">
+            <a:schemeClr val="dk1"/>
+          </a:fontRef>
+        </p:style>
+        <p:txBody>
+          <a:bodyPr rtlCol="0" anchor="ctr"/>
+          <a:lstStyle/>
+          <a:p>
+            <a:pPr algn="ctr"/>
+            <a:endParaRPr lang="ko-KR" altLang="en-US"/>
+          </a:p>
+        </p:txBody>
+      </p:sp>
+      <p:cxnSp>
+        <p:nvCxnSpPr>
+          <p:cNvPr id="21" name="직선 화살표 연결선 20">
+            <a:extLst>
+              <a:ext uri="{FF2B5EF4-FFF2-40B4-BE49-F238E27FC236}">
+                <a16:creationId xmlns:a16="http://schemas.microsoft.com/office/drawing/2014/main" id="{BF61279E-62E5-4DA0-A13C-4B10027EE7D7}"/>
+              </a:ext>
+            </a:extLst>
+          </p:cNvPr>
+          <p:cNvCxnSpPr>
+            <a:cxnSpLocks/>
+            <a:stCxn id="3" idx="3"/>
+            <a:endCxn id="40" idx="1"/>
+          </p:cNvCxnSpPr>
+          <p:nvPr/>
+        </p:nvCxnSpPr>
+        <p:spPr>
+          <a:xfrm flipV="1">
+            <a:off x="5109625" y="2074500"/>
+            <a:ext cx="3086133" cy="448"/>
+          </a:xfrm>
+          <a:prstGeom prst="straightConnector1">
+            <a:avLst/>
+          </a:prstGeom>
+          <a:ln w="28575">
+            <a:solidFill>
+              <a:schemeClr val="accent5"/>
+            </a:solidFill>
+            <a:tailEnd type="triangle"/>
+          </a:ln>
+        </p:spPr>
+        <p:style>
+          <a:lnRef idx="1">
+            <a:schemeClr val="accent1"/>
+          </a:lnRef>
+          <a:fillRef idx="0">
+            <a:schemeClr val="accent1"/>
+          </a:fillRef>
+          <a:effectRef idx="0">
+            <a:schemeClr val="accent1"/>
+          </a:effectRef>
+          <a:fontRef idx="minor">
+            <a:schemeClr val="tx1"/>
+          </a:fontRef>
+        </p:style>
+      </p:cxnSp>
+      <p:sp>
+        <p:nvSpPr>
+          <p:cNvPr id="40" name="TextBox 39">
+            <a:extLst>
+              <a:ext uri="{FF2B5EF4-FFF2-40B4-BE49-F238E27FC236}">
+                <a16:creationId xmlns:a16="http://schemas.microsoft.com/office/drawing/2014/main" id="{50F83A2E-F730-44DA-9535-24585A54F99F}"/>
+              </a:ext>
+            </a:extLst>
+          </p:cNvPr>
+          <p:cNvSpPr txBox="1"/>
+          <p:nvPr/>
+        </p:nvSpPr>
+        <p:spPr>
+          <a:xfrm>
+            <a:off x="8195758" y="1889834"/>
+            <a:ext cx="2022191" cy="369332"/>
+          </a:xfrm>
+          <a:prstGeom prst="rect">
+            <a:avLst/>
+          </a:prstGeom>
+          <a:noFill/>
+        </p:spPr>
+        <p:style>
+          <a:lnRef idx="2">
+            <a:schemeClr val="accent5"/>
+          </a:lnRef>
+          <a:fillRef idx="1">
+            <a:schemeClr val="lt1"/>
+          </a:fillRef>
+          <a:effectRef idx="0">
+            <a:schemeClr val="accent5"/>
+          </a:effectRef>
+          <a:fontRef idx="minor">
+            <a:schemeClr val="dk1"/>
+          </a:fontRef>
+        </p:style>
+        <p:txBody>
+          <a:bodyPr wrap="square" rtlCol="0">
+            <a:spAutoFit/>
+          </a:bodyPr>
+          <a:lstStyle/>
+          <a:p>
+            <a:r>
+              <a:rPr lang="ko-KR" altLang="en-US" dirty="0">
+                <a:solidFill>
+                  <a:schemeClr val="tx1"/>
+                </a:solidFill>
+              </a:rPr>
+              <a:t>팀 스코어 표시</a:t>
+            </a:r>
+          </a:p>
+        </p:txBody>
+      </p:sp>
+      <p:sp>
+        <p:nvSpPr>
+          <p:cNvPr id="72" name="TextBox 71">
+            <a:extLst>
+              <a:ext uri="{FF2B5EF4-FFF2-40B4-BE49-F238E27FC236}">
+                <a16:creationId xmlns:a16="http://schemas.microsoft.com/office/drawing/2014/main" id="{8C610014-27E4-417D-B925-009DE4FAA887}"/>
+              </a:ext>
+            </a:extLst>
+          </p:cNvPr>
+          <p:cNvSpPr txBox="1"/>
+          <p:nvPr/>
+        </p:nvSpPr>
+        <p:spPr>
+          <a:xfrm>
+            <a:off x="8195758" y="4600319"/>
+            <a:ext cx="3105770" cy="646331"/>
+          </a:xfrm>
+          <a:prstGeom prst="rect">
+            <a:avLst/>
+          </a:prstGeom>
+          <a:noFill/>
+          <a:ln>
+            <a:solidFill>
+              <a:schemeClr val="accent3">
+                <a:lumMod val="60000"/>
+                <a:lumOff val="40000"/>
+              </a:schemeClr>
+            </a:solidFill>
+          </a:ln>
+        </p:spPr>
+        <p:style>
+          <a:lnRef idx="2">
+            <a:schemeClr val="accent5"/>
+          </a:lnRef>
+          <a:fillRef idx="1">
+            <a:schemeClr val="lt1"/>
+          </a:fillRef>
+          <a:effectRef idx="0">
+            <a:schemeClr val="accent5"/>
+          </a:effectRef>
+          <a:fontRef idx="minor">
+            <a:schemeClr val="dk1"/>
+          </a:fontRef>
+        </p:style>
+        <p:txBody>
+          <a:bodyPr wrap="square" rtlCol="0">
+            <a:spAutoFit/>
+          </a:bodyPr>
+          <a:lstStyle/>
+          <a:p>
+            <a:r>
+              <a:rPr lang="ko-KR" altLang="en-US" dirty="0">
+                <a:solidFill>
+                  <a:schemeClr val="tx1"/>
+                </a:solidFill>
+              </a:rPr>
+              <a:t>생존여부 표시 죽은 플레이어는 검게 변한다</a:t>
+            </a:r>
+            <a:r>
+              <a:rPr lang="en-US" altLang="ko-KR" dirty="0">
+                <a:solidFill>
+                  <a:schemeClr val="tx1"/>
+                </a:solidFill>
+              </a:rPr>
+              <a:t>.</a:t>
+            </a:r>
+            <a:endParaRPr lang="ko-KR" altLang="en-US" dirty="0">
+              <a:solidFill>
+                <a:schemeClr val="tx1"/>
+              </a:solidFill>
+            </a:endParaRPr>
+          </a:p>
+        </p:txBody>
+      </p:sp>
+      <p:sp>
+        <p:nvSpPr>
+          <p:cNvPr id="41" name="직사각형 40">
+            <a:extLst>
+              <a:ext uri="{FF2B5EF4-FFF2-40B4-BE49-F238E27FC236}">
+                <a16:creationId xmlns:a16="http://schemas.microsoft.com/office/drawing/2014/main" id="{608F1B44-8CA8-476C-8BDB-8A912B65F26E}"/>
+              </a:ext>
+            </a:extLst>
+          </p:cNvPr>
+          <p:cNvSpPr/>
+          <p:nvPr/>
+        </p:nvSpPr>
+        <p:spPr>
+          <a:xfrm>
+            <a:off x="5387548" y="2333415"/>
+            <a:ext cx="2202782" cy="850132"/>
+          </a:xfrm>
+          <a:prstGeom prst="rect">
+            <a:avLst/>
+          </a:prstGeom>
+          <a:noFill/>
+          <a:ln w="57150"/>
+        </p:spPr>
+        <p:style>
+          <a:lnRef idx="2">
+            <a:schemeClr val="accent4"/>
+          </a:lnRef>
+          <a:fillRef idx="1">
+            <a:schemeClr val="lt1"/>
+          </a:fillRef>
+          <a:effectRef idx="0">
+            <a:schemeClr val="accent4"/>
+          </a:effectRef>
+          <a:fontRef idx="minor">
+            <a:schemeClr val="dk1"/>
+          </a:fontRef>
+        </p:style>
+        <p:txBody>
+          <a:bodyPr rtlCol="0" anchor="ctr"/>
+          <a:lstStyle/>
+          <a:p>
+            <a:pPr algn="ctr"/>
+            <a:endParaRPr lang="ko-KR" altLang="en-US"/>
+          </a:p>
+        </p:txBody>
+      </p:sp>
+      <p:cxnSp>
+        <p:nvCxnSpPr>
+          <p:cNvPr id="43" name="연결선: 꺾임 42">
+            <a:extLst>
+              <a:ext uri="{FF2B5EF4-FFF2-40B4-BE49-F238E27FC236}">
+                <a16:creationId xmlns:a16="http://schemas.microsoft.com/office/drawing/2014/main" id="{B3912ECD-F364-40FA-B4AA-B1844E5CB4FB}"/>
+              </a:ext>
+            </a:extLst>
+          </p:cNvPr>
+          <p:cNvCxnSpPr>
+            <a:cxnSpLocks/>
+            <a:stCxn id="41" idx="3"/>
+          </p:cNvCxnSpPr>
+          <p:nvPr/>
+        </p:nvCxnSpPr>
+        <p:spPr>
+          <a:xfrm>
+            <a:off x="7590330" y="2758481"/>
+            <a:ext cx="606702" cy="523906"/>
+          </a:xfrm>
+          <a:prstGeom prst="bentConnector3">
+            <a:avLst/>
+          </a:prstGeom>
+          <a:ln w="38100">
+            <a:solidFill>
+              <a:schemeClr val="accent4"/>
+            </a:solidFill>
+            <a:tailEnd type="triangle"/>
+          </a:ln>
+        </p:spPr>
+        <p:style>
+          <a:lnRef idx="1">
+            <a:schemeClr val="accent1"/>
+          </a:lnRef>
+          <a:fillRef idx="0">
+            <a:schemeClr val="accent1"/>
+          </a:fillRef>
+          <a:effectRef idx="0">
+            <a:schemeClr val="accent1"/>
+          </a:effectRef>
+          <a:fontRef idx="minor">
+            <a:schemeClr val="tx1"/>
+          </a:fontRef>
+        </p:style>
+      </p:cxnSp>
+      <p:sp>
+        <p:nvSpPr>
+          <p:cNvPr id="73" name="TextBox 72">
+            <a:extLst>
+              <a:ext uri="{FF2B5EF4-FFF2-40B4-BE49-F238E27FC236}">
+                <a16:creationId xmlns:a16="http://schemas.microsoft.com/office/drawing/2014/main" id="{D862B07F-8CDA-43CA-A5D3-949985E8FB38}"/>
+              </a:ext>
+            </a:extLst>
+          </p:cNvPr>
+          <p:cNvSpPr txBox="1"/>
+          <p:nvPr/>
+        </p:nvSpPr>
+        <p:spPr>
+          <a:xfrm>
+            <a:off x="8195759" y="3075339"/>
+            <a:ext cx="2022191" cy="923330"/>
+          </a:xfrm>
+          <a:prstGeom prst="rect">
+            <a:avLst/>
+          </a:prstGeom>
+          <a:noFill/>
+          <a:ln>
+            <a:solidFill>
+              <a:schemeClr val="accent4"/>
+            </a:solidFill>
+          </a:ln>
+        </p:spPr>
+        <p:style>
+          <a:lnRef idx="2">
+            <a:schemeClr val="accent5"/>
+          </a:lnRef>
+          <a:fillRef idx="1">
+            <a:schemeClr val="lt1"/>
+          </a:fillRef>
+          <a:effectRef idx="0">
+            <a:schemeClr val="accent5"/>
+          </a:effectRef>
+          <a:fontRef idx="minor">
+            <a:schemeClr val="dk1"/>
+          </a:fontRef>
+        </p:style>
+        <p:txBody>
+          <a:bodyPr wrap="square" rtlCol="0">
+            <a:spAutoFit/>
+          </a:bodyPr>
+          <a:lstStyle/>
+          <a:p>
+            <a:r>
+              <a:rPr lang="ko-KR" altLang="en-US" dirty="0">
+                <a:solidFill>
+                  <a:schemeClr val="tx1"/>
+                </a:solidFill>
+              </a:rPr>
+              <a:t>개인 점수 표시</a:t>
+            </a:r>
+            <a:endParaRPr lang="en-US" altLang="ko-KR" dirty="0">
+              <a:solidFill>
+                <a:schemeClr val="tx1"/>
+              </a:solidFill>
+            </a:endParaRPr>
+          </a:p>
+          <a:p>
+            <a:r>
+              <a:rPr lang="ko-KR" altLang="en-US" dirty="0">
+                <a:solidFill>
+                  <a:schemeClr val="tx1"/>
+                </a:solidFill>
+              </a:rPr>
+              <a:t>적을 죽이면 </a:t>
+            </a:r>
+            <a:r>
+              <a:rPr lang="en-US" altLang="ko-KR" dirty="0">
+                <a:solidFill>
+                  <a:schemeClr val="tx1"/>
+                </a:solidFill>
+              </a:rPr>
+              <a:t>+1</a:t>
+            </a:r>
+            <a:r>
+              <a:rPr lang="ko-KR" altLang="en-US" dirty="0">
+                <a:solidFill>
+                  <a:schemeClr val="tx1"/>
+                </a:solidFill>
+              </a:rPr>
+              <a:t>점</a:t>
+            </a:r>
+            <a:endParaRPr lang="en-US" altLang="ko-KR" dirty="0">
+              <a:solidFill>
+                <a:schemeClr val="tx1"/>
+              </a:solidFill>
+            </a:endParaRPr>
+          </a:p>
+          <a:p>
+            <a:r>
+              <a:rPr lang="ko-KR" altLang="en-US" dirty="0">
+                <a:solidFill>
+                  <a:schemeClr val="tx1"/>
+                </a:solidFill>
+              </a:rPr>
+              <a:t>아군을 죽이면 </a:t>
+            </a:r>
+            <a:r>
+              <a:rPr lang="en-US" altLang="ko-KR" dirty="0">
+                <a:solidFill>
+                  <a:schemeClr val="tx1"/>
+                </a:solidFill>
+              </a:rPr>
+              <a:t>-1</a:t>
+            </a:r>
+            <a:r>
+              <a:rPr lang="ko-KR" altLang="en-US" dirty="0">
+                <a:solidFill>
+                  <a:schemeClr val="tx1"/>
+                </a:solidFill>
+              </a:rPr>
+              <a:t>점</a:t>
+            </a:r>
+          </a:p>
+        </p:txBody>
+      </p:sp>
+      <p:cxnSp>
+        <p:nvCxnSpPr>
+          <p:cNvPr id="76" name="직선 화살표 연결선 75">
+            <a:extLst>
+              <a:ext uri="{FF2B5EF4-FFF2-40B4-BE49-F238E27FC236}">
+                <a16:creationId xmlns:a16="http://schemas.microsoft.com/office/drawing/2014/main" id="{682253E9-F6F2-4138-804B-7D73804BA83E}"/>
+              </a:ext>
+            </a:extLst>
+          </p:cNvPr>
+          <p:cNvCxnSpPr>
+            <a:cxnSpLocks/>
+            <a:stCxn id="71" idx="3"/>
+            <a:endCxn id="72" idx="1"/>
+          </p:cNvCxnSpPr>
+          <p:nvPr/>
+        </p:nvCxnSpPr>
+        <p:spPr>
+          <a:xfrm flipV="1">
+            <a:off x="5387548" y="4923485"/>
+            <a:ext cx="2808210" cy="20924"/>
+          </a:xfrm>
+          <a:prstGeom prst="straightConnector1">
+            <a:avLst/>
+          </a:prstGeom>
+          <a:ln w="38100">
+            <a:solidFill>
+              <a:schemeClr val="accent3">
+                <a:lumMod val="60000"/>
+                <a:lumOff val="40000"/>
+              </a:schemeClr>
+            </a:solidFill>
+            <a:tailEnd type="triangle"/>
+          </a:ln>
+        </p:spPr>
+        <p:style>
+          <a:lnRef idx="1">
+            <a:schemeClr val="accent1"/>
+          </a:lnRef>
+          <a:fillRef idx="0">
+            <a:schemeClr val="accent1"/>
+          </a:fillRef>
+          <a:effectRef idx="0">
+            <a:schemeClr val="accent1"/>
+          </a:effectRef>
+          <a:fontRef idx="minor">
+            <a:schemeClr val="tx1"/>
+          </a:fontRef>
+        </p:style>
+      </p:cxnSp>
     </p:spTree>
     <p:extLst>
       <p:ext uri="{BB962C8B-B14F-4D97-AF65-F5344CB8AC3E}">
         <p14:creationId xmlns:p14="http://schemas.microsoft.com/office/powerpoint/2010/main" val="1691506904"/>
-      </p:ext>
-    </p:extLst>
-  </p:cSld>
-  <p:clrMapOvr>
-    <a:masterClrMapping/>
-  </p:clrMapOvr>
-</p:sld>
-</file>
-
-<file path=ppt/slides/slide8.xml><?xml version="1.0" encoding="utf-8"?>
-<p:sld xmlns:a="http://schemas.openxmlformats.org/drawingml/2006/main" xmlns:r="http://schemas.openxmlformats.org/officeDocument/2006/relationships" xmlns:p="http://schemas.openxmlformats.org/presentationml/2006/main">
-  <p:cSld>
-    <p:spTree>
-      <p:nvGrpSpPr>
-        <p:cNvPr id="1" name=""/>
-        <p:cNvGrpSpPr/>
-        <p:nvPr/>
-      </p:nvGrpSpPr>
-      <p:grpSpPr>
-        <a:xfrm>
-          <a:off x="0" y="0"/>
-          <a:ext cx="0" cy="0"/>
-          <a:chOff x="0" y="0"/>
-          <a:chExt cx="0" cy="0"/>
-        </a:xfrm>
-      </p:grpSpPr>
-      <p:sp>
-        <p:nvSpPr>
-          <p:cNvPr id="2" name="제목 1">
-            <a:extLst>
-              <a:ext uri="{FF2B5EF4-FFF2-40B4-BE49-F238E27FC236}">
-                <a16:creationId xmlns:a16="http://schemas.microsoft.com/office/drawing/2014/main" id="{B1071FA5-09D2-4B13-AD83-44A580EC6B87}"/>
-              </a:ext>
-            </a:extLst>
-          </p:cNvPr>
-          <p:cNvSpPr>
-            <a:spLocks noGrp="1"/>
-          </p:cNvSpPr>
-          <p:nvPr>
-            <p:ph type="title"/>
-          </p:nvPr>
-        </p:nvSpPr>
-        <p:spPr/>
-        <p:txBody>
-          <a:bodyPr/>
-          <a:lstStyle/>
-          <a:p>
-            <a:r>
-              <a:rPr lang="ko-KR" altLang="en-US" dirty="0"/>
-              <a:t>개발환경</a:t>
-            </a:r>
-          </a:p>
-        </p:txBody>
-      </p:sp>
-      <p:sp>
-        <p:nvSpPr>
-          <p:cNvPr id="3" name="내용 개체 틀 2">
-            <a:extLst>
-              <a:ext uri="{FF2B5EF4-FFF2-40B4-BE49-F238E27FC236}">
-                <a16:creationId xmlns:a16="http://schemas.microsoft.com/office/drawing/2014/main" id="{7FDE350A-B6C7-457C-8DBA-F9E47FCDDB8F}"/>
-              </a:ext>
-            </a:extLst>
-          </p:cNvPr>
-          <p:cNvSpPr>
-            <a:spLocks noGrp="1"/>
-          </p:cNvSpPr>
-          <p:nvPr>
-            <p:ph idx="1"/>
-          </p:nvPr>
-        </p:nvSpPr>
-        <p:spPr/>
-        <p:txBody>
-          <a:bodyPr/>
-          <a:lstStyle/>
-          <a:p>
-            <a:endParaRPr lang="en-US" altLang="ko-KR" dirty="0"/>
-          </a:p>
-          <a:p>
-            <a:r>
-              <a:rPr lang="en-US" altLang="ko-KR" dirty="0"/>
-              <a:t>Visual studio 2017</a:t>
-            </a:r>
-          </a:p>
-          <a:p>
-            <a:r>
-              <a:rPr lang="en-US" altLang="ko-KR" dirty="0"/>
-              <a:t>FBX SDK</a:t>
-            </a:r>
-          </a:p>
-          <a:p>
-            <a:r>
-              <a:rPr lang="en-US" altLang="ko-KR" dirty="0"/>
-              <a:t>GitHub</a:t>
-            </a:r>
-          </a:p>
-          <a:p>
-            <a:r>
-              <a:rPr lang="en-US" altLang="ko-KR" dirty="0"/>
-              <a:t>3DMax</a:t>
-            </a:r>
-          </a:p>
-          <a:p>
-            <a:r>
-              <a:rPr lang="en-US" altLang="ko-KR" dirty="0"/>
-              <a:t>Unity</a:t>
-            </a:r>
-            <a:endParaRPr lang="ko-KR" altLang="en-US" dirty="0"/>
-          </a:p>
-        </p:txBody>
-      </p:sp>
-    </p:spTree>
-    <p:extLst>
-      <p:ext uri="{BB962C8B-B14F-4D97-AF65-F5344CB8AC3E}">
-        <p14:creationId xmlns:p14="http://schemas.microsoft.com/office/powerpoint/2010/main" val="1847319879"/>
       </p:ext>
     </p:extLst>
   </p:cSld>
@@ -8755,7 +10292,7 @@
           <p:cNvPr id="2" name="제목 1">
             <a:extLst>
               <a:ext uri="{FF2B5EF4-FFF2-40B4-BE49-F238E27FC236}">
-                <a16:creationId xmlns:a16="http://schemas.microsoft.com/office/drawing/2014/main" id="{DA9DF249-E098-4F1C-A033-AEEFC6C2F587}"/>
+                <a16:creationId xmlns:a16="http://schemas.microsoft.com/office/drawing/2014/main" id="{B1071FA5-09D2-4B13-AD83-44A580EC6B87}"/>
               </a:ext>
             </a:extLst>
           </p:cNvPr>
@@ -8773,17 +10310,17 @@
           <a:p>
             <a:r>
               <a:rPr lang="ko-KR" altLang="en-US" dirty="0"/>
-              <a:t>역할분담</a:t>
+              <a:t>개발환경</a:t>
             </a:r>
           </a:p>
         </p:txBody>
       </p:sp>
       <p:sp>
         <p:nvSpPr>
-          <p:cNvPr id="3" name="텍스트 개체 틀 2">
+          <p:cNvPr id="3" name="내용 개체 틀 2">
             <a:extLst>
               <a:ext uri="{FF2B5EF4-FFF2-40B4-BE49-F238E27FC236}">
-                <a16:creationId xmlns:a16="http://schemas.microsoft.com/office/drawing/2014/main" id="{3E2821B3-7C49-4ED3-938F-D7A2B784F8FE}"/>
+                <a16:creationId xmlns:a16="http://schemas.microsoft.com/office/drawing/2014/main" id="{7FDE350A-B6C7-457C-8DBA-F9E47FCDDB8F}"/>
               </a:ext>
             </a:extLst>
           </p:cNvPr>
@@ -8791,7 +10328,7 @@
             <a:spLocks noGrp="1"/>
           </p:cNvSpPr>
           <p:nvPr>
-            <p:ph type="body" idx="1"/>
+            <p:ph idx="1"/>
           </p:nvPr>
         </p:nvSpPr>
         <p:spPr/>
@@ -8799,192 +10336,44 @@
           <a:bodyPr/>
           <a:lstStyle/>
           <a:p>
-            <a:r>
-              <a:rPr lang="ko-KR" altLang="en-US" dirty="0"/>
-              <a:t>서버 </a:t>
-            </a:r>
+            <a:endParaRPr lang="en-US" altLang="ko-KR" dirty="0"/>
+          </a:p>
+          <a:p>
             <a:r>
               <a:rPr lang="en-US" altLang="ko-KR" dirty="0"/>
-              <a:t>: </a:t>
-            </a:r>
-            <a:r>
-              <a:rPr lang="ko-KR" altLang="en-US" dirty="0" err="1"/>
-              <a:t>김동산</a:t>
-            </a:r>
+              <a:t>Visual studio 2017</a:t>
+            </a:r>
+          </a:p>
+          <a:p>
+            <a:r>
+              <a:rPr lang="en-US" altLang="ko-KR" dirty="0"/>
+              <a:t>FBX SDK</a:t>
+            </a:r>
+          </a:p>
+          <a:p>
+            <a:r>
+              <a:rPr lang="en-US" altLang="ko-KR" dirty="0"/>
+              <a:t>GitHub</a:t>
+            </a:r>
+          </a:p>
+          <a:p>
+            <a:r>
+              <a:rPr lang="en-US" altLang="ko-KR" dirty="0"/>
+              <a:t>3DMax</a:t>
+            </a:r>
+          </a:p>
+          <a:p>
+            <a:pPr marL="0" indent="0">
+              <a:buNone/>
+            </a:pPr>
             <a:endParaRPr lang="ko-KR" altLang="en-US" dirty="0"/>
-          </a:p>
-        </p:txBody>
-      </p:sp>
-      <p:sp>
-        <p:nvSpPr>
-          <p:cNvPr id="4" name="내용 개체 틀 3">
-            <a:extLst>
-              <a:ext uri="{FF2B5EF4-FFF2-40B4-BE49-F238E27FC236}">
-                <a16:creationId xmlns:a16="http://schemas.microsoft.com/office/drawing/2014/main" id="{9C230DD0-DC2A-442C-9A86-86779FF98E00}"/>
-              </a:ext>
-            </a:extLst>
-          </p:cNvPr>
-          <p:cNvSpPr>
-            <a:spLocks noGrp="1"/>
-          </p:cNvSpPr>
-          <p:nvPr>
-            <p:ph sz="half" idx="2"/>
-          </p:nvPr>
-        </p:nvSpPr>
-        <p:spPr/>
-        <p:txBody>
-          <a:bodyPr/>
-          <a:lstStyle/>
-          <a:p>
-            <a:r>
-              <a:rPr lang="en-US" altLang="ko-KR" dirty="0"/>
-              <a:t>IOCP</a:t>
-            </a:r>
-            <a:r>
-              <a:rPr lang="ko-KR" altLang="en-US" dirty="0"/>
-              <a:t>를 이용한 방 구조 서버 개발</a:t>
-            </a:r>
-            <a:endParaRPr lang="en-US" altLang="ko-KR" dirty="0"/>
-          </a:p>
-          <a:p>
-            <a:r>
-              <a:rPr lang="ko-KR" altLang="en-US" dirty="0"/>
-              <a:t>더미 클라이언트 개발</a:t>
-            </a:r>
-            <a:endParaRPr lang="en-US" altLang="ko-KR" dirty="0"/>
-          </a:p>
-          <a:p>
-            <a:r>
-              <a:rPr lang="ko-KR" altLang="en-US" dirty="0"/>
-              <a:t>충돌체크 구현</a:t>
-            </a:r>
-            <a:endParaRPr lang="en-US" altLang="ko-KR" dirty="0"/>
-          </a:p>
-          <a:p>
-            <a:r>
-              <a:rPr lang="ko-KR" altLang="en-US" dirty="0"/>
-              <a:t>동기화</a:t>
-            </a:r>
-            <a:endParaRPr lang="en-US" altLang="ko-KR" dirty="0"/>
-          </a:p>
-          <a:p>
-            <a:endParaRPr lang="en-US" altLang="ko-KR" dirty="0"/>
-          </a:p>
-        </p:txBody>
-      </p:sp>
-      <p:sp>
-        <p:nvSpPr>
-          <p:cNvPr id="5" name="텍스트 개체 틀 4">
-            <a:extLst>
-              <a:ext uri="{FF2B5EF4-FFF2-40B4-BE49-F238E27FC236}">
-                <a16:creationId xmlns:a16="http://schemas.microsoft.com/office/drawing/2014/main" id="{E672CE2E-A201-4394-8FA4-53236EB6BAD1}"/>
-              </a:ext>
-            </a:extLst>
-          </p:cNvPr>
-          <p:cNvSpPr>
-            <a:spLocks noGrp="1"/>
-          </p:cNvSpPr>
-          <p:nvPr>
-            <p:ph type="body" sz="quarter" idx="3"/>
-          </p:nvPr>
-        </p:nvSpPr>
-        <p:spPr/>
-        <p:txBody>
-          <a:bodyPr/>
-          <a:lstStyle/>
-          <a:p>
-            <a:r>
-              <a:rPr lang="ko-KR" altLang="en-US" dirty="0"/>
-              <a:t>클라이언트 </a:t>
-            </a:r>
-            <a:r>
-              <a:rPr lang="en-US" altLang="ko-KR" dirty="0"/>
-              <a:t>: </a:t>
-            </a:r>
-            <a:r>
-              <a:rPr lang="ko-KR" altLang="en-US" dirty="0" err="1"/>
-              <a:t>백명규</a:t>
-            </a:r>
-            <a:r>
-              <a:rPr lang="en-US" altLang="ko-KR" dirty="0"/>
-              <a:t>, </a:t>
-            </a:r>
-            <a:r>
-              <a:rPr lang="ko-KR" altLang="en-US" dirty="0" err="1"/>
-              <a:t>정홍래</a:t>
-            </a:r>
-            <a:endParaRPr lang="ko-KR" altLang="en-US" dirty="0"/>
-          </a:p>
-        </p:txBody>
-      </p:sp>
-      <p:sp>
-        <p:nvSpPr>
-          <p:cNvPr id="6" name="내용 개체 틀 5">
-            <a:extLst>
-              <a:ext uri="{FF2B5EF4-FFF2-40B4-BE49-F238E27FC236}">
-                <a16:creationId xmlns:a16="http://schemas.microsoft.com/office/drawing/2014/main" id="{E688061A-5A6B-4B52-95AD-B4BAC716C5A6}"/>
-              </a:ext>
-            </a:extLst>
-          </p:cNvPr>
-          <p:cNvSpPr>
-            <a:spLocks noGrp="1"/>
-          </p:cNvSpPr>
-          <p:nvPr>
-            <p:ph sz="quarter" idx="4"/>
-          </p:nvPr>
-        </p:nvSpPr>
-        <p:spPr/>
-        <p:txBody>
-          <a:bodyPr/>
-          <a:lstStyle/>
-          <a:p>
-            <a:r>
-              <a:rPr lang="ko-KR" altLang="en-US" dirty="0"/>
-              <a:t>프레임워크 제작</a:t>
-            </a:r>
-            <a:endParaRPr lang="en-US" altLang="ko-KR" dirty="0"/>
-          </a:p>
-          <a:p>
-            <a:r>
-              <a:rPr lang="ko-KR" altLang="en-US" dirty="0"/>
-              <a:t>맵 제작</a:t>
-            </a:r>
-            <a:endParaRPr lang="en-US" altLang="ko-KR" dirty="0"/>
-          </a:p>
-          <a:p>
-            <a:r>
-              <a:rPr lang="ko-KR" altLang="en-US" dirty="0" err="1"/>
-              <a:t>스키닝</a:t>
-            </a:r>
-            <a:r>
-              <a:rPr lang="ko-KR" altLang="en-US" dirty="0"/>
-              <a:t> 애니메이션 구현</a:t>
-            </a:r>
-            <a:endParaRPr lang="en-US" altLang="ko-KR" dirty="0"/>
-          </a:p>
-          <a:p>
-            <a:r>
-              <a:rPr lang="en-US" altLang="ko-KR" dirty="0"/>
-              <a:t>UI </a:t>
-            </a:r>
-            <a:r>
-              <a:rPr lang="ko-KR" altLang="en-US" dirty="0"/>
-              <a:t>구현</a:t>
-            </a:r>
-            <a:endParaRPr lang="en-US" altLang="ko-KR" dirty="0"/>
-          </a:p>
-          <a:p>
-            <a:r>
-              <a:rPr lang="ko-KR" altLang="en-US" dirty="0"/>
-              <a:t>사운드</a:t>
-            </a:r>
           </a:p>
         </p:txBody>
       </p:sp>
     </p:spTree>
     <p:extLst>
       <p:ext uri="{BB962C8B-B14F-4D97-AF65-F5344CB8AC3E}">
-        <p14:creationId xmlns:p14="http://schemas.microsoft.com/office/powerpoint/2010/main" val="2097482729"/>
+        <p14:creationId xmlns:p14="http://schemas.microsoft.com/office/powerpoint/2010/main" val="1847319879"/>
       </p:ext>
     </p:extLst>
   </p:cSld>
@@ -10818,15 +12207,6 @@
 </file>
 
 <file path=customXml/item2.xml><?xml version="1.0" encoding="utf-8"?>
-<?mso-contentType ?>
-<FormTemplates xmlns="http://schemas.microsoft.com/sharepoint/v3/contenttype/forms">
-  <Display>DocumentLibraryForm</Display>
-  <Edit>AssetEditForm</Edit>
-  <New>DocumentLibraryForm</New>
-</FormTemplates>
-</file>
-
-<file path=customXml/item3.xml><?xml version="1.0" encoding="utf-8"?>
 <p:properties xmlns:p="http://schemas.microsoft.com/office/2006/metadata/properties" xmlns:xsi="http://www.w3.org/2001/XMLSchema-instance" xmlns:pc="http://schemas.microsoft.com/office/infopath/2007/PartnerControls">
   <documentManagement>
     <DirectSourceMarket xmlns="4873beb7-5857-4685-be1f-d57550cc96cc" xsi:nil="true"/>
@@ -10952,6 +12332,15 @@
 </p:properties>
 </file>
 
+<file path=customXml/item3.xml><?xml version="1.0" encoding="utf-8"?>
+<?mso-contentType ?>
+<FormTemplates xmlns="http://schemas.microsoft.com/sharepoint/v3/contenttype/forms">
+  <Display>DocumentLibraryForm</Display>
+  <Edit>AssetEditForm</Edit>
+  <New>DocumentLibraryForm</New>
+</FormTemplates>
+</file>
+
 <file path=customXml/itemProps1.xml><?xml version="1.0" encoding="utf-8"?>
 <ds:datastoreItem xmlns:ds="http://schemas.openxmlformats.org/officeDocument/2006/customXml" ds:itemID="{0B5C6E15-39DC-470B-9445-F754B9458020}">
   <ds:schemaRefs>
@@ -10971,14 +12360,6 @@
 </file>
 
 <file path=customXml/itemProps2.xml><?xml version="1.0" encoding="utf-8"?>
-<ds:datastoreItem xmlns:ds="http://schemas.openxmlformats.org/officeDocument/2006/customXml" ds:itemID="{746CFF6F-D9AA-4BC0-911A-0A1356771912}">
-  <ds:schemaRefs>
-    <ds:schemaRef ds:uri="http://schemas.microsoft.com/sharepoint/v3/contenttype/forms"/>
-  </ds:schemaRefs>
-</ds:datastoreItem>
-</file>
-
-<file path=customXml/itemProps3.xml><?xml version="1.0" encoding="utf-8"?>
 <ds:datastoreItem xmlns:ds="http://schemas.openxmlformats.org/officeDocument/2006/customXml" ds:itemID="{04098515-0C12-46CF-BC7C-69B4A13CD5FA}">
   <ds:schemaRefs>
     <ds:schemaRef ds:uri="http://schemas.microsoft.com/office/2006/documentManagement/types"/>
@@ -10992,4 +12373,12 @@
     <ds:schemaRef ds:uri="http://purl.org/dc/dcmitype/"/>
   </ds:schemaRefs>
 </ds:datastoreItem>
+</file>
+
+<file path=customXml/itemProps3.xml><?xml version="1.0" encoding="utf-8"?>
+<ds:datastoreItem xmlns:ds="http://schemas.openxmlformats.org/officeDocument/2006/customXml" ds:itemID="{746CFF6F-D9AA-4BC0-911A-0A1356771912}">
+  <ds:schemaRefs>
+    <ds:schemaRef ds:uri="http://schemas.microsoft.com/sharepoint/v3/contenttype/forms"/>
+  </ds:schemaRefs>
+</ds:datastoreItem>
 </file>
--- a/기획/UTB (Unknown Team Battle).pptx
+++ b/기획/UTB (Unknown Team Battle).pptx
@@ -4521,7 +4521,7 @@
           <a:p>
             <a:r>
               <a:rPr lang="ko-KR" altLang="en-US" dirty="0"/>
-              <a:t>사운드</a:t>
+              <a:t>렌더링 기법 구현</a:t>
             </a:r>
           </a:p>
         </p:txBody>
@@ -4751,29 +4751,8 @@
           <a:p>
             <a:r>
               <a:rPr lang="ko-KR" altLang="en-US" dirty="0"/>
-              <a:t>입체음향</a:t>
-            </a:r>
-            <a:endParaRPr lang="en-US" altLang="ko-KR" dirty="0"/>
-          </a:p>
-          <a:p>
-            <a:r>
-              <a:rPr lang="ko-KR" altLang="en-US" dirty="0"/>
               <a:t>여러가지 렌더링 기법 적용</a:t>
             </a:r>
-            <a:endParaRPr lang="en-US" altLang="ko-KR" dirty="0"/>
-          </a:p>
-          <a:p>
-            <a:r>
-              <a:rPr lang="ko-KR" altLang="en-US" dirty="0"/>
-              <a:t>알파 </a:t>
-            </a:r>
-            <a:r>
-              <a:rPr lang="ko-KR" altLang="en-US" dirty="0" err="1"/>
-              <a:t>블랜딩</a:t>
-            </a:r>
-            <a:endParaRPr lang="en-US" altLang="ko-KR" dirty="0"/>
-          </a:p>
-          <a:p>
             <a:endParaRPr lang="en-US" altLang="ko-KR" dirty="0"/>
           </a:p>
           <a:p>
@@ -5519,7 +5498,15 @@
           <a:p>
             <a:r>
               <a:rPr lang="ko-KR" altLang="en-US" dirty="0"/>
-              <a:t>게임 진행상황은 팀별 남은 인원수만 보여준다</a:t>
+              <a:t>상황판에서는 팀스코어와 생존인원</a:t>
+            </a:r>
+            <a:r>
+              <a:rPr lang="en-US" altLang="ko-KR" dirty="0"/>
+              <a:t>, </a:t>
+            </a:r>
+            <a:r>
+              <a:rPr lang="ko-KR" altLang="en-US" dirty="0"/>
+              <a:t>개인 점수를 확인할 수 있다</a:t>
             </a:r>
             <a:r>
               <a:rPr lang="en-US" altLang="ko-KR" dirty="0"/>
@@ -5766,91 +5753,116 @@
           </a:p>
         </p:txBody>
       </p:sp>
-      <p:cxnSp>
-        <p:nvCxnSpPr>
-          <p:cNvPr id="19" name="연결선: 꺾임 18">
+      <p:grpSp>
+        <p:nvGrpSpPr>
+          <p:cNvPr id="11" name="그룹 10">
             <a:extLst>
               <a:ext uri="{FF2B5EF4-FFF2-40B4-BE49-F238E27FC236}">
-                <a16:creationId xmlns:a16="http://schemas.microsoft.com/office/drawing/2014/main" id="{18A5322B-8FEA-446D-9178-98E5497B1B5C}"/>
+                <a16:creationId xmlns:a16="http://schemas.microsoft.com/office/drawing/2014/main" id="{0E3AF759-5028-44F5-82F0-EE5D95F9C8C1}"/>
               </a:ext>
             </a:extLst>
           </p:cNvPr>
-          <p:cNvCxnSpPr>
-            <a:stCxn id="15" idx="3"/>
-          </p:cNvCxnSpPr>
+          <p:cNvGrpSpPr/>
           <p:nvPr/>
-        </p:nvCxnSpPr>
-        <p:spPr>
-          <a:xfrm flipV="1">
-            <a:off x="5771963" y="2204863"/>
-            <a:ext cx="468053" cy="3109928"/>
+        </p:nvGrpSpPr>
+        <p:grpSpPr>
+          <a:xfrm>
+            <a:off x="5771963" y="3428999"/>
+            <a:ext cx="972109" cy="1885792"/>
+            <a:chOff x="5771963" y="3428999"/>
+            <a:chExt cx="972109" cy="1885792"/>
           </a:xfrm>
-          <a:prstGeom prst="bentConnector2">
-            <a:avLst/>
-          </a:prstGeom>
-          <a:ln>
-            <a:solidFill>
-              <a:schemeClr val="accent5"/>
-            </a:solidFill>
-          </a:ln>
-        </p:spPr>
-        <p:style>
-          <a:lnRef idx="1">
-            <a:schemeClr val="accent1"/>
-          </a:lnRef>
-          <a:fillRef idx="0">
-            <a:schemeClr val="accent1"/>
-          </a:fillRef>
-          <a:effectRef idx="0">
-            <a:schemeClr val="accent1"/>
-          </a:effectRef>
-          <a:fontRef idx="minor">
-            <a:schemeClr val="tx1"/>
-          </a:fontRef>
-        </p:style>
-      </p:cxnSp>
-      <p:cxnSp>
-        <p:nvCxnSpPr>
-          <p:cNvPr id="21" name="직선 화살표 연결선 20">
-            <a:extLst>
-              <a:ext uri="{FF2B5EF4-FFF2-40B4-BE49-F238E27FC236}">
-                <a16:creationId xmlns:a16="http://schemas.microsoft.com/office/drawing/2014/main" id="{084B5AA9-2B63-45E3-9796-BBF09AC9F137}"/>
-              </a:ext>
-            </a:extLst>
-          </p:cNvPr>
-          <p:cNvCxnSpPr/>
-          <p:nvPr/>
-        </p:nvCxnSpPr>
-        <p:spPr>
-          <a:xfrm>
-            <a:off x="6240016" y="2204863"/>
-            <a:ext cx="504056" cy="0"/>
-          </a:xfrm>
-          <a:prstGeom prst="straightConnector1">
-            <a:avLst/>
-          </a:prstGeom>
-          <a:ln>
-            <a:solidFill>
-              <a:schemeClr val="accent5"/>
-            </a:solidFill>
-            <a:tailEnd type="triangle"/>
-          </a:ln>
-        </p:spPr>
-        <p:style>
-          <a:lnRef idx="1">
-            <a:schemeClr val="accent1"/>
-          </a:lnRef>
-          <a:fillRef idx="0">
-            <a:schemeClr val="accent1"/>
-          </a:fillRef>
-          <a:effectRef idx="0">
-            <a:schemeClr val="accent1"/>
-          </a:effectRef>
-          <a:fontRef idx="minor">
-            <a:schemeClr val="tx1"/>
-          </a:fontRef>
-        </p:style>
-      </p:cxnSp>
+        </p:grpSpPr>
+        <p:cxnSp>
+          <p:nvCxnSpPr>
+            <p:cNvPr id="19" name="연결선: 꺾임 18">
+              <a:extLst>
+                <a:ext uri="{FF2B5EF4-FFF2-40B4-BE49-F238E27FC236}">
+                  <a16:creationId xmlns:a16="http://schemas.microsoft.com/office/drawing/2014/main" id="{18A5322B-8FEA-446D-9178-98E5497B1B5C}"/>
+                </a:ext>
+              </a:extLst>
+            </p:cNvPr>
+            <p:cNvCxnSpPr>
+              <a:cxnSpLocks/>
+              <a:stCxn id="15" idx="3"/>
+            </p:cNvCxnSpPr>
+            <p:nvPr/>
+          </p:nvCxnSpPr>
+          <p:spPr>
+            <a:xfrm flipV="1">
+              <a:off x="5771963" y="3428999"/>
+              <a:ext cx="504056" cy="1885792"/>
+            </a:xfrm>
+            <a:prstGeom prst="bentConnector2">
+              <a:avLst/>
+            </a:prstGeom>
+            <a:ln w="28575">
+              <a:solidFill>
+                <a:schemeClr val="accent5"/>
+              </a:solidFill>
+            </a:ln>
+          </p:spPr>
+          <p:style>
+            <a:lnRef idx="1">
+              <a:schemeClr val="accent1"/>
+            </a:lnRef>
+            <a:fillRef idx="0">
+              <a:schemeClr val="accent1"/>
+            </a:fillRef>
+            <a:effectRef idx="0">
+              <a:schemeClr val="accent1"/>
+            </a:effectRef>
+            <a:fontRef idx="minor">
+              <a:schemeClr val="tx1"/>
+            </a:fontRef>
+          </p:style>
+        </p:cxnSp>
+        <p:cxnSp>
+          <p:nvCxnSpPr>
+            <p:cNvPr id="21" name="직선 화살표 연결선 20">
+              <a:extLst>
+                <a:ext uri="{FF2B5EF4-FFF2-40B4-BE49-F238E27FC236}">
+                  <a16:creationId xmlns:a16="http://schemas.microsoft.com/office/drawing/2014/main" id="{084B5AA9-2B63-45E3-9796-BBF09AC9F137}"/>
+                </a:ext>
+              </a:extLst>
+            </p:cNvPr>
+            <p:cNvCxnSpPr>
+              <a:cxnSpLocks/>
+              <a:endCxn id="22" idx="1"/>
+            </p:cNvCxnSpPr>
+            <p:nvPr/>
+          </p:nvCxnSpPr>
+          <p:spPr>
+            <a:xfrm>
+              <a:off x="6276019" y="3429000"/>
+              <a:ext cx="468053" cy="0"/>
+            </a:xfrm>
+            <a:prstGeom prst="straightConnector1">
+              <a:avLst/>
+            </a:prstGeom>
+            <a:ln w="28575">
+              <a:solidFill>
+                <a:schemeClr val="accent5"/>
+              </a:solidFill>
+              <a:tailEnd type="triangle"/>
+            </a:ln>
+          </p:spPr>
+          <p:style>
+            <a:lnRef idx="1">
+              <a:schemeClr val="accent1"/>
+            </a:lnRef>
+            <a:fillRef idx="0">
+              <a:schemeClr val="accent1"/>
+            </a:fillRef>
+            <a:effectRef idx="0">
+              <a:schemeClr val="accent1"/>
+            </a:effectRef>
+            <a:fontRef idx="minor">
+              <a:schemeClr val="tx1"/>
+            </a:fontRef>
+          </p:style>
+        </p:cxnSp>
+      </p:grpSp>
       <p:sp>
         <p:nvSpPr>
           <p:cNvPr id="22" name="TextBox 21">
@@ -5865,13 +5877,14 @@
         </p:nvSpPr>
         <p:spPr>
           <a:xfrm>
-            <a:off x="6744072" y="1988841"/>
-            <a:ext cx="4104456" cy="923330"/>
+            <a:off x="6744072" y="2413337"/>
+            <a:ext cx="4104456" cy="2031325"/>
           </a:xfrm>
           <a:prstGeom prst="rect">
             <a:avLst/>
           </a:prstGeom>
           <a:noFill/>
+          <a:ln w="38100"/>
         </p:spPr>
         <p:style>
           <a:lnRef idx="2">
@@ -5908,13 +5921,35 @@
             </a:endParaRPr>
           </a:p>
           <a:p>
+            <a:endParaRPr lang="en-US" altLang="ko-KR" dirty="0">
+              <a:solidFill>
+                <a:schemeClr val="tx1"/>
+              </a:solidFill>
+            </a:endParaRPr>
+          </a:p>
+          <a:p>
             <a:r>
               <a:rPr lang="ko-KR" altLang="en-US" dirty="0">
                 <a:solidFill>
                   <a:schemeClr val="tx1"/>
                 </a:solidFill>
               </a:rPr>
-              <a:t>한계치까지 계속해서 무기를 사용하면 잠시동안 무기 사용이 불가능 해 진다</a:t>
+              <a:t>사용 중에는 게이지가 차오르며</a:t>
+            </a:r>
+            <a:endParaRPr lang="en-US" altLang="ko-KR" dirty="0">
+              <a:solidFill>
+                <a:schemeClr val="tx1"/>
+              </a:solidFill>
+            </a:endParaRPr>
+          </a:p>
+          <a:p>
+            <a:r>
+              <a:rPr lang="ko-KR" altLang="en-US" dirty="0">
+                <a:solidFill>
+                  <a:schemeClr val="tx1"/>
+                </a:solidFill>
+              </a:rPr>
+              <a:t>사용하지 않으면 게이지가 회복된다</a:t>
             </a:r>
             <a:r>
               <a:rPr lang="en-US" altLang="ko-KR" dirty="0">
@@ -5924,11 +5959,46 @@
               </a:rPr>
               <a:t>.</a:t>
             </a:r>
-            <a:endParaRPr lang="ko-KR" altLang="en-US" dirty="0">
+          </a:p>
+          <a:p>
+            <a:endParaRPr lang="en-US" altLang="ko-KR" dirty="0">
               <a:solidFill>
                 <a:schemeClr val="tx1"/>
               </a:solidFill>
             </a:endParaRPr>
+          </a:p>
+          <a:p>
+            <a:r>
+              <a:rPr lang="ko-KR" altLang="en-US" dirty="0">
+                <a:solidFill>
+                  <a:schemeClr val="tx1"/>
+                </a:solidFill>
+              </a:rPr>
+              <a:t>게이지가 끝까지 차오르면</a:t>
+            </a:r>
+            <a:endParaRPr lang="en-US" altLang="ko-KR" dirty="0">
+              <a:solidFill>
+                <a:schemeClr val="tx1"/>
+              </a:solidFill>
+            </a:endParaRPr>
+          </a:p>
+          <a:p>
+            <a:r>
+              <a:rPr lang="ko-KR" altLang="en-US" dirty="0">
+                <a:solidFill>
+                  <a:schemeClr val="tx1"/>
+                </a:solidFill>
+              </a:rPr>
+              <a:t>모두 회복 될 때 까지 사용할 수 없다</a:t>
+            </a:r>
+            <a:r>
+              <a:rPr lang="en-US" altLang="ko-KR" dirty="0">
+                <a:solidFill>
+                  <a:schemeClr val="tx1"/>
+                </a:solidFill>
+              </a:rPr>
+              <a:t>.</a:t>
+            </a:r>
           </a:p>
         </p:txBody>
       </p:sp>
@@ -9918,7 +9988,7 @@
                   <a:schemeClr val="tx1"/>
                 </a:solidFill>
               </a:rPr>
-              <a:t>팀 스코어 표시</a:t>
+              <a:t>팀 스코어</a:t>
             </a:r>
           </a:p>
         </p:txBody>
@@ -9979,7 +10049,22 @@
                   <a:schemeClr val="tx1"/>
                 </a:solidFill>
               </a:rPr>
-              <a:t>생존여부 표시 죽은 플레이어는 검게 변한다</a:t>
+              <a:t>생존여부 </a:t>
+            </a:r>
+            <a:endParaRPr lang="en-US" altLang="ko-KR" dirty="0">
+              <a:solidFill>
+                <a:schemeClr val="tx1"/>
+              </a:solidFill>
+            </a:endParaRPr>
+          </a:p>
+          <a:p>
+            <a:r>
+              <a:rPr lang="ko-KR" altLang="en-US" dirty="0">
+                <a:solidFill>
+                  <a:schemeClr val="tx1"/>
+                </a:solidFill>
+              </a:rPr>
+              <a:t>죽은 플레이어는 검게 변한다</a:t>
             </a:r>
             <a:r>
               <a:rPr lang="en-US" altLang="ko-KR" dirty="0">
@@ -10141,7 +10226,7 @@
                   <a:schemeClr val="tx1"/>
                 </a:solidFill>
               </a:rPr>
-              <a:t>개인 점수 표시</a:t>
+              <a:t>개인 점수 </a:t>
             </a:r>
             <a:endParaRPr lang="en-US" altLang="ko-KR" dirty="0">
               <a:solidFill>
@@ -12207,6 +12292,15 @@
 </file>
 
 <file path=customXml/item2.xml><?xml version="1.0" encoding="utf-8"?>
+<?mso-contentType ?>
+<FormTemplates xmlns="http://schemas.microsoft.com/sharepoint/v3/contenttype/forms">
+  <Display>DocumentLibraryForm</Display>
+  <Edit>AssetEditForm</Edit>
+  <New>DocumentLibraryForm</New>
+</FormTemplates>
+</file>
+
+<file path=customXml/item3.xml><?xml version="1.0" encoding="utf-8"?>
 <p:properties xmlns:p="http://schemas.microsoft.com/office/2006/metadata/properties" xmlns:xsi="http://www.w3.org/2001/XMLSchema-instance" xmlns:pc="http://schemas.microsoft.com/office/infopath/2007/PartnerControls">
   <documentManagement>
     <DirectSourceMarket xmlns="4873beb7-5857-4685-be1f-d57550cc96cc" xsi:nil="true"/>
@@ -12332,15 +12426,6 @@
 </p:properties>
 </file>
 
-<file path=customXml/item3.xml><?xml version="1.0" encoding="utf-8"?>
-<?mso-contentType ?>
-<FormTemplates xmlns="http://schemas.microsoft.com/sharepoint/v3/contenttype/forms">
-  <Display>DocumentLibraryForm</Display>
-  <Edit>AssetEditForm</Edit>
-  <New>DocumentLibraryForm</New>
-</FormTemplates>
-</file>
-
 <file path=customXml/itemProps1.xml><?xml version="1.0" encoding="utf-8"?>
 <ds:datastoreItem xmlns:ds="http://schemas.openxmlformats.org/officeDocument/2006/customXml" ds:itemID="{0B5C6E15-39DC-470B-9445-F754B9458020}">
   <ds:schemaRefs>
@@ -12360,6 +12445,14 @@
 </file>
 
 <file path=customXml/itemProps2.xml><?xml version="1.0" encoding="utf-8"?>
+<ds:datastoreItem xmlns:ds="http://schemas.openxmlformats.org/officeDocument/2006/customXml" ds:itemID="{746CFF6F-D9AA-4BC0-911A-0A1356771912}">
+  <ds:schemaRefs>
+    <ds:schemaRef ds:uri="http://schemas.microsoft.com/sharepoint/v3/contenttype/forms"/>
+  </ds:schemaRefs>
+</ds:datastoreItem>
+</file>
+
+<file path=customXml/itemProps3.xml><?xml version="1.0" encoding="utf-8"?>
 <ds:datastoreItem xmlns:ds="http://schemas.openxmlformats.org/officeDocument/2006/customXml" ds:itemID="{04098515-0C12-46CF-BC7C-69B4A13CD5FA}">
   <ds:schemaRefs>
     <ds:schemaRef ds:uri="http://schemas.microsoft.com/office/2006/documentManagement/types"/>
@@ -12373,12 +12466,4 @@
     <ds:schemaRef ds:uri="http://purl.org/dc/dcmitype/"/>
   </ds:schemaRefs>
 </ds:datastoreItem>
-</file>
-
-<file path=customXml/itemProps3.xml><?xml version="1.0" encoding="utf-8"?>
-<ds:datastoreItem xmlns:ds="http://schemas.openxmlformats.org/officeDocument/2006/customXml" ds:itemID="{746CFF6F-D9AA-4BC0-911A-0A1356771912}">
-  <ds:schemaRefs>
-    <ds:schemaRef ds:uri="http://schemas.microsoft.com/sharepoint/v3/contenttype/forms"/>
-  </ds:schemaRefs>
-</ds:datastoreItem>
 </file>
--- a/기획/UTB (Unknown Team Battle).pptx
+++ b/기획/UTB (Unknown Team Battle).pptx
@@ -5,10 +5,10 @@
     <p:sldMasterId id="2147483648" r:id="rId4"/>
   </p:sldMasterIdLst>
   <p:notesMasterIdLst>
-    <p:notesMasterId r:id="rId18"/>
+    <p:notesMasterId r:id="rId19"/>
   </p:notesMasterIdLst>
   <p:handoutMasterIdLst>
-    <p:handoutMasterId r:id="rId19"/>
+    <p:handoutMasterId r:id="rId20"/>
   </p:handoutMasterIdLst>
   <p:sldIdLst>
     <p:sldId id="256" r:id="rId5"/>
@@ -19,17 +19,18 @@
     <p:sldId id="288" r:id="rId10"/>
     <p:sldId id="282" r:id="rId11"/>
     <p:sldId id="287" r:id="rId12"/>
-    <p:sldId id="278" r:id="rId13"/>
-    <p:sldId id="280" r:id="rId14"/>
-    <p:sldId id="279" r:id="rId15"/>
-    <p:sldId id="285" r:id="rId16"/>
-    <p:sldId id="286" r:id="rId17"/>
+    <p:sldId id="289" r:id="rId13"/>
+    <p:sldId id="278" r:id="rId14"/>
+    <p:sldId id="280" r:id="rId15"/>
+    <p:sldId id="279" r:id="rId16"/>
+    <p:sldId id="285" r:id="rId17"/>
+    <p:sldId id="286" r:id="rId18"/>
   </p:sldIdLst>
   <p:sldSz cx="12192000" cy="6858000"/>
   <p:notesSz cx="6858000" cy="9144000"/>
   <p:defaultTextStyle>
     <a:defPPr rtl="0">
-      <a:defRPr lang="ko-kr"/>
+      <a:defRPr lang="ko-KR"/>
     </a:defPPr>
     <a:lvl1pPr marL="0" algn="l" defTabSz="914400" rtl="0" eaLnBrk="1" latinLnBrk="0" hangingPunct="1">
       <a:defRPr sz="1800" kern="1200">
@@ -124,7 +125,7 @@
   </p:defaultTextStyle>
   <p:extLst>
     <p:ext uri="{EFAFB233-063F-42B5-8137-9DF3F51BA10A}">
-      <p15:sldGuideLst xmlns:p15="http://schemas.microsoft.com/office/powerpoint/2012/main">
+      <p15:sldGuideLst xmlns:p15="http://schemas.microsoft.com/office/powerpoint/2012/main" xmlns="">
         <p15:guide id="1" pos="3840" userDrawn="1">
           <p15:clr>
             <a:srgbClr val="A4A3A4"/>
@@ -138,7 +139,7 @@
       </p15:sldGuideLst>
     </p:ext>
     <p:ext uri="{2D200454-40CA-4A62-9FC3-DE9A4176ACB9}">
-      <p15:notesGuideLst xmlns:p15="http://schemas.microsoft.com/office/powerpoint/2012/main"/>
+      <p15:notesGuideLst xmlns:p15="http://schemas.microsoft.com/office/powerpoint/2012/main" xmlns=""/>
     </p:ext>
   </p:extLst>
 </p:presentation>
@@ -4096,7 +4097,7 @@
   </p:txStyles>
   <p:extLst mod="1">
     <p:ext uri="{27BBF7A9-308A-43DC-89C8-2F10F3537804}">
-      <p15:sldGuideLst xmlns:p15="http://schemas.microsoft.com/office/powerpoint/2012/main">
+      <p15:sldGuideLst xmlns:p15="http://schemas.microsoft.com/office/powerpoint/2012/main" xmlns="">
         <p15:guide id="1" orient="horz" pos="2160">
           <p15:clr>
             <a:srgbClr val="F26B43"/>
@@ -4300,7 +4301,7 @@
           <p:cNvPr id="2" name="제목 1">
             <a:extLst>
               <a:ext uri="{FF2B5EF4-FFF2-40B4-BE49-F238E27FC236}">
-                <a16:creationId xmlns:a16="http://schemas.microsoft.com/office/drawing/2014/main" id="{DA9DF249-E098-4F1C-A033-AEEFC6C2F587}"/>
+                <a16:creationId xmlns:a16="http://schemas.microsoft.com/office/drawing/2014/main" xmlns="" id="{B1071FA5-09D2-4B13-AD83-44A580EC6B87}"/>
               </a:ext>
             </a:extLst>
           </p:cNvPr>
@@ -4318,17 +4319,17 @@
           <a:p>
             <a:r>
               <a:rPr lang="ko-KR" altLang="en-US" dirty="0"/>
-              <a:t>역할분담</a:t>
+              <a:t>개발환경</a:t>
             </a:r>
           </a:p>
         </p:txBody>
       </p:sp>
       <p:sp>
         <p:nvSpPr>
-          <p:cNvPr id="3" name="텍스트 개체 틀 2">
+          <p:cNvPr id="3" name="내용 개체 틀 2">
             <a:extLst>
               <a:ext uri="{FF2B5EF4-FFF2-40B4-BE49-F238E27FC236}">
-                <a16:creationId xmlns:a16="http://schemas.microsoft.com/office/drawing/2014/main" id="{3E2821B3-7C49-4ED3-938F-D7A2B784F8FE}"/>
+                <a16:creationId xmlns:a16="http://schemas.microsoft.com/office/drawing/2014/main" xmlns="" id="{7FDE350A-B6C7-457C-8DBA-F9E47FCDDB8F}"/>
               </a:ext>
             </a:extLst>
           </p:cNvPr>
@@ -4336,7 +4337,7 @@
             <a:spLocks noGrp="1"/>
           </p:cNvSpPr>
           <p:nvPr>
-            <p:ph type="body" idx="1"/>
+            <p:ph idx="1"/>
           </p:nvPr>
         </p:nvSpPr>
         <p:spPr/>
@@ -4344,192 +4345,44 @@
           <a:bodyPr/>
           <a:lstStyle/>
           <a:p>
-            <a:r>
-              <a:rPr lang="ko-KR" altLang="en-US" dirty="0"/>
-              <a:t>서버 </a:t>
-            </a:r>
+            <a:endParaRPr lang="en-US" altLang="ko-KR" dirty="0"/>
+          </a:p>
+          <a:p>
             <a:r>
               <a:rPr lang="en-US" altLang="ko-KR" dirty="0"/>
-              <a:t>: </a:t>
-            </a:r>
-            <a:r>
-              <a:rPr lang="ko-KR" altLang="en-US" dirty="0" err="1"/>
-              <a:t>김동산</a:t>
-            </a:r>
+              <a:t>Visual studio 2017</a:t>
+            </a:r>
+          </a:p>
+          <a:p>
+            <a:r>
+              <a:rPr lang="en-US" altLang="ko-KR" dirty="0"/>
+              <a:t>FBX SDK</a:t>
+            </a:r>
+          </a:p>
+          <a:p>
+            <a:r>
+              <a:rPr lang="en-US" altLang="ko-KR" dirty="0"/>
+              <a:t>GitHub</a:t>
+            </a:r>
+          </a:p>
+          <a:p>
+            <a:r>
+              <a:rPr lang="en-US" altLang="ko-KR" dirty="0"/>
+              <a:t>3DMax</a:t>
+            </a:r>
+          </a:p>
+          <a:p>
+            <a:pPr marL="0" indent="0">
+              <a:buNone/>
+            </a:pPr>
             <a:endParaRPr lang="ko-KR" altLang="en-US" dirty="0"/>
-          </a:p>
-        </p:txBody>
-      </p:sp>
-      <p:sp>
-        <p:nvSpPr>
-          <p:cNvPr id="4" name="내용 개체 틀 3">
-            <a:extLst>
-              <a:ext uri="{FF2B5EF4-FFF2-40B4-BE49-F238E27FC236}">
-                <a16:creationId xmlns:a16="http://schemas.microsoft.com/office/drawing/2014/main" id="{9C230DD0-DC2A-442C-9A86-86779FF98E00}"/>
-              </a:ext>
-            </a:extLst>
-          </p:cNvPr>
-          <p:cNvSpPr>
-            <a:spLocks noGrp="1"/>
-          </p:cNvSpPr>
-          <p:nvPr>
-            <p:ph sz="half" idx="2"/>
-          </p:nvPr>
-        </p:nvSpPr>
-        <p:spPr/>
-        <p:txBody>
-          <a:bodyPr/>
-          <a:lstStyle/>
-          <a:p>
-            <a:r>
-              <a:rPr lang="en-US" altLang="ko-KR" dirty="0"/>
-              <a:t>IOCP</a:t>
-            </a:r>
-            <a:r>
-              <a:rPr lang="ko-KR" altLang="en-US" dirty="0"/>
-              <a:t>를 이용한 방 구조 서버 개발</a:t>
-            </a:r>
-            <a:endParaRPr lang="en-US" altLang="ko-KR" dirty="0"/>
-          </a:p>
-          <a:p>
-            <a:r>
-              <a:rPr lang="ko-KR" altLang="en-US" dirty="0"/>
-              <a:t>더미 클라이언트 개발</a:t>
-            </a:r>
-            <a:endParaRPr lang="en-US" altLang="ko-KR" dirty="0"/>
-          </a:p>
-          <a:p>
-            <a:r>
-              <a:rPr lang="ko-KR" altLang="en-US" dirty="0"/>
-              <a:t>충돌체크 구현</a:t>
-            </a:r>
-            <a:endParaRPr lang="en-US" altLang="ko-KR" dirty="0"/>
-          </a:p>
-          <a:p>
-            <a:r>
-              <a:rPr lang="ko-KR" altLang="en-US" dirty="0"/>
-              <a:t>동기화</a:t>
-            </a:r>
-            <a:endParaRPr lang="en-US" altLang="ko-KR" dirty="0"/>
-          </a:p>
-          <a:p>
-            <a:endParaRPr lang="en-US" altLang="ko-KR" dirty="0"/>
-          </a:p>
-        </p:txBody>
-      </p:sp>
-      <p:sp>
-        <p:nvSpPr>
-          <p:cNvPr id="5" name="텍스트 개체 틀 4">
-            <a:extLst>
-              <a:ext uri="{FF2B5EF4-FFF2-40B4-BE49-F238E27FC236}">
-                <a16:creationId xmlns:a16="http://schemas.microsoft.com/office/drawing/2014/main" id="{E672CE2E-A201-4394-8FA4-53236EB6BAD1}"/>
-              </a:ext>
-            </a:extLst>
-          </p:cNvPr>
-          <p:cNvSpPr>
-            <a:spLocks noGrp="1"/>
-          </p:cNvSpPr>
-          <p:nvPr>
-            <p:ph type="body" sz="quarter" idx="3"/>
-          </p:nvPr>
-        </p:nvSpPr>
-        <p:spPr/>
-        <p:txBody>
-          <a:bodyPr/>
-          <a:lstStyle/>
-          <a:p>
-            <a:r>
-              <a:rPr lang="ko-KR" altLang="en-US" dirty="0"/>
-              <a:t>클라이언트 </a:t>
-            </a:r>
-            <a:r>
-              <a:rPr lang="en-US" altLang="ko-KR" dirty="0"/>
-              <a:t>: </a:t>
-            </a:r>
-            <a:r>
-              <a:rPr lang="ko-KR" altLang="en-US" dirty="0" err="1"/>
-              <a:t>백명규</a:t>
-            </a:r>
-            <a:r>
-              <a:rPr lang="en-US" altLang="ko-KR" dirty="0"/>
-              <a:t>, </a:t>
-            </a:r>
-            <a:r>
-              <a:rPr lang="ko-KR" altLang="en-US" dirty="0" err="1"/>
-              <a:t>정홍래</a:t>
-            </a:r>
-            <a:endParaRPr lang="ko-KR" altLang="en-US" dirty="0"/>
-          </a:p>
-        </p:txBody>
-      </p:sp>
-      <p:sp>
-        <p:nvSpPr>
-          <p:cNvPr id="6" name="내용 개체 틀 5">
-            <a:extLst>
-              <a:ext uri="{FF2B5EF4-FFF2-40B4-BE49-F238E27FC236}">
-                <a16:creationId xmlns:a16="http://schemas.microsoft.com/office/drawing/2014/main" id="{E688061A-5A6B-4B52-95AD-B4BAC716C5A6}"/>
-              </a:ext>
-            </a:extLst>
-          </p:cNvPr>
-          <p:cNvSpPr>
-            <a:spLocks noGrp="1"/>
-          </p:cNvSpPr>
-          <p:nvPr>
-            <p:ph sz="quarter" idx="4"/>
-          </p:nvPr>
-        </p:nvSpPr>
-        <p:spPr/>
-        <p:txBody>
-          <a:bodyPr/>
-          <a:lstStyle/>
-          <a:p>
-            <a:r>
-              <a:rPr lang="ko-KR" altLang="en-US" dirty="0"/>
-              <a:t>프레임워크 제작</a:t>
-            </a:r>
-            <a:endParaRPr lang="en-US" altLang="ko-KR" dirty="0"/>
-          </a:p>
-          <a:p>
-            <a:r>
-              <a:rPr lang="ko-KR" altLang="en-US" dirty="0"/>
-              <a:t>맵 제작</a:t>
-            </a:r>
-            <a:endParaRPr lang="en-US" altLang="ko-KR" dirty="0"/>
-          </a:p>
-          <a:p>
-            <a:r>
-              <a:rPr lang="ko-KR" altLang="en-US" dirty="0" err="1"/>
-              <a:t>스키닝</a:t>
-            </a:r>
-            <a:r>
-              <a:rPr lang="ko-KR" altLang="en-US" dirty="0"/>
-              <a:t> 애니메이션 구현</a:t>
-            </a:r>
-            <a:endParaRPr lang="en-US" altLang="ko-KR" dirty="0"/>
-          </a:p>
-          <a:p>
-            <a:r>
-              <a:rPr lang="en-US" altLang="ko-KR" dirty="0"/>
-              <a:t>UI </a:t>
-            </a:r>
-            <a:r>
-              <a:rPr lang="ko-KR" altLang="en-US" dirty="0"/>
-              <a:t>구현</a:t>
-            </a:r>
-            <a:endParaRPr lang="en-US" altLang="ko-KR" dirty="0"/>
-          </a:p>
-          <a:p>
-            <a:r>
-              <a:rPr lang="ko-KR" altLang="en-US" dirty="0"/>
-              <a:t>렌더링 기법 구현</a:t>
-            </a:r>
           </a:p>
         </p:txBody>
       </p:sp>
     </p:spTree>
     <p:extLst>
       <p:ext uri="{BB962C8B-B14F-4D97-AF65-F5344CB8AC3E}">
-        <p14:creationId xmlns:p14="http://schemas.microsoft.com/office/powerpoint/2010/main" val="2097482729"/>
+        <p14:creationId xmlns:p14="http://schemas.microsoft.com/office/powerpoint/2010/main" val="1847319879"/>
       </p:ext>
     </p:extLst>
   </p:cSld>
@@ -4561,7 +4414,7 @@
           <p:cNvPr id="2" name="제목 1">
             <a:extLst>
               <a:ext uri="{FF2B5EF4-FFF2-40B4-BE49-F238E27FC236}">
-                <a16:creationId xmlns:a16="http://schemas.microsoft.com/office/drawing/2014/main" id="{BAD8D3C6-56EF-423C-B6CF-4B23CE2F1D6F}"/>
+                <a16:creationId xmlns:a16="http://schemas.microsoft.com/office/drawing/2014/main" xmlns="" id="{DA9DF249-E098-4F1C-A033-AEEFC6C2F587}"/>
               </a:ext>
             </a:extLst>
           </p:cNvPr>
@@ -4579,7 +4432,7 @@
           <a:p>
             <a:r>
               <a:rPr lang="ko-KR" altLang="en-US" dirty="0"/>
-              <a:t>기술적요소</a:t>
+              <a:t>역할분담</a:t>
             </a:r>
           </a:p>
         </p:txBody>
@@ -4589,7 +4442,7 @@
           <p:cNvPr id="3" name="텍스트 개체 틀 2">
             <a:extLst>
               <a:ext uri="{FF2B5EF4-FFF2-40B4-BE49-F238E27FC236}">
-                <a16:creationId xmlns:a16="http://schemas.microsoft.com/office/drawing/2014/main" id="{40905990-CD97-4F8A-839B-8AC41B296D7F}"/>
+                <a16:creationId xmlns:a16="http://schemas.microsoft.com/office/drawing/2014/main" xmlns="" id="{3E2821B3-7C49-4ED3-938F-D7A2B784F8FE}"/>
               </a:ext>
             </a:extLst>
           </p:cNvPr>
@@ -4602,18 +4455,22 @@
         </p:nvSpPr>
         <p:spPr/>
         <p:txBody>
-          <a:bodyPr>
-            <a:normAutofit lnSpcReduction="10000"/>
-          </a:bodyPr>
+          <a:bodyPr/>
           <a:lstStyle/>
           <a:p>
-            <a:endParaRPr lang="en-US" altLang="ko-KR" dirty="0"/>
-          </a:p>
-          <a:p>
             <a:r>
               <a:rPr lang="ko-KR" altLang="en-US" dirty="0"/>
-              <a:t>서버</a:t>
-            </a:r>
+              <a:t>서버 </a:t>
+            </a:r>
+            <a:r>
+              <a:rPr lang="en-US" altLang="ko-KR" dirty="0"/>
+              <a:t>: </a:t>
+            </a:r>
+            <a:r>
+              <a:rPr lang="ko-KR" altLang="en-US" dirty="0" err="1"/>
+              <a:t>김동산</a:t>
+            </a:r>
+            <a:endParaRPr lang="ko-KR" altLang="en-US" dirty="0"/>
           </a:p>
         </p:txBody>
       </p:sp>
@@ -4622,7 +4479,7 @@
           <p:cNvPr id="4" name="내용 개체 틀 3">
             <a:extLst>
               <a:ext uri="{FF2B5EF4-FFF2-40B4-BE49-F238E27FC236}">
-                <a16:creationId xmlns:a16="http://schemas.microsoft.com/office/drawing/2014/main" id="{E6DED4B5-DE43-4398-88B9-7119442CAC88}"/>
+                <a16:creationId xmlns:a16="http://schemas.microsoft.com/office/drawing/2014/main" xmlns="" id="{9C230DD0-DC2A-442C-9A86-86779FF98E00}"/>
               </a:ext>
             </a:extLst>
           </p:cNvPr>
@@ -4633,12 +4490,7 @@
             <p:ph sz="half" idx="2"/>
           </p:nvPr>
         </p:nvSpPr>
-        <p:spPr>
-          <a:xfrm>
-            <a:off x="1520952" y="2636912"/>
-            <a:ext cx="4343400" cy="3581401"/>
-          </a:xfrm>
-        </p:spPr>
+        <p:spPr/>
         <p:txBody>
           <a:bodyPr/>
           <a:lstStyle/>
@@ -4647,30 +4499,30 @@
               <a:rPr lang="en-US" altLang="ko-KR" dirty="0"/>
               <a:t>IOCP</a:t>
             </a:r>
-          </a:p>
-          <a:p>
-            <a:r>
-              <a:rPr lang="ko-KR" altLang="en-US" dirty="0" err="1"/>
-              <a:t>데드</a:t>
-            </a:r>
             <a:r>
               <a:rPr lang="ko-KR" altLang="en-US" dirty="0"/>
-              <a:t> </a:t>
-            </a:r>
-            <a:r>
-              <a:rPr lang="ko-KR" altLang="en-US" dirty="0" err="1"/>
-              <a:t>레커닝</a:t>
+              <a:t>를 이용한 방 구조 서버 개발</a:t>
             </a:r>
             <a:endParaRPr lang="en-US" altLang="ko-KR" dirty="0"/>
           </a:p>
           <a:p>
             <a:r>
-              <a:rPr lang="en-US" altLang="ko-KR" dirty="0"/>
-              <a:t>DB </a:t>
-            </a:r>
-            <a:r>
               <a:rPr lang="ko-KR" altLang="en-US" dirty="0"/>
-              <a:t>연동</a:t>
+              <a:t>더미 클라이언트 개발</a:t>
+            </a:r>
+            <a:endParaRPr lang="en-US" altLang="ko-KR" dirty="0"/>
+          </a:p>
+          <a:p>
+            <a:r>
+              <a:rPr lang="ko-KR" altLang="en-US" dirty="0"/>
+              <a:t>충돌체크 구현</a:t>
+            </a:r>
+            <a:endParaRPr lang="en-US" altLang="ko-KR" dirty="0"/>
+          </a:p>
+          <a:p>
+            <a:r>
+              <a:rPr lang="ko-KR" altLang="en-US" dirty="0"/>
+              <a:t>동기화</a:t>
             </a:r>
             <a:endParaRPr lang="en-US" altLang="ko-KR" dirty="0"/>
           </a:p>
@@ -4684,7 +4536,7 @@
           <p:cNvPr id="5" name="텍스트 개체 틀 4">
             <a:extLst>
               <a:ext uri="{FF2B5EF4-FFF2-40B4-BE49-F238E27FC236}">
-                <a16:creationId xmlns:a16="http://schemas.microsoft.com/office/drawing/2014/main" id="{7451687E-1163-4246-9BE6-04D39D22C9F8}"/>
+                <a16:creationId xmlns:a16="http://schemas.microsoft.com/office/drawing/2014/main" xmlns="" id="{E672CE2E-A201-4394-8FA4-53236EB6BAD1}"/>
               </a:ext>
             </a:extLst>
           </p:cNvPr>
@@ -4697,18 +4549,30 @@
         </p:nvSpPr>
         <p:spPr/>
         <p:txBody>
-          <a:bodyPr>
-            <a:normAutofit lnSpcReduction="10000"/>
-          </a:bodyPr>
+          <a:bodyPr/>
           <a:lstStyle/>
           <a:p>
-            <a:endParaRPr lang="en-US" altLang="ko-KR" dirty="0"/>
-          </a:p>
-          <a:p>
             <a:r>
               <a:rPr lang="ko-KR" altLang="en-US" dirty="0"/>
-              <a:t>클라이언트</a:t>
-            </a:r>
+              <a:t>클라이언트 </a:t>
+            </a:r>
+            <a:r>
+              <a:rPr lang="en-US" altLang="ko-KR" dirty="0"/>
+              <a:t>: </a:t>
+            </a:r>
+            <a:r>
+              <a:rPr lang="ko-KR" altLang="en-US" dirty="0" err="1"/>
+              <a:t>백명규</a:t>
+            </a:r>
+            <a:r>
+              <a:rPr lang="en-US" altLang="ko-KR" dirty="0"/>
+              <a:t>, </a:t>
+            </a:r>
+            <a:r>
+              <a:rPr lang="ko-KR" altLang="en-US" dirty="0" err="1"/>
+              <a:t>정홍래</a:t>
+            </a:r>
+            <a:endParaRPr lang="ko-KR" altLang="en-US" dirty="0"/>
           </a:p>
         </p:txBody>
       </p:sp>
@@ -4717,7 +4581,7 @@
           <p:cNvPr id="6" name="내용 개체 틀 5">
             <a:extLst>
               <a:ext uri="{FF2B5EF4-FFF2-40B4-BE49-F238E27FC236}">
-                <a16:creationId xmlns:a16="http://schemas.microsoft.com/office/drawing/2014/main" id="{D46420B9-8D61-48CD-968F-4244D46E5FDF}"/>
+                <a16:creationId xmlns:a16="http://schemas.microsoft.com/office/drawing/2014/main" xmlns="" id="{E688061A-5A6B-4B52-95AD-B4BAC716C5A6}"/>
               </a:ext>
             </a:extLst>
           </p:cNvPr>
@@ -4728,42 +4592,58 @@
             <p:ph sz="quarter" idx="4"/>
           </p:nvPr>
         </p:nvSpPr>
-        <p:spPr>
-          <a:xfrm>
-            <a:off x="6327648" y="2636912"/>
-            <a:ext cx="4343400" cy="3581401"/>
-          </a:xfrm>
-        </p:spPr>
+        <p:spPr/>
         <p:txBody>
           <a:bodyPr/>
           <a:lstStyle/>
           <a:p>
             <a:r>
+              <a:rPr lang="ko-KR" altLang="en-US" dirty="0"/>
+              <a:t>프레임워크 제작</a:t>
+            </a:r>
+            <a:endParaRPr lang="en-US" altLang="ko-KR" dirty="0"/>
+          </a:p>
+          <a:p>
+            <a:r>
+              <a:rPr lang="ko-KR" altLang="en-US" dirty="0"/>
+              <a:t>맵 제작</a:t>
+            </a:r>
+            <a:endParaRPr lang="en-US" altLang="ko-KR" dirty="0"/>
+          </a:p>
+          <a:p>
+            <a:r>
               <a:rPr lang="ko-KR" altLang="en-US" dirty="0" err="1"/>
               <a:t>스키닝</a:t>
             </a:r>
             <a:r>
               <a:rPr lang="ko-KR" altLang="en-US" dirty="0"/>
-              <a:t> 애니메이션</a:t>
+              <a:t> 애니메이션 구현</a:t>
             </a:r>
             <a:endParaRPr lang="en-US" altLang="ko-KR" dirty="0"/>
           </a:p>
           <a:p>
             <a:r>
+              <a:rPr lang="en-US" altLang="ko-KR" dirty="0"/>
+              <a:t>UI </a:t>
+            </a:r>
+            <a:r>
               <a:rPr lang="ko-KR" altLang="en-US" dirty="0"/>
-              <a:t>여러가지 렌더링 기법 적용</a:t>
+              <a:t>구현</a:t>
             </a:r>
             <a:endParaRPr lang="en-US" altLang="ko-KR" dirty="0"/>
           </a:p>
           <a:p>
-            <a:endParaRPr lang="ko-KR" altLang="en-US" dirty="0"/>
+            <a:r>
+              <a:rPr lang="ko-KR" altLang="en-US" dirty="0"/>
+              <a:t>렌더링 기법 구현</a:t>
+            </a:r>
           </a:p>
         </p:txBody>
       </p:sp>
     </p:spTree>
     <p:extLst>
       <p:ext uri="{BB962C8B-B14F-4D97-AF65-F5344CB8AC3E}">
-        <p14:creationId xmlns:p14="http://schemas.microsoft.com/office/powerpoint/2010/main" val="5504080"/>
+        <p14:creationId xmlns:p14="http://schemas.microsoft.com/office/powerpoint/2010/main" val="2097482729"/>
       </p:ext>
     </p:extLst>
   </p:cSld>
@@ -4795,7 +4675,7 @@
           <p:cNvPr id="2" name="제목 1">
             <a:extLst>
               <a:ext uri="{FF2B5EF4-FFF2-40B4-BE49-F238E27FC236}">
-                <a16:creationId xmlns:a16="http://schemas.microsoft.com/office/drawing/2014/main" id="{84ADE4AD-147E-4776-9CAC-63808C9E04BB}"/>
+                <a16:creationId xmlns:a16="http://schemas.microsoft.com/office/drawing/2014/main" xmlns="" id="{BAD8D3C6-56EF-423C-B6CF-4B23CE2F1D6F}"/>
               </a:ext>
             </a:extLst>
           </p:cNvPr>
@@ -4813,17 +4693,17 @@
           <a:p>
             <a:r>
               <a:rPr lang="ko-KR" altLang="en-US" dirty="0"/>
-              <a:t>개발 일정</a:t>
+              <a:t>기술적요소</a:t>
             </a:r>
           </a:p>
         </p:txBody>
       </p:sp>
       <p:sp>
         <p:nvSpPr>
-          <p:cNvPr id="3" name="내용 개체 틀 2">
+          <p:cNvPr id="3" name="텍스트 개체 틀 2">
             <a:extLst>
               <a:ext uri="{FF2B5EF4-FFF2-40B4-BE49-F238E27FC236}">
-                <a16:creationId xmlns:a16="http://schemas.microsoft.com/office/drawing/2014/main" id="{41138651-DEDF-44C7-AE8C-8479BD6AC1AF}"/>
+                <a16:creationId xmlns:a16="http://schemas.microsoft.com/office/drawing/2014/main" xmlns="" id="{40905990-CD97-4F8A-839B-8AC41B296D7F}"/>
               </a:ext>
             </a:extLst>
           </p:cNvPr>
@@ -4831,21 +4711,170 @@
             <a:spLocks noGrp="1"/>
           </p:cNvSpPr>
           <p:nvPr>
-            <p:ph idx="1"/>
+            <p:ph type="body" idx="1"/>
           </p:nvPr>
         </p:nvSpPr>
         <p:spPr/>
         <p:txBody>
+          <a:bodyPr>
+            <a:normAutofit lnSpcReduction="10000"/>
+          </a:bodyPr>
+          <a:lstStyle/>
+          <a:p>
+            <a:endParaRPr lang="en-US" altLang="ko-KR" dirty="0"/>
+          </a:p>
+          <a:p>
+            <a:r>
+              <a:rPr lang="ko-KR" altLang="en-US" dirty="0"/>
+              <a:t>서버</a:t>
+            </a:r>
+          </a:p>
+        </p:txBody>
+      </p:sp>
+      <p:sp>
+        <p:nvSpPr>
+          <p:cNvPr id="4" name="내용 개체 틀 3">
+            <a:extLst>
+              <a:ext uri="{FF2B5EF4-FFF2-40B4-BE49-F238E27FC236}">
+                <a16:creationId xmlns:a16="http://schemas.microsoft.com/office/drawing/2014/main" xmlns="" id="{E6DED4B5-DE43-4398-88B9-7119442CAC88}"/>
+              </a:ext>
+            </a:extLst>
+          </p:cNvPr>
+          <p:cNvSpPr>
+            <a:spLocks noGrp="1"/>
+          </p:cNvSpPr>
+          <p:nvPr>
+            <p:ph sz="half" idx="2"/>
+          </p:nvPr>
+        </p:nvSpPr>
+        <p:spPr>
+          <a:xfrm>
+            <a:off x="1520952" y="2636912"/>
+            <a:ext cx="4343400" cy="3581401"/>
+          </a:xfrm>
+        </p:spPr>
+        <p:txBody>
           <a:bodyPr/>
           <a:lstStyle/>
           <a:p>
+            <a:r>
+              <a:rPr lang="en-US" altLang="ko-KR" dirty="0"/>
+              <a:t>IOCP</a:t>
+            </a:r>
+          </a:p>
+          <a:p>
+            <a:r>
+              <a:rPr lang="ko-KR" altLang="en-US" dirty="0" err="1"/>
+              <a:t>데드</a:t>
+            </a:r>
+            <a:r>
+              <a:rPr lang="ko-KR" altLang="en-US" dirty="0"/>
+              <a:t> </a:t>
+            </a:r>
+            <a:r>
+              <a:rPr lang="ko-KR" altLang="en-US" dirty="0" err="1"/>
+              <a:t>레커닝</a:t>
+            </a:r>
             <a:endParaRPr lang="en-US" altLang="ko-KR" dirty="0"/>
           </a:p>
           <a:p>
             <a:r>
               <a:rPr lang="en-US" altLang="ko-KR" dirty="0"/>
-              <a:t>1</a:t>
-            </a:r>
+              <a:t>DB </a:t>
+            </a:r>
+            <a:r>
+              <a:rPr lang="ko-KR" altLang="en-US" dirty="0"/>
+              <a:t>연동</a:t>
+            </a:r>
+            <a:endParaRPr lang="en-US" altLang="ko-KR" dirty="0"/>
+          </a:p>
+          <a:p>
+            <a:endParaRPr lang="en-US" altLang="ko-KR" dirty="0"/>
+          </a:p>
+        </p:txBody>
+      </p:sp>
+      <p:sp>
+        <p:nvSpPr>
+          <p:cNvPr id="5" name="텍스트 개체 틀 4">
+            <a:extLst>
+              <a:ext uri="{FF2B5EF4-FFF2-40B4-BE49-F238E27FC236}">
+                <a16:creationId xmlns:a16="http://schemas.microsoft.com/office/drawing/2014/main" xmlns="" id="{7451687E-1163-4246-9BE6-04D39D22C9F8}"/>
+              </a:ext>
+            </a:extLst>
+          </p:cNvPr>
+          <p:cNvSpPr>
+            <a:spLocks noGrp="1"/>
+          </p:cNvSpPr>
+          <p:nvPr>
+            <p:ph type="body" sz="quarter" idx="3"/>
+          </p:nvPr>
+        </p:nvSpPr>
+        <p:spPr/>
+        <p:txBody>
+          <a:bodyPr>
+            <a:normAutofit lnSpcReduction="10000"/>
+          </a:bodyPr>
+          <a:lstStyle/>
+          <a:p>
+            <a:endParaRPr lang="en-US" altLang="ko-KR" dirty="0"/>
+          </a:p>
+          <a:p>
+            <a:r>
+              <a:rPr lang="ko-KR" altLang="en-US" dirty="0"/>
+              <a:t>클라이언트</a:t>
+            </a:r>
+          </a:p>
+        </p:txBody>
+      </p:sp>
+      <p:sp>
+        <p:nvSpPr>
+          <p:cNvPr id="6" name="내용 개체 틀 5">
+            <a:extLst>
+              <a:ext uri="{FF2B5EF4-FFF2-40B4-BE49-F238E27FC236}">
+                <a16:creationId xmlns:a16="http://schemas.microsoft.com/office/drawing/2014/main" xmlns="" id="{D46420B9-8D61-48CD-968F-4244D46E5FDF}"/>
+              </a:ext>
+            </a:extLst>
+          </p:cNvPr>
+          <p:cNvSpPr>
+            <a:spLocks noGrp="1"/>
+          </p:cNvSpPr>
+          <p:nvPr>
+            <p:ph sz="quarter" idx="4"/>
+          </p:nvPr>
+        </p:nvSpPr>
+        <p:spPr>
+          <a:xfrm>
+            <a:off x="6327648" y="2636912"/>
+            <a:ext cx="4343400" cy="3581401"/>
+          </a:xfrm>
+        </p:spPr>
+        <p:txBody>
+          <a:bodyPr/>
+          <a:lstStyle/>
+          <a:p>
+            <a:r>
+              <a:rPr lang="ko-KR" altLang="en-US" dirty="0" err="1"/>
+              <a:t>스키닝</a:t>
+            </a:r>
+            <a:r>
+              <a:rPr lang="ko-KR" altLang="en-US" dirty="0"/>
+              <a:t> 애니메이션</a:t>
+            </a:r>
+            <a:endParaRPr lang="en-US" altLang="ko-KR" dirty="0"/>
+          </a:p>
+          <a:p>
+            <a:r>
+              <a:rPr lang="ko-KR" altLang="en-US" dirty="0"/>
+              <a:t>여러가지 렌더링 기법 </a:t>
+            </a:r>
+            <a:r>
+              <a:rPr lang="ko-KR" altLang="en-US" dirty="0" smtClean="0"/>
+              <a:t>적용</a:t>
+            </a:r>
+            <a:endParaRPr lang="en-US" altLang="ko-KR" dirty="0" smtClean="0"/>
+          </a:p>
+          <a:p>
+            <a:endParaRPr lang="en-US" altLang="ko-KR" dirty="0"/>
           </a:p>
           <a:p>
             <a:endParaRPr lang="ko-KR" altLang="en-US" dirty="0"/>
@@ -4855,7 +4884,7 @@
     </p:spTree>
     <p:extLst>
       <p:ext uri="{BB962C8B-B14F-4D97-AF65-F5344CB8AC3E}">
-        <p14:creationId xmlns:p14="http://schemas.microsoft.com/office/powerpoint/2010/main" val="48987709"/>
+        <p14:creationId xmlns:p14="http://schemas.microsoft.com/office/powerpoint/2010/main" val="5504080"/>
       </p:ext>
     </p:extLst>
   </p:cSld>
@@ -4887,7 +4916,7 @@
           <p:cNvPr id="2" name="제목 1">
             <a:extLst>
               <a:ext uri="{FF2B5EF4-FFF2-40B4-BE49-F238E27FC236}">
-                <a16:creationId xmlns:a16="http://schemas.microsoft.com/office/drawing/2014/main" id="{F1820C4D-A713-4F20-AB07-73AD6950D333}"/>
+                <a16:creationId xmlns:a16="http://schemas.microsoft.com/office/drawing/2014/main" xmlns="" id="{84ADE4AD-147E-4776-9CAC-63808C9E04BB}"/>
               </a:ext>
             </a:extLst>
           </p:cNvPr>
@@ -4905,7 +4934,7 @@
           <a:p>
             <a:r>
               <a:rPr lang="ko-KR" altLang="en-US" dirty="0"/>
-              <a:t>참고자료</a:t>
+              <a:t>개발 일정</a:t>
             </a:r>
           </a:p>
         </p:txBody>
@@ -4915,7 +4944,99 @@
           <p:cNvPr id="3" name="내용 개체 틀 2">
             <a:extLst>
               <a:ext uri="{FF2B5EF4-FFF2-40B4-BE49-F238E27FC236}">
-                <a16:creationId xmlns:a16="http://schemas.microsoft.com/office/drawing/2014/main" id="{499709EF-8FF0-48CF-B776-BF3E7119A312}"/>
+                <a16:creationId xmlns:a16="http://schemas.microsoft.com/office/drawing/2014/main" xmlns="" id="{41138651-DEDF-44C7-AE8C-8479BD6AC1AF}"/>
+              </a:ext>
+            </a:extLst>
+          </p:cNvPr>
+          <p:cNvSpPr>
+            <a:spLocks noGrp="1"/>
+          </p:cNvSpPr>
+          <p:nvPr>
+            <p:ph idx="1"/>
+          </p:nvPr>
+        </p:nvSpPr>
+        <p:spPr/>
+        <p:txBody>
+          <a:bodyPr/>
+          <a:lstStyle/>
+          <a:p>
+            <a:endParaRPr lang="en-US" altLang="ko-KR" dirty="0"/>
+          </a:p>
+          <a:p>
+            <a:r>
+              <a:rPr lang="en-US" altLang="ko-KR" dirty="0"/>
+              <a:t>1</a:t>
+            </a:r>
+          </a:p>
+          <a:p>
+            <a:endParaRPr lang="ko-KR" altLang="en-US" dirty="0"/>
+          </a:p>
+        </p:txBody>
+      </p:sp>
+    </p:spTree>
+    <p:extLst>
+      <p:ext uri="{BB962C8B-B14F-4D97-AF65-F5344CB8AC3E}">
+        <p14:creationId xmlns:p14="http://schemas.microsoft.com/office/powerpoint/2010/main" val="48987709"/>
+      </p:ext>
+    </p:extLst>
+  </p:cSld>
+  <p:clrMapOvr>
+    <a:masterClrMapping/>
+  </p:clrMapOvr>
+</p:sld>
+</file>
+
+<file path=ppt/slides/slide14.xml><?xml version="1.0" encoding="utf-8"?>
+<p:sld xmlns:a="http://schemas.openxmlformats.org/drawingml/2006/main" xmlns:r="http://schemas.openxmlformats.org/officeDocument/2006/relationships" xmlns:p="http://schemas.openxmlformats.org/presentationml/2006/main">
+  <p:cSld>
+    <p:spTree>
+      <p:nvGrpSpPr>
+        <p:cNvPr id="1" name=""/>
+        <p:cNvGrpSpPr/>
+        <p:nvPr/>
+      </p:nvGrpSpPr>
+      <p:grpSpPr>
+        <a:xfrm>
+          <a:off x="0" y="0"/>
+          <a:ext cx="0" cy="0"/>
+          <a:chOff x="0" y="0"/>
+          <a:chExt cx="0" cy="0"/>
+        </a:xfrm>
+      </p:grpSpPr>
+      <p:sp>
+        <p:nvSpPr>
+          <p:cNvPr id="2" name="제목 1">
+            <a:extLst>
+              <a:ext uri="{FF2B5EF4-FFF2-40B4-BE49-F238E27FC236}">
+                <a16:creationId xmlns:a16="http://schemas.microsoft.com/office/drawing/2014/main" xmlns="" id="{F1820C4D-A713-4F20-AB07-73AD6950D333}"/>
+              </a:ext>
+            </a:extLst>
+          </p:cNvPr>
+          <p:cNvSpPr>
+            <a:spLocks noGrp="1"/>
+          </p:cNvSpPr>
+          <p:nvPr>
+            <p:ph type="title"/>
+          </p:nvPr>
+        </p:nvSpPr>
+        <p:spPr/>
+        <p:txBody>
+          <a:bodyPr/>
+          <a:lstStyle/>
+          <a:p>
+            <a:r>
+              <a:rPr lang="ko-KR" altLang="en-US" dirty="0"/>
+              <a:t>참고자료</a:t>
+            </a:r>
+          </a:p>
+        </p:txBody>
+      </p:sp>
+      <p:sp>
+        <p:nvSpPr>
+          <p:cNvPr id="3" name="내용 개체 틀 2">
+            <a:extLst>
+              <a:ext uri="{FF2B5EF4-FFF2-40B4-BE49-F238E27FC236}">
+                <a16:creationId xmlns:a16="http://schemas.microsoft.com/office/drawing/2014/main" xmlns="" id="{499709EF-8FF0-48CF-B776-BF3E7119A312}"/>
               </a:ext>
             </a:extLst>
           </p:cNvPr>
@@ -5264,7 +5385,7 @@
           <p:cNvPr id="2" name="제목 1">
             <a:extLst>
               <a:ext uri="{FF2B5EF4-FFF2-40B4-BE49-F238E27FC236}">
-                <a16:creationId xmlns:a16="http://schemas.microsoft.com/office/drawing/2014/main" id="{CA1EC8BF-6B01-43DD-9FDD-C1E68CB277E9}"/>
+                <a16:creationId xmlns:a16="http://schemas.microsoft.com/office/drawing/2014/main" xmlns="" id="{CA1EC8BF-6B01-43DD-9FDD-C1E68CB277E9}"/>
               </a:ext>
             </a:extLst>
           </p:cNvPr>
@@ -5292,7 +5413,7 @@
           <p:cNvPr id="3" name="내용 개체 틀 2">
             <a:extLst>
               <a:ext uri="{FF2B5EF4-FFF2-40B4-BE49-F238E27FC236}">
-                <a16:creationId xmlns:a16="http://schemas.microsoft.com/office/drawing/2014/main" id="{E7A26943-DF7E-4946-B44A-1A50C3682979}"/>
+                <a16:creationId xmlns:a16="http://schemas.microsoft.com/office/drawing/2014/main" xmlns="" id="{E7A26943-DF7E-4946-B44A-1A50C3682979}"/>
               </a:ext>
             </a:extLst>
           </p:cNvPr>
@@ -5379,7 +5500,7 @@
           <p:cNvPr id="2" name="제목 1">
             <a:extLst>
               <a:ext uri="{FF2B5EF4-FFF2-40B4-BE49-F238E27FC236}">
-                <a16:creationId xmlns:a16="http://schemas.microsoft.com/office/drawing/2014/main" id="{8AE1EF4F-F26F-4D50-A597-A476B7C1FA21}"/>
+                <a16:creationId xmlns:a16="http://schemas.microsoft.com/office/drawing/2014/main" xmlns="" id="{8AE1EF4F-F26F-4D50-A597-A476B7C1FA21}"/>
               </a:ext>
             </a:extLst>
           </p:cNvPr>
@@ -5420,7 +5541,7 @@
           <p:cNvPr id="3" name="내용 개체 틀 2">
             <a:extLst>
               <a:ext uri="{FF2B5EF4-FFF2-40B4-BE49-F238E27FC236}">
-                <a16:creationId xmlns:a16="http://schemas.microsoft.com/office/drawing/2014/main" id="{479A5221-0346-4781-A025-6FD61AD48124}"/>
+                <a16:creationId xmlns:a16="http://schemas.microsoft.com/office/drawing/2014/main" xmlns="" id="{479A5221-0346-4781-A025-6FD61AD48124}"/>
               </a:ext>
             </a:extLst>
           </p:cNvPr>
@@ -5550,7 +5671,7 @@
           <p:cNvPr id="2" name="제목 1">
             <a:extLst>
               <a:ext uri="{FF2B5EF4-FFF2-40B4-BE49-F238E27FC236}">
-                <a16:creationId xmlns:a16="http://schemas.microsoft.com/office/drawing/2014/main" id="{50BFF8E4-400B-48AF-9C6D-DD2D9AC9A092}"/>
+                <a16:creationId xmlns:a16="http://schemas.microsoft.com/office/drawing/2014/main" xmlns="" id="{50BFF8E4-400B-48AF-9C6D-DD2D9AC9A092}"/>
               </a:ext>
             </a:extLst>
           </p:cNvPr>
@@ -5576,7 +5697,11 @@
             </a:r>
             <a:r>
               <a:rPr lang="ko-KR" altLang="en-US" dirty="0"/>
-              <a:t>게임 화면 </a:t>
+              <a:t>게임 </a:t>
+            </a:r>
+            <a:r>
+              <a:rPr lang="ko-KR" altLang="en-US" dirty="0" smtClean="0"/>
+              <a:t>화면 예시 </a:t>
             </a:r>
             <a:r>
               <a:rPr lang="en-US" altLang="ko-KR" dirty="0"/>
@@ -5591,7 +5716,7 @@
           <p:cNvPr id="5" name="내용 개체 틀 4" descr="대지, 사람, 건물, 오토바이이(가) 표시된 사진&#10;&#10;매우 높은 신뢰도로 생성된 설명">
             <a:extLst>
               <a:ext uri="{FF2B5EF4-FFF2-40B4-BE49-F238E27FC236}">
-                <a16:creationId xmlns:a16="http://schemas.microsoft.com/office/drawing/2014/main" id="{6778618A-4A41-4D52-85D4-AB846A95D6C5}"/>
+                <a16:creationId xmlns:a16="http://schemas.microsoft.com/office/drawing/2014/main" xmlns="" id="{6778618A-4A41-4D52-85D4-AB846A95D6C5}"/>
               </a:ext>
             </a:extLst>
           </p:cNvPr>
@@ -5626,7 +5751,7 @@
           <p:cNvPr id="6" name="직사각형 5">
             <a:extLst>
               <a:ext uri="{FF2B5EF4-FFF2-40B4-BE49-F238E27FC236}">
-                <a16:creationId xmlns:a16="http://schemas.microsoft.com/office/drawing/2014/main" id="{D9B9364B-CDB4-44D2-B78F-5B16EC376238}"/>
+                <a16:creationId xmlns:a16="http://schemas.microsoft.com/office/drawing/2014/main" xmlns="" id="{D9B9364B-CDB4-44D2-B78F-5B16EC376238}"/>
               </a:ext>
             </a:extLst>
           </p:cNvPr>
@@ -5680,7 +5805,7 @@
           <p:cNvPr id="14" name="그림 13">
             <a:extLst>
               <a:ext uri="{FF2B5EF4-FFF2-40B4-BE49-F238E27FC236}">
-                <a16:creationId xmlns:a16="http://schemas.microsoft.com/office/drawing/2014/main" id="{1DCB9F55-6D75-4526-BADB-BFA7D03D61CE}"/>
+                <a16:creationId xmlns:a16="http://schemas.microsoft.com/office/drawing/2014/main" xmlns="" id="{1DCB9F55-6D75-4526-BADB-BFA7D03D61CE}"/>
               </a:ext>
             </a:extLst>
           </p:cNvPr>
@@ -5710,7 +5835,7 @@
           <p:cNvPr id="15" name="직사각형 14">
             <a:extLst>
               <a:ext uri="{FF2B5EF4-FFF2-40B4-BE49-F238E27FC236}">
-                <a16:creationId xmlns:a16="http://schemas.microsoft.com/office/drawing/2014/main" id="{78CACC91-EBD2-4613-9250-2A6432198A55}"/>
+                <a16:creationId xmlns:a16="http://schemas.microsoft.com/office/drawing/2014/main" xmlns="" id="{78CACC91-EBD2-4613-9250-2A6432198A55}"/>
               </a:ext>
             </a:extLst>
           </p:cNvPr>
@@ -5758,7 +5883,7 @@
           <p:cNvPr id="11" name="그룹 10">
             <a:extLst>
               <a:ext uri="{FF2B5EF4-FFF2-40B4-BE49-F238E27FC236}">
-                <a16:creationId xmlns:a16="http://schemas.microsoft.com/office/drawing/2014/main" id="{0E3AF759-5028-44F5-82F0-EE5D95F9C8C1}"/>
+                <a16:creationId xmlns:a16="http://schemas.microsoft.com/office/drawing/2014/main" xmlns="" id="{0E3AF759-5028-44F5-82F0-EE5D95F9C8C1}"/>
               </a:ext>
             </a:extLst>
           </p:cNvPr>
@@ -5778,7 +5903,7 @@
             <p:cNvPr id="19" name="연결선: 꺾임 18">
               <a:extLst>
                 <a:ext uri="{FF2B5EF4-FFF2-40B4-BE49-F238E27FC236}">
-                  <a16:creationId xmlns:a16="http://schemas.microsoft.com/office/drawing/2014/main" id="{18A5322B-8FEA-446D-9178-98E5497B1B5C}"/>
+                  <a16:creationId xmlns:a16="http://schemas.microsoft.com/office/drawing/2014/main" xmlns="" id="{18A5322B-8FEA-446D-9178-98E5497B1B5C}"/>
                 </a:ext>
               </a:extLst>
             </p:cNvPr>
@@ -5822,7 +5947,7 @@
             <p:cNvPr id="21" name="직선 화살표 연결선 20">
               <a:extLst>
                 <a:ext uri="{FF2B5EF4-FFF2-40B4-BE49-F238E27FC236}">
-                  <a16:creationId xmlns:a16="http://schemas.microsoft.com/office/drawing/2014/main" id="{084B5AA9-2B63-45E3-9796-BBF09AC9F137}"/>
+                  <a16:creationId xmlns:a16="http://schemas.microsoft.com/office/drawing/2014/main" xmlns="" id="{084B5AA9-2B63-45E3-9796-BBF09AC9F137}"/>
                 </a:ext>
               </a:extLst>
             </p:cNvPr>
@@ -5868,7 +5993,7 @@
           <p:cNvPr id="22" name="TextBox 21">
             <a:extLst>
               <a:ext uri="{FF2B5EF4-FFF2-40B4-BE49-F238E27FC236}">
-                <a16:creationId xmlns:a16="http://schemas.microsoft.com/office/drawing/2014/main" id="{B94930DE-938A-4B09-86E8-BD72AACF1090}"/>
+                <a16:creationId xmlns:a16="http://schemas.microsoft.com/office/drawing/2014/main" xmlns="" id="{B94930DE-938A-4B09-86E8-BD72AACF1090}"/>
               </a:ext>
             </a:extLst>
           </p:cNvPr>
@@ -6007,7 +6132,7 @@
           <p:cNvPr id="23" name="TextBox 22">
             <a:extLst>
               <a:ext uri="{FF2B5EF4-FFF2-40B4-BE49-F238E27FC236}">
-                <a16:creationId xmlns:a16="http://schemas.microsoft.com/office/drawing/2014/main" id="{C8588B7B-167C-4DE9-9B36-B8BEFCD3E8F1}"/>
+                <a16:creationId xmlns:a16="http://schemas.microsoft.com/office/drawing/2014/main" xmlns="" id="{C8588B7B-167C-4DE9-9B36-B8BEFCD3E8F1}"/>
               </a:ext>
             </a:extLst>
           </p:cNvPr>
@@ -6017,7 +6142,7 @@
         <p:spPr>
           <a:xfrm>
             <a:off x="1631504" y="5589240"/>
-            <a:ext cx="1295806" cy="246221"/>
+            <a:ext cx="1295806" cy="400110"/>
           </a:xfrm>
           <a:prstGeom prst="rect">
             <a:avLst/>
@@ -6052,7 +6177,23 @@
                   <a:srgbClr val="0070C0"/>
                 </a:solidFill>
               </a:rPr>
-              <a:t>1&gt;</a:t>
+              <a:t>1</a:t>
+            </a:r>
+            <a:r>
+              <a:rPr lang="en-US" altLang="ko-KR" sz="1000" dirty="0" smtClean="0">
+                <a:solidFill>
+                  <a:srgbClr val="0070C0"/>
+                </a:solidFill>
+              </a:rPr>
+              <a:t>&gt; </a:t>
+            </a:r>
+            <a:r>
+              <a:rPr lang="ko-KR" altLang="en-US" sz="1000" dirty="0" smtClean="0">
+                <a:solidFill>
+                  <a:srgbClr val="0070C0"/>
+                </a:solidFill>
+              </a:rPr>
+              <a:t>게임이름 넣기 우리게임 아님</a:t>
             </a:r>
             <a:endParaRPr lang="ko-KR" altLang="en-US" sz="1000" dirty="0">
               <a:solidFill>
@@ -6097,7 +6238,7 @@
           <p:cNvPr id="2" name="제목 1">
             <a:extLst>
               <a:ext uri="{FF2B5EF4-FFF2-40B4-BE49-F238E27FC236}">
-                <a16:creationId xmlns:a16="http://schemas.microsoft.com/office/drawing/2014/main" id="{12F44098-DB6D-4924-AB86-95BCDA64B19E}"/>
+                <a16:creationId xmlns:a16="http://schemas.microsoft.com/office/drawing/2014/main" xmlns="" id="{12F44098-DB6D-4924-AB86-95BCDA64B19E}"/>
               </a:ext>
             </a:extLst>
           </p:cNvPr>
@@ -6123,10 +6264,22 @@
             </a:r>
             <a:r>
               <a:rPr lang="ko-KR" altLang="en-US" dirty="0"/>
-              <a:t>피격 화면</a:t>
-            </a:r>
-            <a:r>
-              <a:rPr lang="en-US" altLang="ko-KR" dirty="0"/>
+              <a:t>피격 </a:t>
+            </a:r>
+            <a:r>
+              <a:rPr lang="ko-KR" altLang="en-US" dirty="0" smtClean="0"/>
+              <a:t>화면</a:t>
+            </a:r>
+            <a:r>
+              <a:rPr lang="en-US" altLang="ko-KR" dirty="0" smtClean="0"/>
+              <a:t>) (</a:t>
+            </a:r>
+            <a:r>
+              <a:rPr lang="ko-KR" altLang="en-US" dirty="0" smtClean="0"/>
+              <a:t>일관성 맞춰라</a:t>
+            </a:r>
+            <a:r>
+              <a:rPr lang="en-US" altLang="ko-KR" dirty="0" smtClean="0"/>
               <a:t>)</a:t>
             </a:r>
             <a:endParaRPr lang="ko-KR" altLang="en-US" dirty="0"/>
@@ -6138,7 +6291,7 @@
           <p:cNvPr id="5" name="내용 개체 틀 4" descr="실내, 바닥, 건물이(가) 표시된 사진&#10;&#10;매우 높은 신뢰도로 생성된 설명">
             <a:extLst>
               <a:ext uri="{FF2B5EF4-FFF2-40B4-BE49-F238E27FC236}">
-                <a16:creationId xmlns:a16="http://schemas.microsoft.com/office/drawing/2014/main" id="{BDA2EFD4-C690-4B55-968E-F23B192CA349}"/>
+                <a16:creationId xmlns:a16="http://schemas.microsoft.com/office/drawing/2014/main" xmlns="" id="{BDA2EFD4-C690-4B55-968E-F23B192CA349}"/>
               </a:ext>
             </a:extLst>
           </p:cNvPr>
@@ -6174,7 +6327,7 @@
           <p:cNvPr id="7" name="그림 6">
             <a:extLst>
               <a:ext uri="{FF2B5EF4-FFF2-40B4-BE49-F238E27FC236}">
-                <a16:creationId xmlns:a16="http://schemas.microsoft.com/office/drawing/2014/main" id="{EAFE2086-A25C-4506-962C-7B3EEED50FE9}"/>
+                <a16:creationId xmlns:a16="http://schemas.microsoft.com/office/drawing/2014/main" xmlns="" id="{EAFE2086-A25C-4506-962C-7B3EEED50FE9}"/>
               </a:ext>
             </a:extLst>
           </p:cNvPr>
@@ -6211,7 +6364,7 @@
           <p:cNvPr id="9" name="TextBox 8">
             <a:extLst>
               <a:ext uri="{FF2B5EF4-FFF2-40B4-BE49-F238E27FC236}">
-                <a16:creationId xmlns:a16="http://schemas.microsoft.com/office/drawing/2014/main" id="{1DAE394A-8CE1-4A9D-B0C4-20A7E61AAD67}"/>
+                <a16:creationId xmlns:a16="http://schemas.microsoft.com/office/drawing/2014/main" xmlns="" id="{1DAE394A-8CE1-4A9D-B0C4-20A7E61AAD67}"/>
               </a:ext>
             </a:extLst>
           </p:cNvPr>
@@ -6221,7 +6374,7 @@
         <p:spPr>
           <a:xfrm>
             <a:off x="1524000" y="4768115"/>
-            <a:ext cx="1295806" cy="246221"/>
+            <a:ext cx="1295806" cy="400110"/>
           </a:xfrm>
           <a:prstGeom prst="rect">
             <a:avLst/>
@@ -6256,7 +6409,23 @@
                   <a:srgbClr val="0070C0"/>
                 </a:solidFill>
               </a:rPr>
-              <a:t>2&gt;</a:t>
+              <a:t>2</a:t>
+            </a:r>
+            <a:r>
+              <a:rPr lang="en-US" altLang="ko-KR" sz="1000" dirty="0" smtClean="0">
+                <a:solidFill>
+                  <a:srgbClr val="0070C0"/>
+                </a:solidFill>
+              </a:rPr>
+              <a:t>&gt;  </a:t>
+            </a:r>
+            <a:r>
+              <a:rPr lang="ko-KR" altLang="en-US" sz="1000" dirty="0" smtClean="0">
+                <a:solidFill>
+                  <a:srgbClr val="0070C0"/>
+                </a:solidFill>
+              </a:rPr>
+              <a:t>게임이름 및 우리게임 아님</a:t>
             </a:r>
             <a:endParaRPr lang="ko-KR" altLang="en-US" sz="1000" dirty="0">
               <a:solidFill>
@@ -6271,7 +6440,7 @@
           <p:cNvPr id="10" name="TextBox 9">
             <a:extLst>
               <a:ext uri="{FF2B5EF4-FFF2-40B4-BE49-F238E27FC236}">
-                <a16:creationId xmlns:a16="http://schemas.microsoft.com/office/drawing/2014/main" id="{BEDD7F23-F069-4DCE-9B15-CFCBC01304DF}"/>
+                <a16:creationId xmlns:a16="http://schemas.microsoft.com/office/drawing/2014/main" xmlns="" id="{BEDD7F23-F069-4DCE-9B15-CFCBC01304DF}"/>
               </a:ext>
             </a:extLst>
           </p:cNvPr>
@@ -6316,7 +6485,15 @@
                   <a:srgbClr val="0070C0"/>
                 </a:solidFill>
               </a:rPr>
-              <a:t>3&gt;</a:t>
+              <a:t>3</a:t>
+            </a:r>
+            <a:r>
+              <a:rPr lang="en-US" altLang="ko-KR" sz="1000" dirty="0" smtClean="0">
+                <a:solidFill>
+                  <a:srgbClr val="0070C0"/>
+                </a:solidFill>
+              </a:rPr>
+              <a:t>&gt; </a:t>
             </a:r>
             <a:endParaRPr lang="ko-KR" altLang="en-US" sz="1000" dirty="0">
               <a:solidFill>
@@ -6361,7 +6538,7 @@
           <p:cNvPr id="2" name="제목 1">
             <a:extLst>
               <a:ext uri="{FF2B5EF4-FFF2-40B4-BE49-F238E27FC236}">
-                <a16:creationId xmlns:a16="http://schemas.microsoft.com/office/drawing/2014/main" id="{7D1731D5-9145-474D-B443-77985EBEC719}"/>
+                <a16:creationId xmlns:a16="http://schemas.microsoft.com/office/drawing/2014/main" xmlns="" id="{7D1731D5-9145-474D-B443-77985EBEC719}"/>
               </a:ext>
             </a:extLst>
           </p:cNvPr>
@@ -6402,7 +6579,7 @@
           <p:cNvPr id="5" name="내용 개체 틀 4" descr="키보드, 컴퓨터, 전자기기, 실내이(가) 표시된 사진&#10;&#10;매우 높은 신뢰도로 생성된 설명">
             <a:extLst>
               <a:ext uri="{FF2B5EF4-FFF2-40B4-BE49-F238E27FC236}">
-                <a16:creationId xmlns:a16="http://schemas.microsoft.com/office/drawing/2014/main" id="{9802A8B6-A37D-4210-8470-65F964C43190}"/>
+                <a16:creationId xmlns:a16="http://schemas.microsoft.com/office/drawing/2014/main" xmlns="" id="{9802A8B6-A37D-4210-8470-65F964C43190}"/>
               </a:ext>
             </a:extLst>
           </p:cNvPr>
@@ -6437,7 +6614,7 @@
           <p:cNvPr id="6" name="자유형: 도형 5">
             <a:extLst>
               <a:ext uri="{FF2B5EF4-FFF2-40B4-BE49-F238E27FC236}">
-                <a16:creationId xmlns:a16="http://schemas.microsoft.com/office/drawing/2014/main" id="{ECC3BE95-A51B-46F9-B863-37B4952986E1}"/>
+                <a16:creationId xmlns:a16="http://schemas.microsoft.com/office/drawing/2014/main" xmlns="" id="{ECC3BE95-A51B-46F9-B863-37B4952986E1}"/>
               </a:ext>
             </a:extLst>
           </p:cNvPr>
@@ -6572,7 +6749,7 @@
           <p:cNvPr id="14" name="그룹 13">
             <a:extLst>
               <a:ext uri="{FF2B5EF4-FFF2-40B4-BE49-F238E27FC236}">
-                <a16:creationId xmlns:a16="http://schemas.microsoft.com/office/drawing/2014/main" id="{681636BD-AA74-4D45-B166-6BB00787073E}"/>
+                <a16:creationId xmlns:a16="http://schemas.microsoft.com/office/drawing/2014/main" xmlns="" id="{681636BD-AA74-4D45-B166-6BB00787073E}"/>
               </a:ext>
             </a:extLst>
           </p:cNvPr>
@@ -6592,7 +6769,7 @@
             <p:cNvPr id="10" name="그림 9" descr="실내, 앉아있는, 하얀색이(가) 표시된 사진&#10;&#10;높은 신뢰도로 생성된 설명">
               <a:extLst>
                 <a:ext uri="{FF2B5EF4-FFF2-40B4-BE49-F238E27FC236}">
-                  <a16:creationId xmlns:a16="http://schemas.microsoft.com/office/drawing/2014/main" id="{48FE9C8F-9256-4A11-9133-562C3E2D0A7A}"/>
+                  <a16:creationId xmlns:a16="http://schemas.microsoft.com/office/drawing/2014/main" xmlns="" id="{48FE9C8F-9256-4A11-9133-562C3E2D0A7A}"/>
                 </a:ext>
               </a:extLst>
             </p:cNvPr>
@@ -6628,7 +6805,7 @@
             <p:cNvPr id="11" name="직사각형 10">
               <a:extLst>
                 <a:ext uri="{FF2B5EF4-FFF2-40B4-BE49-F238E27FC236}">
-                  <a16:creationId xmlns:a16="http://schemas.microsoft.com/office/drawing/2014/main" id="{E9E7C986-1865-4ECF-A53B-6A2590462A2B}"/>
+                  <a16:creationId xmlns:a16="http://schemas.microsoft.com/office/drawing/2014/main" xmlns="" id="{E9E7C986-1865-4ECF-A53B-6A2590462A2B}"/>
                 </a:ext>
               </a:extLst>
             </p:cNvPr>
@@ -6680,7 +6857,7 @@
             <p:cNvPr id="12" name="직사각형 11">
               <a:extLst>
                 <a:ext uri="{FF2B5EF4-FFF2-40B4-BE49-F238E27FC236}">
-                  <a16:creationId xmlns:a16="http://schemas.microsoft.com/office/drawing/2014/main" id="{ECD5504A-FEEF-48BF-B9F4-F47BACF3B25D}"/>
+                  <a16:creationId xmlns:a16="http://schemas.microsoft.com/office/drawing/2014/main" xmlns="" id="{ECD5504A-FEEF-48BF-B9F4-F47BACF3B25D}"/>
                 </a:ext>
               </a:extLst>
             </p:cNvPr>
@@ -6733,7 +6910,7 @@
           <p:cNvPr id="13" name="직사각형 12">
             <a:extLst>
               <a:ext uri="{FF2B5EF4-FFF2-40B4-BE49-F238E27FC236}">
-                <a16:creationId xmlns:a16="http://schemas.microsoft.com/office/drawing/2014/main" id="{E9E442E7-6137-4528-8A86-DD475CE9CCF1}"/>
+                <a16:creationId xmlns:a16="http://schemas.microsoft.com/office/drawing/2014/main" xmlns="" id="{E9E442E7-6137-4528-8A86-DD475CE9CCF1}"/>
               </a:ext>
             </a:extLst>
           </p:cNvPr>
@@ -6785,7 +6962,7 @@
           <p:cNvPr id="16" name="직선 연결선 15">
             <a:extLst>
               <a:ext uri="{FF2B5EF4-FFF2-40B4-BE49-F238E27FC236}">
-                <a16:creationId xmlns:a16="http://schemas.microsoft.com/office/drawing/2014/main" id="{4205DBA1-F489-454C-8F27-D5B989CF39EE}"/>
+                <a16:creationId xmlns:a16="http://schemas.microsoft.com/office/drawing/2014/main" xmlns="" id="{4205DBA1-F489-454C-8F27-D5B989CF39EE}"/>
               </a:ext>
             </a:extLst>
           </p:cNvPr>
@@ -6826,7 +7003,7 @@
           <p:cNvPr id="17" name="TextBox 16">
             <a:extLst>
               <a:ext uri="{FF2B5EF4-FFF2-40B4-BE49-F238E27FC236}">
-                <a16:creationId xmlns:a16="http://schemas.microsoft.com/office/drawing/2014/main" id="{0451646C-AE07-4DFD-A47C-8FF325910CA8}"/>
+                <a16:creationId xmlns:a16="http://schemas.microsoft.com/office/drawing/2014/main" xmlns="" id="{0451646C-AE07-4DFD-A47C-8FF325910CA8}"/>
               </a:ext>
             </a:extLst>
           </p:cNvPr>
@@ -6885,7 +7062,7 @@
           <p:cNvPr id="19" name="직선 연결선 18">
             <a:extLst>
               <a:ext uri="{FF2B5EF4-FFF2-40B4-BE49-F238E27FC236}">
-                <a16:creationId xmlns:a16="http://schemas.microsoft.com/office/drawing/2014/main" id="{3B0F549B-A0A3-4EE8-8765-8714370EF0CA}"/>
+                <a16:creationId xmlns:a16="http://schemas.microsoft.com/office/drawing/2014/main" xmlns="" id="{3B0F549B-A0A3-4EE8-8765-8714370EF0CA}"/>
               </a:ext>
             </a:extLst>
           </p:cNvPr>
@@ -6928,7 +7105,7 @@
           <p:cNvPr id="20" name="TextBox 19">
             <a:extLst>
               <a:ext uri="{FF2B5EF4-FFF2-40B4-BE49-F238E27FC236}">
-                <a16:creationId xmlns:a16="http://schemas.microsoft.com/office/drawing/2014/main" id="{6F3DA2EC-6B4D-46FB-9D7A-D32F5A1E459E}"/>
+                <a16:creationId xmlns:a16="http://schemas.microsoft.com/office/drawing/2014/main" xmlns="" id="{6F3DA2EC-6B4D-46FB-9D7A-D32F5A1E459E}"/>
               </a:ext>
             </a:extLst>
           </p:cNvPr>
@@ -6969,7 +7146,7 @@
           <p:cNvPr id="22" name="연결선: 꺾임 21">
             <a:extLst>
               <a:ext uri="{FF2B5EF4-FFF2-40B4-BE49-F238E27FC236}">
-                <a16:creationId xmlns:a16="http://schemas.microsoft.com/office/drawing/2014/main" id="{76F5562B-FBC5-4931-A92A-74201F5615DC}"/>
+                <a16:creationId xmlns:a16="http://schemas.microsoft.com/office/drawing/2014/main" xmlns="" id="{76F5562B-FBC5-4931-A92A-74201F5615DC}"/>
               </a:ext>
             </a:extLst>
           </p:cNvPr>
@@ -7013,7 +7190,7 @@
           <p:cNvPr id="26" name="연결선: 꺾임 25">
             <a:extLst>
               <a:ext uri="{FF2B5EF4-FFF2-40B4-BE49-F238E27FC236}">
-                <a16:creationId xmlns:a16="http://schemas.microsoft.com/office/drawing/2014/main" id="{5A58C945-413E-4336-8A71-1A58898C5811}"/>
+                <a16:creationId xmlns:a16="http://schemas.microsoft.com/office/drawing/2014/main" xmlns="" id="{5A58C945-413E-4336-8A71-1A58898C5811}"/>
               </a:ext>
             </a:extLst>
           </p:cNvPr>
@@ -7062,7 +7239,7 @@
           <p:cNvPr id="27" name="TextBox 26">
             <a:extLst>
               <a:ext uri="{FF2B5EF4-FFF2-40B4-BE49-F238E27FC236}">
-                <a16:creationId xmlns:a16="http://schemas.microsoft.com/office/drawing/2014/main" id="{4D101FF4-1BF7-43E8-A2BA-76E8A80B4161}"/>
+                <a16:creationId xmlns:a16="http://schemas.microsoft.com/office/drawing/2014/main" xmlns="" id="{4D101FF4-1BF7-43E8-A2BA-76E8A80B4161}"/>
               </a:ext>
             </a:extLst>
           </p:cNvPr>
@@ -7103,7 +7280,7 @@
           <p:cNvPr id="28" name="TextBox 27">
             <a:extLst>
               <a:ext uri="{FF2B5EF4-FFF2-40B4-BE49-F238E27FC236}">
-                <a16:creationId xmlns:a16="http://schemas.microsoft.com/office/drawing/2014/main" id="{AAA59879-D6C3-4960-A6E5-C01CB1F8915E}"/>
+                <a16:creationId xmlns:a16="http://schemas.microsoft.com/office/drawing/2014/main" xmlns="" id="{AAA59879-D6C3-4960-A6E5-C01CB1F8915E}"/>
               </a:ext>
             </a:extLst>
           </p:cNvPr>
@@ -7145,7 +7322,7 @@
           <p:cNvPr id="29" name="직사각형 28">
             <a:extLst>
               <a:ext uri="{FF2B5EF4-FFF2-40B4-BE49-F238E27FC236}">
-                <a16:creationId xmlns:a16="http://schemas.microsoft.com/office/drawing/2014/main" id="{F047B941-04EB-4862-B8F5-928AC92E2A70}"/>
+                <a16:creationId xmlns:a16="http://schemas.microsoft.com/office/drawing/2014/main" xmlns="" id="{F047B941-04EB-4862-B8F5-928AC92E2A70}"/>
               </a:ext>
             </a:extLst>
           </p:cNvPr>
@@ -7197,7 +7374,7 @@
           <p:cNvPr id="31" name="연결선: 꺾임 30">
             <a:extLst>
               <a:ext uri="{FF2B5EF4-FFF2-40B4-BE49-F238E27FC236}">
-                <a16:creationId xmlns:a16="http://schemas.microsoft.com/office/drawing/2014/main" id="{BE66DFBF-4CC6-4F78-9AB3-46D2AC4E1AB3}"/>
+                <a16:creationId xmlns:a16="http://schemas.microsoft.com/office/drawing/2014/main" xmlns="" id="{BE66DFBF-4CC6-4F78-9AB3-46D2AC4E1AB3}"/>
               </a:ext>
             </a:extLst>
           </p:cNvPr>
@@ -7239,7 +7416,7 @@
           <p:cNvPr id="35" name="TextBox 34">
             <a:extLst>
               <a:ext uri="{FF2B5EF4-FFF2-40B4-BE49-F238E27FC236}">
-                <a16:creationId xmlns:a16="http://schemas.microsoft.com/office/drawing/2014/main" id="{10D47F14-9000-4FD9-8E93-CDF0FD1848E3}"/>
+                <a16:creationId xmlns:a16="http://schemas.microsoft.com/office/drawing/2014/main" xmlns="" id="{10D47F14-9000-4FD9-8E93-CDF0FD1848E3}"/>
               </a:ext>
             </a:extLst>
           </p:cNvPr>
@@ -7281,7 +7458,7 @@
           <p:cNvPr id="21" name="TextBox 20">
             <a:extLst>
               <a:ext uri="{FF2B5EF4-FFF2-40B4-BE49-F238E27FC236}">
-                <a16:creationId xmlns:a16="http://schemas.microsoft.com/office/drawing/2014/main" id="{A4DDDE51-934A-445D-8879-18CEB83278F1}"/>
+                <a16:creationId xmlns:a16="http://schemas.microsoft.com/office/drawing/2014/main" xmlns="" id="{A4DDDE51-934A-445D-8879-18CEB83278F1}"/>
               </a:ext>
             </a:extLst>
           </p:cNvPr>
@@ -7341,7 +7518,7 @@
           <p:cNvPr id="23" name="TextBox 22">
             <a:extLst>
               <a:ext uri="{FF2B5EF4-FFF2-40B4-BE49-F238E27FC236}">
-                <a16:creationId xmlns:a16="http://schemas.microsoft.com/office/drawing/2014/main" id="{27FCF81A-7616-488A-A666-B0416A6CCE8A}"/>
+                <a16:creationId xmlns:a16="http://schemas.microsoft.com/office/drawing/2014/main" xmlns="" id="{27FCF81A-7616-488A-A666-B0416A6CCE8A}"/>
               </a:ext>
             </a:extLst>
           </p:cNvPr>
@@ -7431,7 +7608,7 @@
           <p:cNvPr id="2" name="제목 1">
             <a:extLst>
               <a:ext uri="{FF2B5EF4-FFF2-40B4-BE49-F238E27FC236}">
-                <a16:creationId xmlns:a16="http://schemas.microsoft.com/office/drawing/2014/main" id="{410262FD-C344-4057-85C5-02913FCA375B}"/>
+                <a16:creationId xmlns:a16="http://schemas.microsoft.com/office/drawing/2014/main" xmlns="" id="{410262FD-C344-4057-85C5-02913FCA375B}"/>
               </a:ext>
             </a:extLst>
           </p:cNvPr>
@@ -7472,7 +7649,7 @@
           <p:cNvPr id="78" name="그룹 77">
             <a:extLst>
               <a:ext uri="{FF2B5EF4-FFF2-40B4-BE49-F238E27FC236}">
-                <a16:creationId xmlns:a16="http://schemas.microsoft.com/office/drawing/2014/main" id="{46A2B812-0101-4803-AD53-C29C9F24846B}"/>
+                <a16:creationId xmlns:a16="http://schemas.microsoft.com/office/drawing/2014/main" xmlns="" id="{46A2B812-0101-4803-AD53-C29C9F24846B}"/>
               </a:ext>
             </a:extLst>
           </p:cNvPr>
@@ -7492,7 +7669,7 @@
             <p:cNvPr id="4" name="직사각형 3">
               <a:extLst>
                 <a:ext uri="{FF2B5EF4-FFF2-40B4-BE49-F238E27FC236}">
-                  <a16:creationId xmlns:a16="http://schemas.microsoft.com/office/drawing/2014/main" id="{F005C737-487D-4B03-B095-A5F3F50CB516}"/>
+                  <a16:creationId xmlns:a16="http://schemas.microsoft.com/office/drawing/2014/main" xmlns="" id="{F005C737-487D-4B03-B095-A5F3F50CB516}"/>
                 </a:ext>
               </a:extLst>
             </p:cNvPr>
@@ -7550,7 +7727,7 @@
             <p:cNvPr id="45" name="그룹 44">
               <a:extLst>
                 <a:ext uri="{FF2B5EF4-FFF2-40B4-BE49-F238E27FC236}">
-                  <a16:creationId xmlns:a16="http://schemas.microsoft.com/office/drawing/2014/main" id="{8F3703A9-B34C-4A94-A39D-F28A884CEE21}"/>
+                  <a16:creationId xmlns:a16="http://schemas.microsoft.com/office/drawing/2014/main" xmlns="" id="{8F3703A9-B34C-4A94-A39D-F28A884CEE21}"/>
                 </a:ext>
               </a:extLst>
             </p:cNvPr>
@@ -7570,7 +7747,7 @@
               <p:cNvPr id="7" name="그룹 6">
                 <a:extLst>
                   <a:ext uri="{FF2B5EF4-FFF2-40B4-BE49-F238E27FC236}">
-                    <a16:creationId xmlns:a16="http://schemas.microsoft.com/office/drawing/2014/main" id="{C819B905-76A3-45D5-87CC-2DFB8FA8B67D}"/>
+                    <a16:creationId xmlns:a16="http://schemas.microsoft.com/office/drawing/2014/main" xmlns="" id="{C819B905-76A3-45D5-87CC-2DFB8FA8B67D}"/>
                   </a:ext>
                 </a:extLst>
               </p:cNvPr>
@@ -7593,7 +7770,7 @@
                 <p:cNvPr id="6" name="타원 5">
                   <a:extLst>
                     <a:ext uri="{FF2B5EF4-FFF2-40B4-BE49-F238E27FC236}">
-                      <a16:creationId xmlns:a16="http://schemas.microsoft.com/office/drawing/2014/main" id="{7FB69B6C-507D-4269-BD68-5D7DCADC56F6}"/>
+                      <a16:creationId xmlns:a16="http://schemas.microsoft.com/office/drawing/2014/main" xmlns="" id="{7FB69B6C-507D-4269-BD68-5D7DCADC56F6}"/>
                     </a:ext>
                   </a:extLst>
                 </p:cNvPr>
@@ -7640,7 +7817,7 @@
                 <p:cNvPr id="5" name="직사각형 4">
                   <a:extLst>
                     <a:ext uri="{FF2B5EF4-FFF2-40B4-BE49-F238E27FC236}">
-                      <a16:creationId xmlns:a16="http://schemas.microsoft.com/office/drawing/2014/main" id="{39FE967C-9243-47D8-8BDF-DD4048551AA8}"/>
+                      <a16:creationId xmlns:a16="http://schemas.microsoft.com/office/drawing/2014/main" xmlns="" id="{39FE967C-9243-47D8-8BDF-DD4048551AA8}"/>
                     </a:ext>
                   </a:extLst>
                 </p:cNvPr>
@@ -7688,7 +7865,7 @@
               <p:cNvPr id="8" name="그룹 7">
                 <a:extLst>
                   <a:ext uri="{FF2B5EF4-FFF2-40B4-BE49-F238E27FC236}">
-                    <a16:creationId xmlns:a16="http://schemas.microsoft.com/office/drawing/2014/main" id="{50CBCB0F-1853-48D7-AC8F-5F2F7B1332DB}"/>
+                    <a16:creationId xmlns:a16="http://schemas.microsoft.com/office/drawing/2014/main" xmlns="" id="{50CBCB0F-1853-48D7-AC8F-5F2F7B1332DB}"/>
                   </a:ext>
                 </a:extLst>
               </p:cNvPr>
@@ -7711,7 +7888,7 @@
                 <p:cNvPr id="9" name="타원 8">
                   <a:extLst>
                     <a:ext uri="{FF2B5EF4-FFF2-40B4-BE49-F238E27FC236}">
-                      <a16:creationId xmlns:a16="http://schemas.microsoft.com/office/drawing/2014/main" id="{00C45101-053E-4E83-B38F-8E441C1721D3}"/>
+                      <a16:creationId xmlns:a16="http://schemas.microsoft.com/office/drawing/2014/main" xmlns="" id="{00C45101-053E-4E83-B38F-8E441C1721D3}"/>
                     </a:ext>
                   </a:extLst>
                 </p:cNvPr>
@@ -7758,7 +7935,7 @@
                 <p:cNvPr id="10" name="직사각형 9">
                   <a:extLst>
                     <a:ext uri="{FF2B5EF4-FFF2-40B4-BE49-F238E27FC236}">
-                      <a16:creationId xmlns:a16="http://schemas.microsoft.com/office/drawing/2014/main" id="{5F3B865F-4487-452C-8AC4-0D2A3B7DE8EA}"/>
+                      <a16:creationId xmlns:a16="http://schemas.microsoft.com/office/drawing/2014/main" xmlns="" id="{5F3B865F-4487-452C-8AC4-0D2A3B7DE8EA}"/>
                     </a:ext>
                   </a:extLst>
                 </p:cNvPr>
@@ -7806,7 +7983,7 @@
               <p:cNvPr id="11" name="그룹 10">
                 <a:extLst>
                   <a:ext uri="{FF2B5EF4-FFF2-40B4-BE49-F238E27FC236}">
-                    <a16:creationId xmlns:a16="http://schemas.microsoft.com/office/drawing/2014/main" id="{C6CE2DAD-6F78-46C7-829C-B03295C22E28}"/>
+                    <a16:creationId xmlns:a16="http://schemas.microsoft.com/office/drawing/2014/main" xmlns="" id="{C6CE2DAD-6F78-46C7-829C-B03295C22E28}"/>
                   </a:ext>
                 </a:extLst>
               </p:cNvPr>
@@ -7829,7 +8006,7 @@
                 <p:cNvPr id="12" name="타원 11">
                   <a:extLst>
                     <a:ext uri="{FF2B5EF4-FFF2-40B4-BE49-F238E27FC236}">
-                      <a16:creationId xmlns:a16="http://schemas.microsoft.com/office/drawing/2014/main" id="{8F4DF09D-A7E6-4429-81C5-F62BCF3D3FEB}"/>
+                      <a16:creationId xmlns:a16="http://schemas.microsoft.com/office/drawing/2014/main" xmlns="" id="{8F4DF09D-A7E6-4429-81C5-F62BCF3D3FEB}"/>
                     </a:ext>
                   </a:extLst>
                 </p:cNvPr>
@@ -7876,7 +8053,7 @@
                 <p:cNvPr id="13" name="직사각형 12">
                   <a:extLst>
                     <a:ext uri="{FF2B5EF4-FFF2-40B4-BE49-F238E27FC236}">
-                      <a16:creationId xmlns:a16="http://schemas.microsoft.com/office/drawing/2014/main" id="{305065E5-5DD8-47F9-AB0E-54C013A005B3}"/>
+                      <a16:creationId xmlns:a16="http://schemas.microsoft.com/office/drawing/2014/main" xmlns="" id="{305065E5-5DD8-47F9-AB0E-54C013A005B3}"/>
                     </a:ext>
                   </a:extLst>
                 </p:cNvPr>
@@ -7924,7 +8101,7 @@
               <p:cNvPr id="14" name="그룹 13">
                 <a:extLst>
                   <a:ext uri="{FF2B5EF4-FFF2-40B4-BE49-F238E27FC236}">
-                    <a16:creationId xmlns:a16="http://schemas.microsoft.com/office/drawing/2014/main" id="{1BE56B41-CB75-499B-AE18-4745546ED804}"/>
+                    <a16:creationId xmlns:a16="http://schemas.microsoft.com/office/drawing/2014/main" xmlns="" id="{1BE56B41-CB75-499B-AE18-4745546ED804}"/>
                   </a:ext>
                 </a:extLst>
               </p:cNvPr>
@@ -7947,7 +8124,7 @@
                 <p:cNvPr id="15" name="타원 14">
                   <a:extLst>
                     <a:ext uri="{FF2B5EF4-FFF2-40B4-BE49-F238E27FC236}">
-                      <a16:creationId xmlns:a16="http://schemas.microsoft.com/office/drawing/2014/main" id="{B43B0C77-F225-4797-B2A1-3175D50249E6}"/>
+                      <a16:creationId xmlns:a16="http://schemas.microsoft.com/office/drawing/2014/main" xmlns="" id="{B43B0C77-F225-4797-B2A1-3175D50249E6}"/>
                     </a:ext>
                   </a:extLst>
                 </p:cNvPr>
@@ -7994,7 +8171,7 @@
                 <p:cNvPr id="16" name="직사각형 15">
                   <a:extLst>
                     <a:ext uri="{FF2B5EF4-FFF2-40B4-BE49-F238E27FC236}">
-                      <a16:creationId xmlns:a16="http://schemas.microsoft.com/office/drawing/2014/main" id="{913BA0AD-8296-4C14-AC3A-66261C2D572E}"/>
+                      <a16:creationId xmlns:a16="http://schemas.microsoft.com/office/drawing/2014/main" xmlns="" id="{913BA0AD-8296-4C14-AC3A-66261C2D572E}"/>
                     </a:ext>
                   </a:extLst>
                 </p:cNvPr>
@@ -8042,7 +8219,7 @@
               <p:cNvPr id="17" name="그룹 16">
                 <a:extLst>
                   <a:ext uri="{FF2B5EF4-FFF2-40B4-BE49-F238E27FC236}">
-                    <a16:creationId xmlns:a16="http://schemas.microsoft.com/office/drawing/2014/main" id="{90F5D26F-6D5E-40B9-B84F-992F20F7D302}"/>
+                    <a16:creationId xmlns:a16="http://schemas.microsoft.com/office/drawing/2014/main" xmlns="" id="{90F5D26F-6D5E-40B9-B84F-992F20F7D302}"/>
                   </a:ext>
                 </a:extLst>
               </p:cNvPr>
@@ -8065,7 +8242,7 @@
                 <p:cNvPr id="18" name="타원 17">
                   <a:extLst>
                     <a:ext uri="{FF2B5EF4-FFF2-40B4-BE49-F238E27FC236}">
-                      <a16:creationId xmlns:a16="http://schemas.microsoft.com/office/drawing/2014/main" id="{54E724CB-4616-4600-AF86-92DD686BFF72}"/>
+                      <a16:creationId xmlns:a16="http://schemas.microsoft.com/office/drawing/2014/main" xmlns="" id="{54E724CB-4616-4600-AF86-92DD686BFF72}"/>
                     </a:ext>
                   </a:extLst>
                 </p:cNvPr>
@@ -8112,7 +8289,7 @@
                 <p:cNvPr id="19" name="직사각형 18">
                   <a:extLst>
                     <a:ext uri="{FF2B5EF4-FFF2-40B4-BE49-F238E27FC236}">
-                      <a16:creationId xmlns:a16="http://schemas.microsoft.com/office/drawing/2014/main" id="{A2D2107D-E20A-44F0-8852-B704E4B87D3E}"/>
+                      <a16:creationId xmlns:a16="http://schemas.microsoft.com/office/drawing/2014/main" xmlns="" id="{A2D2107D-E20A-44F0-8852-B704E4B87D3E}"/>
                     </a:ext>
                   </a:extLst>
                 </p:cNvPr>
@@ -8161,7 +8338,7 @@
             <p:cNvPr id="46" name="그룹 45">
               <a:extLst>
                 <a:ext uri="{FF2B5EF4-FFF2-40B4-BE49-F238E27FC236}">
-                  <a16:creationId xmlns:a16="http://schemas.microsoft.com/office/drawing/2014/main" id="{F11AC52B-86D2-4DEF-A651-D1617B1DE73B}"/>
+                  <a16:creationId xmlns:a16="http://schemas.microsoft.com/office/drawing/2014/main" xmlns="" id="{F11AC52B-86D2-4DEF-A651-D1617B1DE73B}"/>
                 </a:ext>
               </a:extLst>
             </p:cNvPr>
@@ -8181,7 +8358,7 @@
               <p:cNvPr id="22" name="그룹 21">
                 <a:extLst>
                   <a:ext uri="{FF2B5EF4-FFF2-40B4-BE49-F238E27FC236}">
-                    <a16:creationId xmlns:a16="http://schemas.microsoft.com/office/drawing/2014/main" id="{1F272908-34B9-4D48-83B3-50C4E9A8EBEB}"/>
+                    <a16:creationId xmlns:a16="http://schemas.microsoft.com/office/drawing/2014/main" xmlns="" id="{1F272908-34B9-4D48-83B3-50C4E9A8EBEB}"/>
                   </a:ext>
                 </a:extLst>
               </p:cNvPr>
@@ -8204,7 +8381,7 @@
                 <p:cNvPr id="35" name="타원 34">
                   <a:extLst>
                     <a:ext uri="{FF2B5EF4-FFF2-40B4-BE49-F238E27FC236}">
-                      <a16:creationId xmlns:a16="http://schemas.microsoft.com/office/drawing/2014/main" id="{4997208F-1F19-4309-8880-7436561A4C0C}"/>
+                      <a16:creationId xmlns:a16="http://schemas.microsoft.com/office/drawing/2014/main" xmlns="" id="{4997208F-1F19-4309-8880-7436561A4C0C}"/>
                     </a:ext>
                   </a:extLst>
                 </p:cNvPr>
@@ -8256,7 +8433,7 @@
                 <p:cNvPr id="36" name="직사각형 35">
                   <a:extLst>
                     <a:ext uri="{FF2B5EF4-FFF2-40B4-BE49-F238E27FC236}">
-                      <a16:creationId xmlns:a16="http://schemas.microsoft.com/office/drawing/2014/main" id="{B350E19F-7D9B-459D-A0CB-F7ED75FCDFC8}"/>
+                      <a16:creationId xmlns:a16="http://schemas.microsoft.com/office/drawing/2014/main" xmlns="" id="{B350E19F-7D9B-459D-A0CB-F7ED75FCDFC8}"/>
                     </a:ext>
                   </a:extLst>
                 </p:cNvPr>
@@ -8309,7 +8486,7 @@
               <p:cNvPr id="23" name="그룹 22">
                 <a:extLst>
                   <a:ext uri="{FF2B5EF4-FFF2-40B4-BE49-F238E27FC236}">
-                    <a16:creationId xmlns:a16="http://schemas.microsoft.com/office/drawing/2014/main" id="{B3BCE182-2289-4409-9225-96AB0DA60E47}"/>
+                    <a16:creationId xmlns:a16="http://schemas.microsoft.com/office/drawing/2014/main" xmlns="" id="{B3BCE182-2289-4409-9225-96AB0DA60E47}"/>
                   </a:ext>
                 </a:extLst>
               </p:cNvPr>
@@ -8332,7 +8509,7 @@
                 <p:cNvPr id="33" name="타원 32">
                   <a:extLst>
                     <a:ext uri="{FF2B5EF4-FFF2-40B4-BE49-F238E27FC236}">
-                      <a16:creationId xmlns:a16="http://schemas.microsoft.com/office/drawing/2014/main" id="{46054F01-89DE-4096-AC6F-0E924896A986}"/>
+                      <a16:creationId xmlns:a16="http://schemas.microsoft.com/office/drawing/2014/main" xmlns="" id="{46054F01-89DE-4096-AC6F-0E924896A986}"/>
                     </a:ext>
                   </a:extLst>
                 </p:cNvPr>
@@ -8384,7 +8561,7 @@
                 <p:cNvPr id="34" name="직사각형 33">
                   <a:extLst>
                     <a:ext uri="{FF2B5EF4-FFF2-40B4-BE49-F238E27FC236}">
-                      <a16:creationId xmlns:a16="http://schemas.microsoft.com/office/drawing/2014/main" id="{C5978183-D750-4E62-BAAD-2166CC0180B4}"/>
+                      <a16:creationId xmlns:a16="http://schemas.microsoft.com/office/drawing/2014/main" xmlns="" id="{C5978183-D750-4E62-BAAD-2166CC0180B4}"/>
                     </a:ext>
                   </a:extLst>
                 </p:cNvPr>
@@ -8437,7 +8614,7 @@
               <p:cNvPr id="24" name="그룹 23">
                 <a:extLst>
                   <a:ext uri="{FF2B5EF4-FFF2-40B4-BE49-F238E27FC236}">
-                    <a16:creationId xmlns:a16="http://schemas.microsoft.com/office/drawing/2014/main" id="{2F766586-13F9-498B-9B2D-E81FC824DFDD}"/>
+                    <a16:creationId xmlns:a16="http://schemas.microsoft.com/office/drawing/2014/main" xmlns="" id="{2F766586-13F9-498B-9B2D-E81FC824DFDD}"/>
                   </a:ext>
                 </a:extLst>
               </p:cNvPr>
@@ -8460,7 +8637,7 @@
                 <p:cNvPr id="31" name="타원 30">
                   <a:extLst>
                     <a:ext uri="{FF2B5EF4-FFF2-40B4-BE49-F238E27FC236}">
-                      <a16:creationId xmlns:a16="http://schemas.microsoft.com/office/drawing/2014/main" id="{EA0D3BF1-D1EB-447A-86BC-68DE9206C133}"/>
+                      <a16:creationId xmlns:a16="http://schemas.microsoft.com/office/drawing/2014/main" xmlns="" id="{EA0D3BF1-D1EB-447A-86BC-68DE9206C133}"/>
                     </a:ext>
                   </a:extLst>
                 </p:cNvPr>
@@ -8512,7 +8689,7 @@
                 <p:cNvPr id="32" name="직사각형 31">
                   <a:extLst>
                     <a:ext uri="{FF2B5EF4-FFF2-40B4-BE49-F238E27FC236}">
-                      <a16:creationId xmlns:a16="http://schemas.microsoft.com/office/drawing/2014/main" id="{A289DB79-025B-4E59-B4C5-C937BBFC5F16}"/>
+                      <a16:creationId xmlns:a16="http://schemas.microsoft.com/office/drawing/2014/main" xmlns="" id="{A289DB79-025B-4E59-B4C5-C937BBFC5F16}"/>
                     </a:ext>
                   </a:extLst>
                 </p:cNvPr>
@@ -8565,7 +8742,7 @@
               <p:cNvPr id="25" name="그룹 24">
                 <a:extLst>
                   <a:ext uri="{FF2B5EF4-FFF2-40B4-BE49-F238E27FC236}">
-                    <a16:creationId xmlns:a16="http://schemas.microsoft.com/office/drawing/2014/main" id="{9D89AF4E-7771-4E92-AD67-82AFE89938A7}"/>
+                    <a16:creationId xmlns:a16="http://schemas.microsoft.com/office/drawing/2014/main" xmlns="" id="{9D89AF4E-7771-4E92-AD67-82AFE89938A7}"/>
                   </a:ext>
                 </a:extLst>
               </p:cNvPr>
@@ -8588,7 +8765,7 @@
                 <p:cNvPr id="29" name="타원 28">
                   <a:extLst>
                     <a:ext uri="{FF2B5EF4-FFF2-40B4-BE49-F238E27FC236}">
-                      <a16:creationId xmlns:a16="http://schemas.microsoft.com/office/drawing/2014/main" id="{487633DF-6158-46B7-9244-51D424FB07EE}"/>
+                      <a16:creationId xmlns:a16="http://schemas.microsoft.com/office/drawing/2014/main" xmlns="" id="{487633DF-6158-46B7-9244-51D424FB07EE}"/>
                     </a:ext>
                   </a:extLst>
                 </p:cNvPr>
@@ -8640,7 +8817,7 @@
                 <p:cNvPr id="30" name="직사각형 29">
                   <a:extLst>
                     <a:ext uri="{FF2B5EF4-FFF2-40B4-BE49-F238E27FC236}">
-                      <a16:creationId xmlns:a16="http://schemas.microsoft.com/office/drawing/2014/main" id="{C04C14E8-644B-4394-8332-97377B6E681B}"/>
+                      <a16:creationId xmlns:a16="http://schemas.microsoft.com/office/drawing/2014/main" xmlns="" id="{C04C14E8-644B-4394-8332-97377B6E681B}"/>
                     </a:ext>
                   </a:extLst>
                 </p:cNvPr>
@@ -8693,7 +8870,7 @@
               <p:cNvPr id="26" name="그룹 25">
                 <a:extLst>
                   <a:ext uri="{FF2B5EF4-FFF2-40B4-BE49-F238E27FC236}">
-                    <a16:creationId xmlns:a16="http://schemas.microsoft.com/office/drawing/2014/main" id="{0AD4964C-0F5D-469F-B17B-07C4C3E943B4}"/>
+                    <a16:creationId xmlns:a16="http://schemas.microsoft.com/office/drawing/2014/main" xmlns="" id="{0AD4964C-0F5D-469F-B17B-07C4C3E943B4}"/>
                   </a:ext>
                 </a:extLst>
               </p:cNvPr>
@@ -8716,7 +8893,7 @@
                 <p:cNvPr id="27" name="타원 26">
                   <a:extLst>
                     <a:ext uri="{FF2B5EF4-FFF2-40B4-BE49-F238E27FC236}">
-                      <a16:creationId xmlns:a16="http://schemas.microsoft.com/office/drawing/2014/main" id="{44F27C40-2AD2-4489-9D22-B03B20DC06EE}"/>
+                      <a16:creationId xmlns:a16="http://schemas.microsoft.com/office/drawing/2014/main" xmlns="" id="{44F27C40-2AD2-4489-9D22-B03B20DC06EE}"/>
                     </a:ext>
                   </a:extLst>
                 </p:cNvPr>
@@ -8768,7 +8945,7 @@
                 <p:cNvPr id="28" name="직사각형 27">
                   <a:extLst>
                     <a:ext uri="{FF2B5EF4-FFF2-40B4-BE49-F238E27FC236}">
-                      <a16:creationId xmlns:a16="http://schemas.microsoft.com/office/drawing/2014/main" id="{D0014287-05BC-4F8D-A0C4-B5F57F06214F}"/>
+                      <a16:creationId xmlns:a16="http://schemas.microsoft.com/office/drawing/2014/main" xmlns="" id="{D0014287-05BC-4F8D-A0C4-B5F57F06214F}"/>
                     </a:ext>
                   </a:extLst>
                 </p:cNvPr>
@@ -8822,7 +8999,7 @@
             <p:cNvPr id="38" name="직선 연결선 37">
               <a:extLst>
                 <a:ext uri="{FF2B5EF4-FFF2-40B4-BE49-F238E27FC236}">
-                  <a16:creationId xmlns:a16="http://schemas.microsoft.com/office/drawing/2014/main" id="{6FA7FB95-A1DF-4EC8-838E-F6E21D72C990}"/>
+                  <a16:creationId xmlns:a16="http://schemas.microsoft.com/office/drawing/2014/main" xmlns="" id="{6FA7FB95-A1DF-4EC8-838E-F6E21D72C990}"/>
                 </a:ext>
               </a:extLst>
             </p:cNvPr>
@@ -8866,7 +9043,7 @@
             <p:cNvPr id="44" name="TextBox 43">
               <a:extLst>
                 <a:ext uri="{FF2B5EF4-FFF2-40B4-BE49-F238E27FC236}">
-                  <a16:creationId xmlns:a16="http://schemas.microsoft.com/office/drawing/2014/main" id="{DAEEE1D5-1347-406B-86F7-B2DF264AD889}"/>
+                  <a16:creationId xmlns:a16="http://schemas.microsoft.com/office/drawing/2014/main" xmlns="" id="{DAEEE1D5-1347-406B-86F7-B2DF264AD889}"/>
                 </a:ext>
               </a:extLst>
             </p:cNvPr>
@@ -8902,7 +9079,7 @@
             <p:cNvPr id="48" name="TextBox 47">
               <a:extLst>
                 <a:ext uri="{FF2B5EF4-FFF2-40B4-BE49-F238E27FC236}">
-                  <a16:creationId xmlns:a16="http://schemas.microsoft.com/office/drawing/2014/main" id="{FA86DC23-9113-463E-A49E-A07CBDBE7776}"/>
+                  <a16:creationId xmlns:a16="http://schemas.microsoft.com/office/drawing/2014/main" xmlns="" id="{FA86DC23-9113-463E-A49E-A07CBDBE7776}"/>
                 </a:ext>
               </a:extLst>
             </p:cNvPr>
@@ -8938,7 +9115,7 @@
             <p:cNvPr id="51" name="직사각형 50">
               <a:extLst>
                 <a:ext uri="{FF2B5EF4-FFF2-40B4-BE49-F238E27FC236}">
-                  <a16:creationId xmlns:a16="http://schemas.microsoft.com/office/drawing/2014/main" id="{03A36FCA-D93C-480E-9BFC-8C67970F40A4}"/>
+                  <a16:creationId xmlns:a16="http://schemas.microsoft.com/office/drawing/2014/main" xmlns="" id="{03A36FCA-D93C-480E-9BFC-8C67970F40A4}"/>
                 </a:ext>
               </a:extLst>
             </p:cNvPr>
@@ -8984,7 +9161,7 @@
             <p:cNvPr id="52" name="직사각형 51">
               <a:extLst>
                 <a:ext uri="{FF2B5EF4-FFF2-40B4-BE49-F238E27FC236}">
-                  <a16:creationId xmlns:a16="http://schemas.microsoft.com/office/drawing/2014/main" id="{C2324108-73EC-4498-AC43-8A552740C0CA}"/>
+                  <a16:creationId xmlns:a16="http://schemas.microsoft.com/office/drawing/2014/main" xmlns="" id="{C2324108-73EC-4498-AC43-8A552740C0CA}"/>
                 </a:ext>
               </a:extLst>
             </p:cNvPr>
@@ -9030,7 +9207,7 @@
             <p:cNvPr id="53" name="직사각형 52">
               <a:extLst>
                 <a:ext uri="{FF2B5EF4-FFF2-40B4-BE49-F238E27FC236}">
-                  <a16:creationId xmlns:a16="http://schemas.microsoft.com/office/drawing/2014/main" id="{CAE862F1-3DFF-4053-9D33-78F7154D6A37}"/>
+                  <a16:creationId xmlns:a16="http://schemas.microsoft.com/office/drawing/2014/main" xmlns="" id="{CAE862F1-3DFF-4053-9D33-78F7154D6A37}"/>
                 </a:ext>
               </a:extLst>
             </p:cNvPr>
@@ -9076,7 +9253,7 @@
             <p:cNvPr id="54" name="직사각형 53">
               <a:extLst>
                 <a:ext uri="{FF2B5EF4-FFF2-40B4-BE49-F238E27FC236}">
-                  <a16:creationId xmlns:a16="http://schemas.microsoft.com/office/drawing/2014/main" id="{B7D5EDEE-DE3F-438D-A79B-9AB8DA380922}"/>
+                  <a16:creationId xmlns:a16="http://schemas.microsoft.com/office/drawing/2014/main" xmlns="" id="{B7D5EDEE-DE3F-438D-A79B-9AB8DA380922}"/>
                 </a:ext>
               </a:extLst>
             </p:cNvPr>
@@ -9122,7 +9299,7 @@
             <p:cNvPr id="55" name="직사각형 54">
               <a:extLst>
                 <a:ext uri="{FF2B5EF4-FFF2-40B4-BE49-F238E27FC236}">
-                  <a16:creationId xmlns:a16="http://schemas.microsoft.com/office/drawing/2014/main" id="{A02A089F-1419-4FB7-B601-0C2357D67081}"/>
+                  <a16:creationId xmlns:a16="http://schemas.microsoft.com/office/drawing/2014/main" xmlns="" id="{A02A089F-1419-4FB7-B601-0C2357D67081}"/>
                 </a:ext>
               </a:extLst>
             </p:cNvPr>
@@ -9168,7 +9345,7 @@
             <p:cNvPr id="56" name="직사각형 55">
               <a:extLst>
                 <a:ext uri="{FF2B5EF4-FFF2-40B4-BE49-F238E27FC236}">
-                  <a16:creationId xmlns:a16="http://schemas.microsoft.com/office/drawing/2014/main" id="{228D1AAA-FE8A-4670-90FB-C259275ED059}"/>
+                  <a16:creationId xmlns:a16="http://schemas.microsoft.com/office/drawing/2014/main" xmlns="" id="{228D1AAA-FE8A-4670-90FB-C259275ED059}"/>
                 </a:ext>
               </a:extLst>
             </p:cNvPr>
@@ -9217,7 +9394,7 @@
             <p:cNvPr id="57" name="직사각형 56">
               <a:extLst>
                 <a:ext uri="{FF2B5EF4-FFF2-40B4-BE49-F238E27FC236}">
-                  <a16:creationId xmlns:a16="http://schemas.microsoft.com/office/drawing/2014/main" id="{0DD1AAC0-19A8-4B94-B7BB-2CDF77667912}"/>
+                  <a16:creationId xmlns:a16="http://schemas.microsoft.com/office/drawing/2014/main" xmlns="" id="{0DD1AAC0-19A8-4B94-B7BB-2CDF77667912}"/>
                 </a:ext>
               </a:extLst>
             </p:cNvPr>
@@ -9266,7 +9443,7 @@
             <p:cNvPr id="58" name="직사각형 57">
               <a:extLst>
                 <a:ext uri="{FF2B5EF4-FFF2-40B4-BE49-F238E27FC236}">
-                  <a16:creationId xmlns:a16="http://schemas.microsoft.com/office/drawing/2014/main" id="{2273170E-A06E-40CA-BFEF-7FB536F9F169}"/>
+                  <a16:creationId xmlns:a16="http://schemas.microsoft.com/office/drawing/2014/main" xmlns="" id="{2273170E-A06E-40CA-BFEF-7FB536F9F169}"/>
                 </a:ext>
               </a:extLst>
             </p:cNvPr>
@@ -9315,7 +9492,7 @@
             <p:cNvPr id="59" name="직사각형 58">
               <a:extLst>
                 <a:ext uri="{FF2B5EF4-FFF2-40B4-BE49-F238E27FC236}">
-                  <a16:creationId xmlns:a16="http://schemas.microsoft.com/office/drawing/2014/main" id="{0109E20E-6EDF-4528-BA58-B27FED78056A}"/>
+                  <a16:creationId xmlns:a16="http://schemas.microsoft.com/office/drawing/2014/main" xmlns="" id="{0109E20E-6EDF-4528-BA58-B27FED78056A}"/>
                 </a:ext>
               </a:extLst>
             </p:cNvPr>
@@ -9364,7 +9541,7 @@
             <p:cNvPr id="60" name="직사각형 59">
               <a:extLst>
                 <a:ext uri="{FF2B5EF4-FFF2-40B4-BE49-F238E27FC236}">
-                  <a16:creationId xmlns:a16="http://schemas.microsoft.com/office/drawing/2014/main" id="{67D3FADF-14AD-4E27-A71D-DA9B511D3ADB}"/>
+                  <a16:creationId xmlns:a16="http://schemas.microsoft.com/office/drawing/2014/main" xmlns="" id="{67D3FADF-14AD-4E27-A71D-DA9B511D3ADB}"/>
                 </a:ext>
               </a:extLst>
             </p:cNvPr>
@@ -9413,7 +9590,7 @@
             <p:cNvPr id="61" name="TextBox 60">
               <a:extLst>
                 <a:ext uri="{FF2B5EF4-FFF2-40B4-BE49-F238E27FC236}">
-                  <a16:creationId xmlns:a16="http://schemas.microsoft.com/office/drawing/2014/main" id="{C117EDC8-18C9-4545-BA6D-2B65E8C0CCC3}"/>
+                  <a16:creationId xmlns:a16="http://schemas.microsoft.com/office/drawing/2014/main" xmlns="" id="{C117EDC8-18C9-4545-BA6D-2B65E8C0CCC3}"/>
                 </a:ext>
               </a:extLst>
             </p:cNvPr>
@@ -9448,7 +9625,7 @@
             <p:cNvPr id="62" name="TextBox 61">
               <a:extLst>
                 <a:ext uri="{FF2B5EF4-FFF2-40B4-BE49-F238E27FC236}">
-                  <a16:creationId xmlns:a16="http://schemas.microsoft.com/office/drawing/2014/main" id="{6906C84B-0089-4F91-928C-EE98017271FB}"/>
+                  <a16:creationId xmlns:a16="http://schemas.microsoft.com/office/drawing/2014/main" xmlns="" id="{6906C84B-0089-4F91-928C-EE98017271FB}"/>
                 </a:ext>
               </a:extLst>
             </p:cNvPr>
@@ -9483,7 +9660,7 @@
             <p:cNvPr id="63" name="TextBox 62">
               <a:extLst>
                 <a:ext uri="{FF2B5EF4-FFF2-40B4-BE49-F238E27FC236}">
-                  <a16:creationId xmlns:a16="http://schemas.microsoft.com/office/drawing/2014/main" id="{8B837ED5-1CE3-44C9-AEE9-DF518F0F9B9D}"/>
+                  <a16:creationId xmlns:a16="http://schemas.microsoft.com/office/drawing/2014/main" xmlns="" id="{8B837ED5-1CE3-44C9-AEE9-DF518F0F9B9D}"/>
                 </a:ext>
               </a:extLst>
             </p:cNvPr>
@@ -9518,7 +9695,7 @@
             <p:cNvPr id="64" name="TextBox 63">
               <a:extLst>
                 <a:ext uri="{FF2B5EF4-FFF2-40B4-BE49-F238E27FC236}">
-                  <a16:creationId xmlns:a16="http://schemas.microsoft.com/office/drawing/2014/main" id="{B02436A4-5562-47AC-B1C7-0A946AF79C9C}"/>
+                  <a16:creationId xmlns:a16="http://schemas.microsoft.com/office/drawing/2014/main" xmlns="" id="{B02436A4-5562-47AC-B1C7-0A946AF79C9C}"/>
                 </a:ext>
               </a:extLst>
             </p:cNvPr>
@@ -9553,7 +9730,7 @@
             <p:cNvPr id="65" name="TextBox 64">
               <a:extLst>
                 <a:ext uri="{FF2B5EF4-FFF2-40B4-BE49-F238E27FC236}">
-                  <a16:creationId xmlns:a16="http://schemas.microsoft.com/office/drawing/2014/main" id="{227081C9-BF32-4D29-998F-C0A8E8FD9940}"/>
+                  <a16:creationId xmlns:a16="http://schemas.microsoft.com/office/drawing/2014/main" xmlns="" id="{227081C9-BF32-4D29-998F-C0A8E8FD9940}"/>
                 </a:ext>
               </a:extLst>
             </p:cNvPr>
@@ -9588,7 +9765,7 @@
             <p:cNvPr id="66" name="TextBox 65">
               <a:extLst>
                 <a:ext uri="{FF2B5EF4-FFF2-40B4-BE49-F238E27FC236}">
-                  <a16:creationId xmlns:a16="http://schemas.microsoft.com/office/drawing/2014/main" id="{7E4A8A58-38E6-48F7-8B31-85B184F8164E}"/>
+                  <a16:creationId xmlns:a16="http://schemas.microsoft.com/office/drawing/2014/main" xmlns="" id="{7E4A8A58-38E6-48F7-8B31-85B184F8164E}"/>
                 </a:ext>
               </a:extLst>
             </p:cNvPr>
@@ -9623,7 +9800,7 @@
             <p:cNvPr id="67" name="TextBox 66">
               <a:extLst>
                 <a:ext uri="{FF2B5EF4-FFF2-40B4-BE49-F238E27FC236}">
-                  <a16:creationId xmlns:a16="http://schemas.microsoft.com/office/drawing/2014/main" id="{3385E7F8-8875-4DA4-AD16-315DB9807D94}"/>
+                  <a16:creationId xmlns:a16="http://schemas.microsoft.com/office/drawing/2014/main" xmlns="" id="{3385E7F8-8875-4DA4-AD16-315DB9807D94}"/>
                 </a:ext>
               </a:extLst>
             </p:cNvPr>
@@ -9658,7 +9835,7 @@
             <p:cNvPr id="68" name="TextBox 67">
               <a:extLst>
                 <a:ext uri="{FF2B5EF4-FFF2-40B4-BE49-F238E27FC236}">
-                  <a16:creationId xmlns:a16="http://schemas.microsoft.com/office/drawing/2014/main" id="{4EFF4641-5700-4734-B2DA-46791F636ADD}"/>
+                  <a16:creationId xmlns:a16="http://schemas.microsoft.com/office/drawing/2014/main" xmlns="" id="{4EFF4641-5700-4734-B2DA-46791F636ADD}"/>
                 </a:ext>
               </a:extLst>
             </p:cNvPr>
@@ -9693,7 +9870,7 @@
             <p:cNvPr id="69" name="TextBox 68">
               <a:extLst>
                 <a:ext uri="{FF2B5EF4-FFF2-40B4-BE49-F238E27FC236}">
-                  <a16:creationId xmlns:a16="http://schemas.microsoft.com/office/drawing/2014/main" id="{698A1F51-5425-4C1C-B92D-46CD230D24DB}"/>
+                  <a16:creationId xmlns:a16="http://schemas.microsoft.com/office/drawing/2014/main" xmlns="" id="{698A1F51-5425-4C1C-B92D-46CD230D24DB}"/>
                 </a:ext>
               </a:extLst>
             </p:cNvPr>
@@ -9728,7 +9905,7 @@
             <p:cNvPr id="70" name="TextBox 69">
               <a:extLst>
                 <a:ext uri="{FF2B5EF4-FFF2-40B4-BE49-F238E27FC236}">
-                  <a16:creationId xmlns:a16="http://schemas.microsoft.com/office/drawing/2014/main" id="{0FB8B6DF-B3E7-454A-B394-3204ED5E24A1}"/>
+                  <a16:creationId xmlns:a16="http://schemas.microsoft.com/office/drawing/2014/main" xmlns="" id="{0FB8B6DF-B3E7-454A-B394-3204ED5E24A1}"/>
                 </a:ext>
               </a:extLst>
             </p:cNvPr>
@@ -9763,7 +9940,7 @@
             <p:cNvPr id="74" name="TextBox 73">
               <a:extLst>
                 <a:ext uri="{FF2B5EF4-FFF2-40B4-BE49-F238E27FC236}">
-                  <a16:creationId xmlns:a16="http://schemas.microsoft.com/office/drawing/2014/main" id="{CFC66014-EB6E-42B5-B880-B48B91C97EF1}"/>
+                  <a16:creationId xmlns:a16="http://schemas.microsoft.com/office/drawing/2014/main" xmlns="" id="{CFC66014-EB6E-42B5-B880-B48B91C97EF1}"/>
                 </a:ext>
               </a:extLst>
             </p:cNvPr>
@@ -9800,7 +9977,7 @@
           <p:cNvPr id="3" name="직사각형 2">
             <a:extLst>
               <a:ext uri="{FF2B5EF4-FFF2-40B4-BE49-F238E27FC236}">
-                <a16:creationId xmlns:a16="http://schemas.microsoft.com/office/drawing/2014/main" id="{62063E59-8F93-4A7E-B517-86B25A1934DB}"/>
+                <a16:creationId xmlns:a16="http://schemas.microsoft.com/office/drawing/2014/main" xmlns="" id="{62063E59-8F93-4A7E-B517-86B25A1934DB}"/>
               </a:ext>
             </a:extLst>
           </p:cNvPr>
@@ -9846,7 +10023,7 @@
           <p:cNvPr id="71" name="직사각형 70">
             <a:extLst>
               <a:ext uri="{FF2B5EF4-FFF2-40B4-BE49-F238E27FC236}">
-                <a16:creationId xmlns:a16="http://schemas.microsoft.com/office/drawing/2014/main" id="{5D91F919-4EC8-43E0-8074-339E7777AE2C}"/>
+                <a16:creationId xmlns:a16="http://schemas.microsoft.com/office/drawing/2014/main" xmlns="" id="{5D91F919-4EC8-43E0-8074-339E7777AE2C}"/>
               </a:ext>
             </a:extLst>
           </p:cNvPr>
@@ -9899,7 +10076,7 @@
           <p:cNvPr id="21" name="직선 화살표 연결선 20">
             <a:extLst>
               <a:ext uri="{FF2B5EF4-FFF2-40B4-BE49-F238E27FC236}">
-                <a16:creationId xmlns:a16="http://schemas.microsoft.com/office/drawing/2014/main" id="{BF61279E-62E5-4DA0-A13C-4B10027EE7D7}"/>
+                <a16:creationId xmlns:a16="http://schemas.microsoft.com/office/drawing/2014/main" xmlns="" id="{BF61279E-62E5-4DA0-A13C-4B10027EE7D7}"/>
               </a:ext>
             </a:extLst>
           </p:cNvPr>
@@ -9945,7 +10122,7 @@
           <p:cNvPr id="40" name="TextBox 39">
             <a:extLst>
               <a:ext uri="{FF2B5EF4-FFF2-40B4-BE49-F238E27FC236}">
-                <a16:creationId xmlns:a16="http://schemas.microsoft.com/office/drawing/2014/main" id="{50F83A2E-F730-44DA-9535-24585A54F99F}"/>
+                <a16:creationId xmlns:a16="http://schemas.microsoft.com/office/drawing/2014/main" xmlns="" id="{50F83A2E-F730-44DA-9535-24585A54F99F}"/>
               </a:ext>
             </a:extLst>
           </p:cNvPr>
@@ -9998,7 +10175,7 @@
           <p:cNvPr id="72" name="TextBox 71">
             <a:extLst>
               <a:ext uri="{FF2B5EF4-FFF2-40B4-BE49-F238E27FC236}">
-                <a16:creationId xmlns:a16="http://schemas.microsoft.com/office/drawing/2014/main" id="{8C610014-27E4-417D-B925-009DE4FAA887}"/>
+                <a16:creationId xmlns:a16="http://schemas.microsoft.com/office/drawing/2014/main" xmlns="" id="{8C610014-27E4-417D-B925-009DE4FAA887}"/>
               </a:ext>
             </a:extLst>
           </p:cNvPr>
@@ -10087,7 +10264,7 @@
           <p:cNvPr id="41" name="직사각형 40">
             <a:extLst>
               <a:ext uri="{FF2B5EF4-FFF2-40B4-BE49-F238E27FC236}">
-                <a16:creationId xmlns:a16="http://schemas.microsoft.com/office/drawing/2014/main" id="{608F1B44-8CA8-476C-8BDB-8A912B65F26E}"/>
+                <a16:creationId xmlns:a16="http://schemas.microsoft.com/office/drawing/2014/main" xmlns="" id="{608F1B44-8CA8-476C-8BDB-8A912B65F26E}"/>
               </a:ext>
             </a:extLst>
           </p:cNvPr>
@@ -10133,7 +10310,7 @@
           <p:cNvPr id="43" name="연결선: 꺾임 42">
             <a:extLst>
               <a:ext uri="{FF2B5EF4-FFF2-40B4-BE49-F238E27FC236}">
-                <a16:creationId xmlns:a16="http://schemas.microsoft.com/office/drawing/2014/main" id="{B3912ECD-F364-40FA-B4AA-B1844E5CB4FB}"/>
+                <a16:creationId xmlns:a16="http://schemas.microsoft.com/office/drawing/2014/main" xmlns="" id="{B3912ECD-F364-40FA-B4AA-B1844E5CB4FB}"/>
               </a:ext>
             </a:extLst>
           </p:cNvPr>
@@ -10178,7 +10355,7 @@
           <p:cNvPr id="73" name="TextBox 72">
             <a:extLst>
               <a:ext uri="{FF2B5EF4-FFF2-40B4-BE49-F238E27FC236}">
-                <a16:creationId xmlns:a16="http://schemas.microsoft.com/office/drawing/2014/main" id="{D862B07F-8CDA-43CA-A5D3-949985E8FB38}"/>
+                <a16:creationId xmlns:a16="http://schemas.microsoft.com/office/drawing/2014/main" xmlns="" id="{D862B07F-8CDA-43CA-A5D3-949985E8FB38}"/>
               </a:ext>
             </a:extLst>
           </p:cNvPr>
@@ -10298,7 +10475,7 @@
           <p:cNvPr id="76" name="직선 화살표 연결선 75">
             <a:extLst>
               <a:ext uri="{FF2B5EF4-FFF2-40B4-BE49-F238E27FC236}">
-                <a16:creationId xmlns:a16="http://schemas.microsoft.com/office/drawing/2014/main" id="{682253E9-F6F2-4138-804B-7D73804BA83E}"/>
+                <a16:creationId xmlns:a16="http://schemas.microsoft.com/office/drawing/2014/main" xmlns="" id="{682253E9-F6F2-4138-804B-7D73804BA83E}"/>
               </a:ext>
             </a:extLst>
           </p:cNvPr>
@@ -10374,13 +10551,7 @@
       </p:grpSpPr>
       <p:sp>
         <p:nvSpPr>
-          <p:cNvPr id="2" name="제목 1">
-            <a:extLst>
-              <a:ext uri="{FF2B5EF4-FFF2-40B4-BE49-F238E27FC236}">
-                <a16:creationId xmlns:a16="http://schemas.microsoft.com/office/drawing/2014/main" id="{B1071FA5-09D2-4B13-AD83-44A580EC6B87}"/>
-              </a:ext>
-            </a:extLst>
-          </p:cNvPr>
+          <p:cNvPr id="2" name="제목 1"/>
           <p:cNvSpPr>
             <a:spLocks noGrp="1"/>
           </p:cNvSpPr>
@@ -10394,21 +10565,20 @@
           <a:lstStyle/>
           <a:p>
             <a:r>
-              <a:rPr lang="ko-KR" altLang="en-US" dirty="0"/>
-              <a:t>개발환경</a:t>
-            </a:r>
+              <a:rPr lang="ko-KR" altLang="en-US" dirty="0" smtClean="0"/>
+              <a:t>추가할 것</a:t>
+            </a:r>
+            <a:r>
+              <a:rPr lang="en-US" altLang="ko-KR" dirty="0" smtClean="0"/>
+              <a:t>	</a:t>
+            </a:r>
+            <a:endParaRPr lang="ko-KR" altLang="en-US" dirty="0"/>
           </a:p>
         </p:txBody>
       </p:sp>
       <p:sp>
         <p:nvSpPr>
-          <p:cNvPr id="3" name="내용 개체 틀 2">
-            <a:extLst>
-              <a:ext uri="{FF2B5EF4-FFF2-40B4-BE49-F238E27FC236}">
-                <a16:creationId xmlns:a16="http://schemas.microsoft.com/office/drawing/2014/main" id="{7FDE350A-B6C7-457C-8DBA-F9E47FCDDB8F}"/>
-              </a:ext>
-            </a:extLst>
-          </p:cNvPr>
+          <p:cNvPr id="3" name="내용 개체 틀 2"/>
           <p:cNvSpPr>
             <a:spLocks noGrp="1"/>
           </p:cNvSpPr>
@@ -10418,39 +10588,158 @@
         </p:nvSpPr>
         <p:spPr/>
         <p:txBody>
-          <a:bodyPr/>
+          <a:bodyPr>
+            <a:normAutofit lnSpcReduction="10000"/>
+          </a:bodyPr>
           <a:lstStyle/>
           <a:p>
+            <a:r>
+              <a:rPr lang="ko-KR" altLang="en-US" dirty="0" err="1" smtClean="0"/>
+              <a:t>맵</a:t>
+            </a:r>
+            <a:r>
+              <a:rPr lang="ko-KR" altLang="en-US" dirty="0" smtClean="0"/>
+              <a:t> 크기</a:t>
+            </a:r>
+            <a:r>
+              <a:rPr lang="en-US" altLang="ko-KR" dirty="0" smtClean="0"/>
+              <a:t>, </a:t>
+            </a:r>
+            <a:r>
+              <a:rPr lang="ko-KR" altLang="en-US" dirty="0" smtClean="0"/>
+              <a:t>구조물 배치 및 특이한 무기</a:t>
+            </a:r>
             <a:endParaRPr lang="en-US" altLang="ko-KR" dirty="0"/>
           </a:p>
           <a:p>
             <a:r>
-              <a:rPr lang="en-US" altLang="ko-KR" dirty="0"/>
-              <a:t>Visual studio 2017</a:t>
-            </a:r>
-          </a:p>
-          <a:p>
-            <a:r>
-              <a:rPr lang="en-US" altLang="ko-KR" dirty="0"/>
-              <a:t>FBX SDK</a:t>
-            </a:r>
-          </a:p>
-          <a:p>
-            <a:r>
-              <a:rPr lang="en-US" altLang="ko-KR" dirty="0"/>
-              <a:t>GitHub</a:t>
-            </a:r>
-          </a:p>
-          <a:p>
-            <a:r>
-              <a:rPr lang="en-US" altLang="ko-KR" dirty="0"/>
-              <a:t>3DMax</a:t>
-            </a:r>
-          </a:p>
-          <a:p>
-            <a:pPr marL="0" indent="0">
-              <a:buNone/>
-            </a:pPr>
+              <a:rPr lang="ko-KR" altLang="en-US" dirty="0" smtClean="0"/>
+              <a:t>게임의 포인트 </a:t>
+            </a:r>
+            <a:r>
+              <a:rPr lang="en-US" altLang="ko-KR" dirty="0" smtClean="0"/>
+              <a:t>(</a:t>
+            </a:r>
+            <a:r>
+              <a:rPr lang="ko-KR" altLang="en-US" dirty="0" smtClean="0"/>
+              <a:t>강조하고 싶은 내용을 다른 사람이 금방 쉽게 인지할 수 있게</a:t>
+            </a:r>
+            <a:r>
+              <a:rPr lang="en-US" altLang="ko-KR" dirty="0" smtClean="0"/>
+              <a:t>)</a:t>
+            </a:r>
+            <a:endParaRPr lang="en-US" altLang="ko-KR" dirty="0"/>
+          </a:p>
+          <a:p>
+            <a:r>
+              <a:rPr lang="ko-KR" altLang="en-US" dirty="0" smtClean="0"/>
+              <a:t>기획은 자랑하면서 약파는 단계 </a:t>
+            </a:r>
+            <a:r>
+              <a:rPr lang="en-US" altLang="ko-KR" dirty="0" smtClean="0"/>
+              <a:t>(</a:t>
+            </a:r>
+            <a:r>
+              <a:rPr lang="ko-KR" altLang="en-US" dirty="0" smtClean="0"/>
+              <a:t>아이디어 기가 막히고 솔깃해야 함</a:t>
+            </a:r>
+            <a:r>
+              <a:rPr lang="en-US" altLang="ko-KR" dirty="0" smtClean="0"/>
+              <a:t>)</a:t>
+            </a:r>
+            <a:endParaRPr lang="en-US" altLang="ko-KR" dirty="0"/>
+          </a:p>
+          <a:p>
+            <a:r>
+              <a:rPr lang="ko-KR" altLang="en-US" dirty="0" smtClean="0"/>
+              <a:t>기술적 요소 확정이 되야 함 </a:t>
+            </a:r>
+            <a:r>
+              <a:rPr lang="ko-KR" altLang="en-US" dirty="0" err="1" smtClean="0"/>
+              <a:t>렌더링기법</a:t>
+            </a:r>
+            <a:r>
+              <a:rPr lang="ko-KR" altLang="en-US" dirty="0"/>
+              <a:t> </a:t>
+            </a:r>
+            <a:r>
+              <a:rPr lang="en-US" altLang="ko-KR" dirty="0" smtClean="0"/>
+              <a:t>: </a:t>
+            </a:r>
+            <a:endParaRPr lang="en-US" altLang="ko-KR" dirty="0"/>
+          </a:p>
+          <a:p>
+            <a:r>
+              <a:rPr lang="ko-KR" altLang="en-US" dirty="0" smtClean="0"/>
+              <a:t>노트 들고 와서 할말</a:t>
+            </a:r>
+            <a:r>
+              <a:rPr lang="en-US" altLang="ko-KR" dirty="0" smtClean="0"/>
+              <a:t>, </a:t>
+            </a:r>
+            <a:r>
+              <a:rPr lang="ko-KR" altLang="en-US" dirty="0" smtClean="0"/>
+              <a:t>물어볼 것</a:t>
+            </a:r>
+            <a:r>
+              <a:rPr lang="en-US" altLang="ko-KR" dirty="0" smtClean="0"/>
+              <a:t>, </a:t>
+            </a:r>
+            <a:endParaRPr lang="en-US" altLang="ko-KR" dirty="0"/>
+          </a:p>
+          <a:p>
+            <a:r>
+              <a:rPr lang="ko-KR" altLang="en-US" dirty="0" smtClean="0"/>
+              <a:t>상세기획 </a:t>
+            </a:r>
+            <a:r>
+              <a:rPr lang="ko-KR" altLang="en-US" dirty="0" err="1" smtClean="0"/>
+              <a:t>작성해볼것</a:t>
+            </a:r>
+            <a:endParaRPr lang="en-US" altLang="ko-KR" dirty="0"/>
+          </a:p>
+          <a:p>
+            <a:r>
+              <a:rPr lang="ko-KR" altLang="en-US" dirty="0" smtClean="0"/>
+              <a:t>기록을 하자 유의미하게  </a:t>
+            </a:r>
+            <a:endParaRPr lang="en-US" altLang="ko-KR" dirty="0" smtClean="0"/>
+          </a:p>
+          <a:p>
+            <a:r>
+              <a:rPr lang="ko-KR" altLang="en-US" dirty="0" smtClean="0"/>
+              <a:t>자꾸 물어보고 와서 찾아오고 열심히 </a:t>
+            </a:r>
+            <a:r>
+              <a:rPr lang="ko-KR" altLang="en-US" dirty="0" err="1" smtClean="0"/>
+              <a:t>의사소통하면</a:t>
+            </a:r>
+            <a:r>
+              <a:rPr lang="ko-KR" altLang="en-US" dirty="0" smtClean="0"/>
+              <a:t> </a:t>
+            </a:r>
+            <a:r>
+              <a:rPr lang="ko-KR" altLang="en-US" dirty="0" err="1" smtClean="0"/>
+              <a:t>도와줄수있다</a:t>
+            </a:r>
+            <a:r>
+              <a:rPr lang="en-US" altLang="ko-KR" dirty="0" smtClean="0"/>
+              <a:t>.</a:t>
+            </a:r>
+          </a:p>
+          <a:p>
+            <a:r>
+              <a:rPr lang="ko-KR" altLang="en-US" dirty="0" smtClean="0"/>
+              <a:t>회의록</a:t>
+            </a:r>
+            <a:r>
+              <a:rPr lang="en-US" altLang="ko-KR" dirty="0" smtClean="0"/>
+              <a:t>! </a:t>
+            </a:r>
+            <a:r>
+              <a:rPr lang="ko-KR" altLang="en-US" dirty="0" smtClean="0"/>
+              <a:t>주간보고서 증거자료</a:t>
+            </a:r>
             <a:endParaRPr lang="ko-KR" altLang="en-US" dirty="0"/>
           </a:p>
         </p:txBody>
@@ -10458,7 +10747,7 @@
     </p:spTree>
     <p:extLst>
       <p:ext uri="{BB962C8B-B14F-4D97-AF65-F5344CB8AC3E}">
-        <p14:creationId xmlns:p14="http://schemas.microsoft.com/office/powerpoint/2010/main" val="1847319879"/>
+        <p14:creationId xmlns:p14="http://schemas.microsoft.com/office/powerpoint/2010/main" val="3086585797"/>
       </p:ext>
     </p:extLst>
   </p:cSld>
@@ -10723,7 +11012,7 @@
   <a:extraClrSchemeLst/>
   <a:extLst>
     <a:ext uri="{05A4C25C-085E-4340-85A3-A5531E510DB2}">
-      <thm15:themeFamily xmlns:thm15="http://schemas.microsoft.com/office/thememl/2012/main" name="Office_9411771_TF02901026_TF02901026.potx" id="{2203E5E0-3982-4970-BA82-A58D8043B518}" vid="{3C2F52B7-6A4C-491E-8D8F-92BEBBC3C2D9}"/>
+      <thm15:themeFamily xmlns:thm15="http://schemas.microsoft.com/office/thememl/2012/main" xmlns="" name="Office_9411771_TF02901026_TF02901026.potx" id="{2203E5E0-3982-4970-BA82-A58D8043B518}" vid="{3C2F52B7-6A4C-491E-8D8F-92BEBBC3C2D9}"/>
     </a:ext>
   </a:extLst>
 </a:theme>
@@ -10984,7 +11273,7 @@
   <a:extraClrSchemeLst/>
   <a:extLst>
     <a:ext uri="{05A4C25C-085E-4340-85A3-A5531E510DB2}">
-      <thm15:themeFamily xmlns:thm15="http://schemas.microsoft.com/office/thememl/2012/main" name="Office Theme" id="{62F939B6-93AF-4DB8-9C6B-D6C7DFDC589F}" vid="{4A3C46E8-61CC-4603-A589-7422A47A8E4A}"/>
+      <thm15:themeFamily xmlns:thm15="http://schemas.microsoft.com/office/thememl/2012/main" xmlns="" name="Office Theme" id="{62F939B6-93AF-4DB8-9C6B-D6C7DFDC589F}" vid="{4A3C46E8-61CC-4603-A589-7422A47A8E4A}"/>
     </a:ext>
   </a:extLst>
 </a:theme>
@@ -11245,13 +11534,148 @@
   <a:extraClrSchemeLst/>
   <a:extLst>
     <a:ext uri="{05A4C25C-085E-4340-85A3-A5531E510DB2}">
-      <thm15:themeFamily xmlns:thm15="http://schemas.microsoft.com/office/thememl/2012/main" name="Office Theme" id="{62F939B6-93AF-4DB8-9C6B-D6C7DFDC589F}" vid="{4A3C46E8-61CC-4603-A589-7422A47A8E4A}"/>
+      <thm15:themeFamily xmlns:thm15="http://schemas.microsoft.com/office/thememl/2012/main" xmlns="" name="Office Theme" id="{62F939B6-93AF-4DB8-9C6B-D6C7DFDC589F}" vid="{4A3C46E8-61CC-4603-A589-7422A47A8E4A}"/>
     </a:ext>
   </a:extLst>
 </a:theme>
 </file>
 
 <file path=customXml/item1.xml><?xml version="1.0" encoding="utf-8"?>
+<p:properties xmlns:p="http://schemas.microsoft.com/office/2006/metadata/properties" xmlns:xsi="http://www.w3.org/2001/XMLSchema-instance" xmlns:pc="http://schemas.microsoft.com/office/infopath/2007/PartnerControls">
+  <documentManagement>
+    <DirectSourceMarket xmlns="4873beb7-5857-4685-be1f-d57550cc96cc" xsi:nil="true"/>
+    <ApprovalStatus xmlns="4873beb7-5857-4685-be1f-d57550cc96cc">InProgress</ApprovalStatus>
+    <MarketSpecific xmlns="4873beb7-5857-4685-be1f-d57550cc96cc">false</MarketSpecific>
+    <LocComments xmlns="4873beb7-5857-4685-be1f-d57550cc96cc" xsi:nil="true"/>
+    <ThumbnailAssetId xmlns="4873beb7-5857-4685-be1f-d57550cc96cc" xsi:nil="true"/>
+    <PrimaryImageGen xmlns="4873beb7-5857-4685-be1f-d57550cc96cc">true</PrimaryImageGen>
+    <LegacyData xmlns="4873beb7-5857-4685-be1f-d57550cc96cc" xsi:nil="true"/>
+    <LocRecommendedHandoff xmlns="4873beb7-5857-4685-be1f-d57550cc96cc" xsi:nil="true"/>
+    <BusinessGroup xmlns="4873beb7-5857-4685-be1f-d57550cc96cc" xsi:nil="true"/>
+    <BlockPublish xmlns="4873beb7-5857-4685-be1f-d57550cc96cc">false</BlockPublish>
+    <TPFriendlyName xmlns="4873beb7-5857-4685-be1f-d57550cc96cc" xsi:nil="true"/>
+    <NumericId xmlns="4873beb7-5857-4685-be1f-d57550cc96cc" xsi:nil="true"/>
+    <APEditor xmlns="4873beb7-5857-4685-be1f-d57550cc96cc">
+      <UserInfo>
+        <DisplayName/>
+        <AccountId xsi:nil="true"/>
+        <AccountType/>
+      </UserInfo>
+    </APEditor>
+    <SourceTitle xmlns="4873beb7-5857-4685-be1f-d57550cc96cc" xsi:nil="true"/>
+    <OpenTemplate xmlns="4873beb7-5857-4685-be1f-d57550cc96cc">true</OpenTemplate>
+    <UALocComments xmlns="4873beb7-5857-4685-be1f-d57550cc96cc" xsi:nil="true"/>
+    <ParentAssetId xmlns="4873beb7-5857-4685-be1f-d57550cc96cc" xsi:nil="true"/>
+    <IntlLangReviewDate xmlns="4873beb7-5857-4685-be1f-d57550cc96cc" xsi:nil="true"/>
+    <FeatureTagsTaxHTField0 xmlns="4873beb7-5857-4685-be1f-d57550cc96cc">
+      <Terms xmlns="http://schemas.microsoft.com/office/infopath/2007/PartnerControls"/>
+    </FeatureTagsTaxHTField0>
+    <PublishStatusLookup xmlns="4873beb7-5857-4685-be1f-d57550cc96cc">
+      <Value>1566889</Value>
+    </PublishStatusLookup>
+    <Providers xmlns="4873beb7-5857-4685-be1f-d57550cc96cc" xsi:nil="true"/>
+    <MachineTranslated xmlns="4873beb7-5857-4685-be1f-d57550cc96cc">false</MachineTranslated>
+    <OriginalSourceMarket xmlns="4873beb7-5857-4685-be1f-d57550cc96cc" xsi:nil="true"/>
+    <APDescription xmlns="4873beb7-5857-4685-be1f-d57550cc96cc" xsi:nil="true"/>
+    <ClipArtFilename xmlns="4873beb7-5857-4685-be1f-d57550cc96cc" xsi:nil="true"/>
+    <ContentItem xmlns="4873beb7-5857-4685-be1f-d57550cc96cc" xsi:nil="true"/>
+    <TPInstallLocation xmlns="4873beb7-5857-4685-be1f-d57550cc96cc" xsi:nil="true"/>
+    <PublishTargets xmlns="4873beb7-5857-4685-be1f-d57550cc96cc">OfficeOnlineVNext</PublishTargets>
+    <TimesCloned xmlns="4873beb7-5857-4685-be1f-d57550cc96cc" xsi:nil="true"/>
+    <AssetStart xmlns="4873beb7-5857-4685-be1f-d57550cc96cc">2012-05-23T08:44:00+00:00</AssetStart>
+    <Provider xmlns="4873beb7-5857-4685-be1f-d57550cc96cc" xsi:nil="true"/>
+    <AcquiredFrom xmlns="4873beb7-5857-4685-be1f-d57550cc96cc">Internal MS</AcquiredFrom>
+    <FriendlyTitle xmlns="4873beb7-5857-4685-be1f-d57550cc96cc" xsi:nil="true"/>
+    <LastHandOff xmlns="4873beb7-5857-4685-be1f-d57550cc96cc" xsi:nil="true"/>
+    <TPClientViewer xmlns="4873beb7-5857-4685-be1f-d57550cc96cc" xsi:nil="true"/>
+    <UACurrentWords xmlns="4873beb7-5857-4685-be1f-d57550cc96cc" xsi:nil="true"/>
+    <ArtSampleDocs xmlns="4873beb7-5857-4685-be1f-d57550cc96cc" xsi:nil="true"/>
+    <UALocRecommendation xmlns="4873beb7-5857-4685-be1f-d57550cc96cc">Localize</UALocRecommendation>
+    <Manager xmlns="4873beb7-5857-4685-be1f-d57550cc96cc" xsi:nil="true"/>
+    <ShowIn xmlns="4873beb7-5857-4685-be1f-d57550cc96cc">Show everywhere</ShowIn>
+    <UANotes xmlns="4873beb7-5857-4685-be1f-d57550cc96cc" xsi:nil="true"/>
+    <TemplateStatus xmlns="4873beb7-5857-4685-be1f-d57550cc96cc">Complete</TemplateStatus>
+    <InternalTagsTaxHTField0 xmlns="4873beb7-5857-4685-be1f-d57550cc96cc">
+      <Terms xmlns="http://schemas.microsoft.com/office/infopath/2007/PartnerControls"/>
+    </InternalTagsTaxHTField0>
+    <CSXHash xmlns="4873beb7-5857-4685-be1f-d57550cc96cc" xsi:nil="true"/>
+    <Downloads xmlns="4873beb7-5857-4685-be1f-d57550cc96cc">0</Downloads>
+    <VoteCount xmlns="4873beb7-5857-4685-be1f-d57550cc96cc" xsi:nil="true"/>
+    <OOCacheId xmlns="4873beb7-5857-4685-be1f-d57550cc96cc" xsi:nil="true"/>
+    <IsDeleted xmlns="4873beb7-5857-4685-be1f-d57550cc96cc">false</IsDeleted>
+    <AssetExpire xmlns="4873beb7-5857-4685-be1f-d57550cc96cc">2029-01-01T08:00:00+00:00</AssetExpire>
+    <DSATActionTaken xmlns="4873beb7-5857-4685-be1f-d57550cc96cc" xsi:nil="true"/>
+    <CSXSubmissionMarket xmlns="4873beb7-5857-4685-be1f-d57550cc96cc" xsi:nil="true"/>
+    <TPExecutable xmlns="4873beb7-5857-4685-be1f-d57550cc96cc" xsi:nil="true"/>
+    <SubmitterId xmlns="4873beb7-5857-4685-be1f-d57550cc96cc" xsi:nil="true"/>
+    <EditorialTags xmlns="4873beb7-5857-4685-be1f-d57550cc96cc" xsi:nil="true"/>
+    <ApprovalLog xmlns="4873beb7-5857-4685-be1f-d57550cc96cc" xsi:nil="true"/>
+    <AssetType xmlns="4873beb7-5857-4685-be1f-d57550cc96cc">TP</AssetType>
+    <BugNumber xmlns="4873beb7-5857-4685-be1f-d57550cc96cc" xsi:nil="true"/>
+    <CSXSubmissionDate xmlns="4873beb7-5857-4685-be1f-d57550cc96cc" xsi:nil="true"/>
+    <CSXUpdate xmlns="4873beb7-5857-4685-be1f-d57550cc96cc">false</CSXUpdate>
+    <Milestone xmlns="4873beb7-5857-4685-be1f-d57550cc96cc" xsi:nil="true"/>
+    <RecommendationsModifier xmlns="4873beb7-5857-4685-be1f-d57550cc96cc" xsi:nil="true"/>
+    <OriginAsset xmlns="4873beb7-5857-4685-be1f-d57550cc96cc" xsi:nil="true"/>
+    <TPComponent xmlns="4873beb7-5857-4685-be1f-d57550cc96cc" xsi:nil="true"/>
+    <AssetId xmlns="4873beb7-5857-4685-be1f-d57550cc96cc">TP102901017</AssetId>
+    <IntlLocPriority xmlns="4873beb7-5857-4685-be1f-d57550cc96cc" xsi:nil="true"/>
+    <PolicheckWords xmlns="4873beb7-5857-4685-be1f-d57550cc96cc" xsi:nil="true"/>
+    <TPLaunchHelpLink xmlns="4873beb7-5857-4685-be1f-d57550cc96cc" xsi:nil="true"/>
+    <TPApplication xmlns="4873beb7-5857-4685-be1f-d57550cc96cc" xsi:nil="true"/>
+    <CrawlForDependencies xmlns="4873beb7-5857-4685-be1f-d57550cc96cc">false</CrawlForDependencies>
+    <HandoffToMSDN xmlns="4873beb7-5857-4685-be1f-d57550cc96cc" xsi:nil="true"/>
+    <PlannedPubDate xmlns="4873beb7-5857-4685-be1f-d57550cc96cc" xsi:nil="true"/>
+    <IntlLangReviewer xmlns="4873beb7-5857-4685-be1f-d57550cc96cc" xsi:nil="true"/>
+    <TrustLevel xmlns="4873beb7-5857-4685-be1f-d57550cc96cc">1 Microsoft Managed Content</TrustLevel>
+    <LocLastLocAttemptVersionLookup xmlns="4873beb7-5857-4685-be1f-d57550cc96cc">836753</LocLastLocAttemptVersionLookup>
+    <IsSearchable xmlns="4873beb7-5857-4685-be1f-d57550cc96cc">true</IsSearchable>
+    <TemplateTemplateType xmlns="4873beb7-5857-4685-be1f-d57550cc96cc">PowerPoint Design Template</TemplateTemplateType>
+    <CampaignTagsTaxHTField0 xmlns="4873beb7-5857-4685-be1f-d57550cc96cc">
+      <Terms xmlns="http://schemas.microsoft.com/office/infopath/2007/PartnerControls"/>
+    </CampaignTagsTaxHTField0>
+    <TPNamespace xmlns="4873beb7-5857-4685-be1f-d57550cc96cc" xsi:nil="true"/>
+    <TaxCatchAll xmlns="4873beb7-5857-4685-be1f-d57550cc96cc"/>
+    <Markets xmlns="4873beb7-5857-4685-be1f-d57550cc96cc"/>
+    <UAProjectedTotalWords xmlns="4873beb7-5857-4685-be1f-d57550cc96cc" xsi:nil="true"/>
+    <IntlLangReview xmlns="4873beb7-5857-4685-be1f-d57550cc96cc">false</IntlLangReview>
+    <OutputCachingOn xmlns="4873beb7-5857-4685-be1f-d57550cc96cc">false</OutputCachingOn>
+    <AverageRating xmlns="4873beb7-5857-4685-be1f-d57550cc96cc" xsi:nil="true"/>
+    <APAuthor xmlns="4873beb7-5857-4685-be1f-d57550cc96cc">
+      <UserInfo>
+        <DisplayName>REDMOND\v-anij</DisplayName>
+        <AccountId>2469</AccountId>
+        <AccountType/>
+      </UserInfo>
+    </APAuthor>
+    <LocManualTestRequired xmlns="4873beb7-5857-4685-be1f-d57550cc96cc">false</LocManualTestRequired>
+    <TPCommandLine xmlns="4873beb7-5857-4685-be1f-d57550cc96cc" xsi:nil="true"/>
+    <TPAppVersion xmlns="4873beb7-5857-4685-be1f-d57550cc96cc" xsi:nil="true"/>
+    <EditorialStatus xmlns="4873beb7-5857-4685-be1f-d57550cc96cc">Complete</EditorialStatus>
+    <LastModifiedDateTime xmlns="4873beb7-5857-4685-be1f-d57550cc96cc" xsi:nil="true"/>
+    <ScenarioTagsTaxHTField0 xmlns="4873beb7-5857-4685-be1f-d57550cc96cc">
+      <Terms xmlns="http://schemas.microsoft.com/office/infopath/2007/PartnerControls"/>
+    </ScenarioTagsTaxHTField0>
+    <OriginalRelease xmlns="4873beb7-5857-4685-be1f-d57550cc96cc">15</OriginalRelease>
+    <TPLaunchHelpLinkType xmlns="4873beb7-5857-4685-be1f-d57550cc96cc">Template</TPLaunchHelpLinkType>
+    <LocalizationTagsTaxHTField0 xmlns="4873beb7-5857-4685-be1f-d57550cc96cc">
+      <Terms xmlns="http://schemas.microsoft.com/office/infopath/2007/PartnerControls"/>
+    </LocalizationTagsTaxHTField0>
+    <LocMarketGroupTiers2 xmlns="4873beb7-5857-4685-be1f-d57550cc96cc" xsi:nil="true"/>
+  </documentManagement>
+</p:properties>
+</file>
+
+<file path=customXml/item2.xml><?xml version="1.0" encoding="utf-8"?>
+<?mso-contentType ?>
+<FormTemplates xmlns="http://schemas.microsoft.com/sharepoint/v3/contenttype/forms">
+  <Display>DocumentLibraryForm</Display>
+  <Edit>AssetEditForm</Edit>
+  <New>DocumentLibraryForm</New>
+</FormTemplates>
+</file>
+
+<file path=customXml/item3.xml><?xml version="1.0" encoding="utf-8"?>
 <ct:contentTypeSchema xmlns:ct="http://schemas.microsoft.com/office/2006/metadata/contentType" xmlns:ma="http://schemas.microsoft.com/office/2006/metadata/properties/metaAttributes" ct:_="" ma:_="" ma:contentTypeName="TemplateFile" ma:contentTypeID="0x0101006EDDDB5EE6D98C44930B742096920B300400F5B6D36B3EF94B4E9A635CDF2A18F5B8" ma:contentTypeVersion="72" ma:contentTypeDescription="Create a new document." ma:contentTypeScope="" ma:versionID="a23e56308344d904b51738559c3d67c9">
   <xsd:schema xmlns:xsd="http://www.w3.org/2001/XMLSchema" xmlns:xs="http://www.w3.org/2001/XMLSchema" xmlns:p="http://schemas.microsoft.com/office/2006/metadata/properties" xmlns:ns2="4873beb7-5857-4685-be1f-d57550cc96cc" targetNamespace="http://schemas.microsoft.com/office/2006/metadata/properties" ma:root="true" ma:fieldsID="cd0908cc4600e77bf5da051303e00c8d" ns2:_="">
     <xsd:import namespace="4873beb7-5857-4685-be1f-d57550cc96cc"/>
@@ -12291,142 +12715,31 @@
 </ct:contentTypeSchema>
 </file>
 
-<file path=customXml/item2.xml><?xml version="1.0" encoding="utf-8"?>
-<?mso-contentType ?>
-<FormTemplates xmlns="http://schemas.microsoft.com/sharepoint/v3/contenttype/forms">
-  <Display>DocumentLibraryForm</Display>
-  <Edit>AssetEditForm</Edit>
-  <New>DocumentLibraryForm</New>
-</FormTemplates>
+<file path=customXml/itemProps1.xml><?xml version="1.0" encoding="utf-8"?>
+<ds:datastoreItem xmlns:ds="http://schemas.openxmlformats.org/officeDocument/2006/customXml" ds:itemID="{04098515-0C12-46CF-BC7C-69B4A13CD5FA}">
+  <ds:schemaRefs>
+    <ds:schemaRef ds:uri="http://schemas.microsoft.com/office/2006/documentManagement/types"/>
+    <ds:schemaRef ds:uri="http://purl.org/dc/elements/1.1/"/>
+    <ds:schemaRef ds:uri="http://schemas.microsoft.com/office/2006/metadata/properties"/>
+    <ds:schemaRef ds:uri="http://schemas.openxmlformats.org/package/2006/metadata/core-properties"/>
+    <ds:schemaRef ds:uri="http://schemas.microsoft.com/office/infopath/2007/PartnerControls"/>
+    <ds:schemaRef ds:uri="http://purl.org/dc/terms/"/>
+    <ds:schemaRef ds:uri="4873beb7-5857-4685-be1f-d57550cc96cc"/>
+    <ds:schemaRef ds:uri="http://www.w3.org/XML/1998/namespace"/>
+    <ds:schemaRef ds:uri="http://purl.org/dc/dcmitype/"/>
+  </ds:schemaRefs>
+</ds:datastoreItem>
 </file>
 
-<file path=customXml/item3.xml><?xml version="1.0" encoding="utf-8"?>
-<p:properties xmlns:p="http://schemas.microsoft.com/office/2006/metadata/properties" xmlns:xsi="http://www.w3.org/2001/XMLSchema-instance" xmlns:pc="http://schemas.microsoft.com/office/infopath/2007/PartnerControls">
-  <documentManagement>
-    <DirectSourceMarket xmlns="4873beb7-5857-4685-be1f-d57550cc96cc" xsi:nil="true"/>
-    <ApprovalStatus xmlns="4873beb7-5857-4685-be1f-d57550cc96cc">InProgress</ApprovalStatus>
-    <MarketSpecific xmlns="4873beb7-5857-4685-be1f-d57550cc96cc">false</MarketSpecific>
-    <LocComments xmlns="4873beb7-5857-4685-be1f-d57550cc96cc" xsi:nil="true"/>
-    <ThumbnailAssetId xmlns="4873beb7-5857-4685-be1f-d57550cc96cc" xsi:nil="true"/>
-    <PrimaryImageGen xmlns="4873beb7-5857-4685-be1f-d57550cc96cc">true</PrimaryImageGen>
-    <LegacyData xmlns="4873beb7-5857-4685-be1f-d57550cc96cc" xsi:nil="true"/>
-    <LocRecommendedHandoff xmlns="4873beb7-5857-4685-be1f-d57550cc96cc" xsi:nil="true"/>
-    <BusinessGroup xmlns="4873beb7-5857-4685-be1f-d57550cc96cc" xsi:nil="true"/>
-    <BlockPublish xmlns="4873beb7-5857-4685-be1f-d57550cc96cc">false</BlockPublish>
-    <TPFriendlyName xmlns="4873beb7-5857-4685-be1f-d57550cc96cc" xsi:nil="true"/>
-    <NumericId xmlns="4873beb7-5857-4685-be1f-d57550cc96cc" xsi:nil="true"/>
-    <APEditor xmlns="4873beb7-5857-4685-be1f-d57550cc96cc">
-      <UserInfo>
-        <DisplayName/>
-        <AccountId xsi:nil="true"/>
-        <AccountType/>
-      </UserInfo>
-    </APEditor>
-    <SourceTitle xmlns="4873beb7-5857-4685-be1f-d57550cc96cc" xsi:nil="true"/>
-    <OpenTemplate xmlns="4873beb7-5857-4685-be1f-d57550cc96cc">true</OpenTemplate>
-    <UALocComments xmlns="4873beb7-5857-4685-be1f-d57550cc96cc" xsi:nil="true"/>
-    <ParentAssetId xmlns="4873beb7-5857-4685-be1f-d57550cc96cc" xsi:nil="true"/>
-    <IntlLangReviewDate xmlns="4873beb7-5857-4685-be1f-d57550cc96cc" xsi:nil="true"/>
-    <FeatureTagsTaxHTField0 xmlns="4873beb7-5857-4685-be1f-d57550cc96cc">
-      <Terms xmlns="http://schemas.microsoft.com/office/infopath/2007/PartnerControls"/>
-    </FeatureTagsTaxHTField0>
-    <PublishStatusLookup xmlns="4873beb7-5857-4685-be1f-d57550cc96cc">
-      <Value>1566889</Value>
-    </PublishStatusLookup>
-    <Providers xmlns="4873beb7-5857-4685-be1f-d57550cc96cc" xsi:nil="true"/>
-    <MachineTranslated xmlns="4873beb7-5857-4685-be1f-d57550cc96cc">false</MachineTranslated>
-    <OriginalSourceMarket xmlns="4873beb7-5857-4685-be1f-d57550cc96cc" xsi:nil="true"/>
-    <APDescription xmlns="4873beb7-5857-4685-be1f-d57550cc96cc" xsi:nil="true"/>
-    <ClipArtFilename xmlns="4873beb7-5857-4685-be1f-d57550cc96cc" xsi:nil="true"/>
-    <ContentItem xmlns="4873beb7-5857-4685-be1f-d57550cc96cc" xsi:nil="true"/>
-    <TPInstallLocation xmlns="4873beb7-5857-4685-be1f-d57550cc96cc" xsi:nil="true"/>
-    <PublishTargets xmlns="4873beb7-5857-4685-be1f-d57550cc96cc">OfficeOnlineVNext</PublishTargets>
-    <TimesCloned xmlns="4873beb7-5857-4685-be1f-d57550cc96cc" xsi:nil="true"/>
-    <AssetStart xmlns="4873beb7-5857-4685-be1f-d57550cc96cc">2012-05-23T08:44:00+00:00</AssetStart>
-    <Provider xmlns="4873beb7-5857-4685-be1f-d57550cc96cc" xsi:nil="true"/>
-    <AcquiredFrom xmlns="4873beb7-5857-4685-be1f-d57550cc96cc">Internal MS</AcquiredFrom>
-    <FriendlyTitle xmlns="4873beb7-5857-4685-be1f-d57550cc96cc" xsi:nil="true"/>
-    <LastHandOff xmlns="4873beb7-5857-4685-be1f-d57550cc96cc" xsi:nil="true"/>
-    <TPClientViewer xmlns="4873beb7-5857-4685-be1f-d57550cc96cc" xsi:nil="true"/>
-    <UACurrentWords xmlns="4873beb7-5857-4685-be1f-d57550cc96cc" xsi:nil="true"/>
-    <ArtSampleDocs xmlns="4873beb7-5857-4685-be1f-d57550cc96cc" xsi:nil="true"/>
-    <UALocRecommendation xmlns="4873beb7-5857-4685-be1f-d57550cc96cc">Localize</UALocRecommendation>
-    <Manager xmlns="4873beb7-5857-4685-be1f-d57550cc96cc" xsi:nil="true"/>
-    <ShowIn xmlns="4873beb7-5857-4685-be1f-d57550cc96cc">Show everywhere</ShowIn>
-    <UANotes xmlns="4873beb7-5857-4685-be1f-d57550cc96cc" xsi:nil="true"/>
-    <TemplateStatus xmlns="4873beb7-5857-4685-be1f-d57550cc96cc">Complete</TemplateStatus>
-    <InternalTagsTaxHTField0 xmlns="4873beb7-5857-4685-be1f-d57550cc96cc">
-      <Terms xmlns="http://schemas.microsoft.com/office/infopath/2007/PartnerControls"/>
-    </InternalTagsTaxHTField0>
-    <CSXHash xmlns="4873beb7-5857-4685-be1f-d57550cc96cc" xsi:nil="true"/>
-    <Downloads xmlns="4873beb7-5857-4685-be1f-d57550cc96cc">0</Downloads>
-    <VoteCount xmlns="4873beb7-5857-4685-be1f-d57550cc96cc" xsi:nil="true"/>
-    <OOCacheId xmlns="4873beb7-5857-4685-be1f-d57550cc96cc" xsi:nil="true"/>
-    <IsDeleted xmlns="4873beb7-5857-4685-be1f-d57550cc96cc">false</IsDeleted>
-    <AssetExpire xmlns="4873beb7-5857-4685-be1f-d57550cc96cc">2029-01-01T08:00:00+00:00</AssetExpire>
-    <DSATActionTaken xmlns="4873beb7-5857-4685-be1f-d57550cc96cc" xsi:nil="true"/>
-    <CSXSubmissionMarket xmlns="4873beb7-5857-4685-be1f-d57550cc96cc" xsi:nil="true"/>
-    <TPExecutable xmlns="4873beb7-5857-4685-be1f-d57550cc96cc" xsi:nil="true"/>
-    <SubmitterId xmlns="4873beb7-5857-4685-be1f-d57550cc96cc" xsi:nil="true"/>
-    <EditorialTags xmlns="4873beb7-5857-4685-be1f-d57550cc96cc" xsi:nil="true"/>
-    <ApprovalLog xmlns="4873beb7-5857-4685-be1f-d57550cc96cc" xsi:nil="true"/>
-    <AssetType xmlns="4873beb7-5857-4685-be1f-d57550cc96cc">TP</AssetType>
-    <BugNumber xmlns="4873beb7-5857-4685-be1f-d57550cc96cc" xsi:nil="true"/>
-    <CSXSubmissionDate xmlns="4873beb7-5857-4685-be1f-d57550cc96cc" xsi:nil="true"/>
-    <CSXUpdate xmlns="4873beb7-5857-4685-be1f-d57550cc96cc">false</CSXUpdate>
-    <Milestone xmlns="4873beb7-5857-4685-be1f-d57550cc96cc" xsi:nil="true"/>
-    <RecommendationsModifier xmlns="4873beb7-5857-4685-be1f-d57550cc96cc" xsi:nil="true"/>
-    <OriginAsset xmlns="4873beb7-5857-4685-be1f-d57550cc96cc" xsi:nil="true"/>
-    <TPComponent xmlns="4873beb7-5857-4685-be1f-d57550cc96cc" xsi:nil="true"/>
-    <AssetId xmlns="4873beb7-5857-4685-be1f-d57550cc96cc">TP102901017</AssetId>
-    <IntlLocPriority xmlns="4873beb7-5857-4685-be1f-d57550cc96cc" xsi:nil="true"/>
-    <PolicheckWords xmlns="4873beb7-5857-4685-be1f-d57550cc96cc" xsi:nil="true"/>
-    <TPLaunchHelpLink xmlns="4873beb7-5857-4685-be1f-d57550cc96cc" xsi:nil="true"/>
-    <TPApplication xmlns="4873beb7-5857-4685-be1f-d57550cc96cc" xsi:nil="true"/>
-    <CrawlForDependencies xmlns="4873beb7-5857-4685-be1f-d57550cc96cc">false</CrawlForDependencies>
-    <HandoffToMSDN xmlns="4873beb7-5857-4685-be1f-d57550cc96cc" xsi:nil="true"/>
-    <PlannedPubDate xmlns="4873beb7-5857-4685-be1f-d57550cc96cc" xsi:nil="true"/>
-    <IntlLangReviewer xmlns="4873beb7-5857-4685-be1f-d57550cc96cc" xsi:nil="true"/>
-    <TrustLevel xmlns="4873beb7-5857-4685-be1f-d57550cc96cc">1 Microsoft Managed Content</TrustLevel>
-    <LocLastLocAttemptVersionLookup xmlns="4873beb7-5857-4685-be1f-d57550cc96cc">836753</LocLastLocAttemptVersionLookup>
-    <IsSearchable xmlns="4873beb7-5857-4685-be1f-d57550cc96cc">true</IsSearchable>
-    <TemplateTemplateType xmlns="4873beb7-5857-4685-be1f-d57550cc96cc">PowerPoint Design Template</TemplateTemplateType>
-    <CampaignTagsTaxHTField0 xmlns="4873beb7-5857-4685-be1f-d57550cc96cc">
-      <Terms xmlns="http://schemas.microsoft.com/office/infopath/2007/PartnerControls"/>
-    </CampaignTagsTaxHTField0>
-    <TPNamespace xmlns="4873beb7-5857-4685-be1f-d57550cc96cc" xsi:nil="true"/>
-    <TaxCatchAll xmlns="4873beb7-5857-4685-be1f-d57550cc96cc"/>
-    <Markets xmlns="4873beb7-5857-4685-be1f-d57550cc96cc"/>
-    <UAProjectedTotalWords xmlns="4873beb7-5857-4685-be1f-d57550cc96cc" xsi:nil="true"/>
-    <IntlLangReview xmlns="4873beb7-5857-4685-be1f-d57550cc96cc">false</IntlLangReview>
-    <OutputCachingOn xmlns="4873beb7-5857-4685-be1f-d57550cc96cc">false</OutputCachingOn>
-    <AverageRating xmlns="4873beb7-5857-4685-be1f-d57550cc96cc" xsi:nil="true"/>
-    <APAuthor xmlns="4873beb7-5857-4685-be1f-d57550cc96cc">
-      <UserInfo>
-        <DisplayName>REDMOND\v-anij</DisplayName>
-        <AccountId>2469</AccountId>
-        <AccountType/>
-      </UserInfo>
-    </APAuthor>
-    <LocManualTestRequired xmlns="4873beb7-5857-4685-be1f-d57550cc96cc">false</LocManualTestRequired>
-    <TPCommandLine xmlns="4873beb7-5857-4685-be1f-d57550cc96cc" xsi:nil="true"/>
-    <TPAppVersion xmlns="4873beb7-5857-4685-be1f-d57550cc96cc" xsi:nil="true"/>
-    <EditorialStatus xmlns="4873beb7-5857-4685-be1f-d57550cc96cc">Complete</EditorialStatus>
-    <LastModifiedDateTime xmlns="4873beb7-5857-4685-be1f-d57550cc96cc" xsi:nil="true"/>
-    <ScenarioTagsTaxHTField0 xmlns="4873beb7-5857-4685-be1f-d57550cc96cc">
-      <Terms xmlns="http://schemas.microsoft.com/office/infopath/2007/PartnerControls"/>
-    </ScenarioTagsTaxHTField0>
-    <OriginalRelease xmlns="4873beb7-5857-4685-be1f-d57550cc96cc">15</OriginalRelease>
-    <TPLaunchHelpLinkType xmlns="4873beb7-5857-4685-be1f-d57550cc96cc">Template</TPLaunchHelpLinkType>
-    <LocalizationTagsTaxHTField0 xmlns="4873beb7-5857-4685-be1f-d57550cc96cc">
-      <Terms xmlns="http://schemas.microsoft.com/office/infopath/2007/PartnerControls"/>
-    </LocalizationTagsTaxHTField0>
-    <LocMarketGroupTiers2 xmlns="4873beb7-5857-4685-be1f-d57550cc96cc" xsi:nil="true"/>
-  </documentManagement>
-</p:properties>
+<file path=customXml/itemProps2.xml><?xml version="1.0" encoding="utf-8"?>
+<ds:datastoreItem xmlns:ds="http://schemas.openxmlformats.org/officeDocument/2006/customXml" ds:itemID="{746CFF6F-D9AA-4BC0-911A-0A1356771912}">
+  <ds:schemaRefs>
+    <ds:schemaRef ds:uri="http://schemas.microsoft.com/sharepoint/v3/contenttype/forms"/>
+  </ds:schemaRefs>
+</ds:datastoreItem>
 </file>
 
-<file path=customXml/itemProps1.xml><?xml version="1.0" encoding="utf-8"?>
+<file path=customXml/itemProps3.xml><?xml version="1.0" encoding="utf-8"?>
 <ds:datastoreItem xmlns:ds="http://schemas.openxmlformats.org/officeDocument/2006/customXml" ds:itemID="{0B5C6E15-39DC-470B-9445-F754B9458020}">
   <ds:schemaRefs>
     <ds:schemaRef ds:uri="http://schemas.microsoft.com/office/2006/metadata/contentType"/>
@@ -12442,28 +12755,4 @@
     <ds:schemaRef ds:uri="http://schemas.microsoft.com/internal/obd"/>
   </ds:schemaRefs>
 </ds:datastoreItem>
-</file>
-
-<file path=customXml/itemProps2.xml><?xml version="1.0" encoding="utf-8"?>
-<ds:datastoreItem xmlns:ds="http://schemas.openxmlformats.org/officeDocument/2006/customXml" ds:itemID="{746CFF6F-D9AA-4BC0-911A-0A1356771912}">
-  <ds:schemaRefs>
-    <ds:schemaRef ds:uri="http://schemas.microsoft.com/sharepoint/v3/contenttype/forms"/>
-  </ds:schemaRefs>
-</ds:datastoreItem>
-</file>
-
-<file path=customXml/itemProps3.xml><?xml version="1.0" encoding="utf-8"?>
-<ds:datastoreItem xmlns:ds="http://schemas.openxmlformats.org/officeDocument/2006/customXml" ds:itemID="{04098515-0C12-46CF-BC7C-69B4A13CD5FA}">
-  <ds:schemaRefs>
-    <ds:schemaRef ds:uri="http://schemas.microsoft.com/office/2006/documentManagement/types"/>
-    <ds:schemaRef ds:uri="http://purl.org/dc/elements/1.1/"/>
-    <ds:schemaRef ds:uri="http://schemas.microsoft.com/office/2006/metadata/properties"/>
-    <ds:schemaRef ds:uri="http://schemas.openxmlformats.org/package/2006/metadata/core-properties"/>
-    <ds:schemaRef ds:uri="http://schemas.microsoft.com/office/infopath/2007/PartnerControls"/>
-    <ds:schemaRef ds:uri="http://purl.org/dc/terms/"/>
-    <ds:schemaRef ds:uri="4873beb7-5857-4685-be1f-d57550cc96cc"/>
-    <ds:schemaRef ds:uri="http://www.w3.org/XML/1998/namespace"/>
-    <ds:schemaRef ds:uri="http://purl.org/dc/dcmitype/"/>
-  </ds:schemaRefs>
-</ds:datastoreItem>
 </file>